--- a/doc/Presentation1.pptx
+++ b/doc/Presentation1.pptx
@@ -5,7 +5,7 @@
     <p:sldMasterId id="2147483660" r:id="rId1"/>
   </p:sldMasterIdLst>
   <p:notesMasterIdLst>
-    <p:notesMasterId r:id="rId13"/>
+    <p:notesMasterId r:id="rId14"/>
   </p:notesMasterIdLst>
   <p:sldIdLst>
     <p:sldId id="256" r:id="rId2"/>
@@ -15,10 +15,11 @@
     <p:sldId id="262" r:id="rId6"/>
     <p:sldId id="259" r:id="rId7"/>
     <p:sldId id="266" r:id="rId8"/>
-    <p:sldId id="265" r:id="rId9"/>
-    <p:sldId id="263" r:id="rId10"/>
-    <p:sldId id="264" r:id="rId11"/>
-    <p:sldId id="261" r:id="rId12"/>
+    <p:sldId id="267" r:id="rId9"/>
+    <p:sldId id="265" r:id="rId10"/>
+    <p:sldId id="263" r:id="rId11"/>
+    <p:sldId id="264" r:id="rId12"/>
+    <p:sldId id="261" r:id="rId13"/>
   </p:sldIdLst>
   <p:sldSz cx="21599525" cy="14400213"/>
   <p:notesSz cx="6858000" cy="9144000"/>
@@ -658,6 +659,114 @@
     <p:extLst>
       <p:ext uri="{BB962C8B-B14F-4D97-AF65-F5344CB8AC3E}">
         <p14:creationId xmlns:p14="http://schemas.microsoft.com/office/powerpoint/2010/main" val="542692048"/>
+      </p:ext>
+    </p:extLst>
+  </p:cSld>
+  <p:clrMapOvr>
+    <a:masterClrMapping/>
+  </p:clrMapOvr>
+</p:notes>
+</file>
+
+<file path=ppt/notesSlides/notesSlide3.xml><?xml version="1.0" encoding="utf-8"?>
+<p:notes xmlns:a="http://schemas.openxmlformats.org/drawingml/2006/main" xmlns:r="http://schemas.openxmlformats.org/officeDocument/2006/relationships" xmlns:p="http://schemas.openxmlformats.org/presentationml/2006/main">
+  <p:cSld>
+    <p:spTree>
+      <p:nvGrpSpPr>
+        <p:cNvPr id="1" name="">
+          <a:extLst>
+            <a:ext uri="{FF2B5EF4-FFF2-40B4-BE49-F238E27FC236}">
+              <a16:creationId xmlns:a16="http://schemas.microsoft.com/office/drawing/2014/main" id="{33FEB9F0-0F41-2411-2855-624FE691E4DF}"/>
+            </a:ext>
+          </a:extLst>
+        </p:cNvPr>
+        <p:cNvGrpSpPr/>
+        <p:nvPr/>
+      </p:nvGrpSpPr>
+      <p:grpSpPr>
+        <a:xfrm>
+          <a:off x="0" y="0"/>
+          <a:ext cx="0" cy="0"/>
+          <a:chOff x="0" y="0"/>
+          <a:chExt cx="0" cy="0"/>
+        </a:xfrm>
+      </p:grpSpPr>
+      <p:sp>
+        <p:nvSpPr>
+          <p:cNvPr id="2" name="Slide Image Placeholder 1">
+            <a:extLst>
+              <a:ext uri="{FF2B5EF4-FFF2-40B4-BE49-F238E27FC236}">
+                <a16:creationId xmlns:a16="http://schemas.microsoft.com/office/drawing/2014/main" id="{D630EBB5-17F2-781E-15CE-0216E360F32D}"/>
+              </a:ext>
+            </a:extLst>
+          </p:cNvPr>
+          <p:cNvSpPr>
+            <a:spLocks noGrp="1" noRot="1" noChangeAspect="1"/>
+          </p:cNvSpPr>
+          <p:nvPr>
+            <p:ph type="sldImg"/>
+          </p:nvPr>
+        </p:nvSpPr>
+        <p:spPr/>
+      </p:sp>
+      <p:sp>
+        <p:nvSpPr>
+          <p:cNvPr id="3" name="Notes Placeholder 2">
+            <a:extLst>
+              <a:ext uri="{FF2B5EF4-FFF2-40B4-BE49-F238E27FC236}">
+                <a16:creationId xmlns:a16="http://schemas.microsoft.com/office/drawing/2014/main" id="{5F5D883C-E91A-7BCE-893E-1E13C16FB972}"/>
+              </a:ext>
+            </a:extLst>
+          </p:cNvPr>
+          <p:cNvSpPr>
+            <a:spLocks noGrp="1"/>
+          </p:cNvSpPr>
+          <p:nvPr>
+            <p:ph type="body" idx="1"/>
+          </p:nvPr>
+        </p:nvSpPr>
+        <p:spPr/>
+        <p:txBody>
+          <a:bodyPr/>
+          <a:lstStyle/>
+          <a:p>
+            <a:endParaRPr lang="en-CN" dirty="0"/>
+          </a:p>
+        </p:txBody>
+      </p:sp>
+      <p:sp>
+        <p:nvSpPr>
+          <p:cNvPr id="4" name="Slide Number Placeholder 3">
+            <a:extLst>
+              <a:ext uri="{FF2B5EF4-FFF2-40B4-BE49-F238E27FC236}">
+                <a16:creationId xmlns:a16="http://schemas.microsoft.com/office/drawing/2014/main" id="{BB1D66EF-9205-4713-1C11-023409AE72EF}"/>
+              </a:ext>
+            </a:extLst>
+          </p:cNvPr>
+          <p:cNvSpPr>
+            <a:spLocks noGrp="1"/>
+          </p:cNvSpPr>
+          <p:nvPr>
+            <p:ph type="sldNum" sz="quarter" idx="5"/>
+          </p:nvPr>
+        </p:nvSpPr>
+        <p:spPr/>
+        <p:txBody>
+          <a:bodyPr/>
+          <a:lstStyle/>
+          <a:p>
+            <a:fld id="{F588795D-72D9-E14F-8941-7291F4B27C67}" type="slidenum">
+              <a:rPr lang="en-CN" smtClean="0"/>
+              <a:t>8</a:t>
+            </a:fld>
+            <a:endParaRPr lang="en-CN"/>
+          </a:p>
+        </p:txBody>
+      </p:sp>
+    </p:spTree>
+    <p:extLst>
+      <p:ext uri="{BB962C8B-B14F-4D97-AF65-F5344CB8AC3E}">
+        <p14:creationId xmlns:p14="http://schemas.microsoft.com/office/powerpoint/2010/main" val="2716118772"/>
       </p:ext>
     </p:extLst>
   </p:cSld>
@@ -3930,6 +4039,85 @@
         <p:cNvPr id="1" name="">
           <a:extLst>
             <a:ext uri="{FF2B5EF4-FFF2-40B4-BE49-F238E27FC236}">
+              <a16:creationId xmlns:a16="http://schemas.microsoft.com/office/drawing/2014/main" id="{71AB7CFB-B9A1-5B42-02DD-68EA0FCB4034}"/>
+            </a:ext>
+          </a:extLst>
+        </p:cNvPr>
+        <p:cNvGrpSpPr/>
+        <p:nvPr/>
+      </p:nvGrpSpPr>
+      <p:grpSpPr>
+        <a:xfrm>
+          <a:off x="0" y="0"/>
+          <a:ext cx="0" cy="0"/>
+          <a:chOff x="0" y="0"/>
+          <a:chExt cx="0" cy="0"/>
+        </a:xfrm>
+      </p:grpSpPr>
+      <p:sp>
+        <p:nvSpPr>
+          <p:cNvPr id="5" name="TextBox 4">
+            <a:extLst>
+              <a:ext uri="{FF2B5EF4-FFF2-40B4-BE49-F238E27FC236}">
+                <a16:creationId xmlns:a16="http://schemas.microsoft.com/office/drawing/2014/main" id="{A2216244-6ADD-A439-D3C9-B3F74792AD29}"/>
+              </a:ext>
+            </a:extLst>
+          </p:cNvPr>
+          <p:cNvSpPr txBox="1"/>
+          <p:nvPr/>
+        </p:nvSpPr>
+        <p:spPr>
+          <a:xfrm>
+            <a:off x="1147427" y="7100431"/>
+            <a:ext cx="7874573" cy="492443"/>
+          </a:xfrm>
+          <a:prstGeom prst="rect">
+            <a:avLst/>
+          </a:prstGeom>
+          <a:noFill/>
+        </p:spPr>
+        <p:txBody>
+          <a:bodyPr wrap="square">
+            <a:spAutoFit/>
+          </a:bodyPr>
+          <a:lstStyle/>
+          <a:p>
+            <a:r>
+              <a:rPr lang="en-CN" sz="2600" b="1" dirty="0">
+                <a:solidFill>
+                  <a:schemeClr val="tx2">
+                    <a:lumMod val="50000"/>
+                    <a:lumOff val="50000"/>
+                  </a:schemeClr>
+                </a:solidFill>
+                <a:latin typeface="Bell MT" panose="02020503060305020303" pitchFamily="18" charset="77"/>
+              </a:rPr>
+              <a:t>Inference</a:t>
+            </a:r>
+          </a:p>
+        </p:txBody>
+      </p:sp>
+    </p:spTree>
+    <p:extLst>
+      <p:ext uri="{BB962C8B-B14F-4D97-AF65-F5344CB8AC3E}">
+        <p14:creationId xmlns:p14="http://schemas.microsoft.com/office/powerpoint/2010/main" val="3468483384"/>
+      </p:ext>
+    </p:extLst>
+  </p:cSld>
+  <p:clrMapOvr>
+    <a:masterClrMapping/>
+  </p:clrMapOvr>
+</p:sld>
+</file>
+
+<file path=ppt/slides/slide11.xml><?xml version="1.0" encoding="utf-8"?>
+<p:sld xmlns:a="http://schemas.openxmlformats.org/drawingml/2006/main" xmlns:r="http://schemas.openxmlformats.org/officeDocument/2006/relationships" xmlns:p="http://schemas.openxmlformats.org/presentationml/2006/main">
+  <p:cSld>
+    <p:spTree>
+      <p:nvGrpSpPr>
+        <p:cNvPr id="1" name="">
+          <a:extLst>
+            <a:ext uri="{FF2B5EF4-FFF2-40B4-BE49-F238E27FC236}">
               <a16:creationId xmlns:a16="http://schemas.microsoft.com/office/drawing/2014/main" id="{A8FAE66C-309D-672A-72CD-C3F7DABEC69D}"/>
             </a:ext>
           </a:extLst>
@@ -4001,7 +4189,7 @@
 </p:sld>
 </file>
 
-<file path=ppt/slides/slide11.xml><?xml version="1.0" encoding="utf-8"?>
+<file path=ppt/slides/slide12.xml><?xml version="1.0" encoding="utf-8"?>
 <p:sld xmlns:a="http://schemas.openxmlformats.org/drawingml/2006/main" xmlns:r="http://schemas.openxmlformats.org/officeDocument/2006/relationships" xmlns:p="http://schemas.openxmlformats.org/presentationml/2006/main">
   <p:cSld>
     <p:spTree>
@@ -30504,6 +30692,7352 @@
         <p:cNvPr id="1" name="">
           <a:extLst>
             <a:ext uri="{FF2B5EF4-FFF2-40B4-BE49-F238E27FC236}">
+              <a16:creationId xmlns:a16="http://schemas.microsoft.com/office/drawing/2014/main" id="{709F3078-B459-1987-63A0-1117C78981BC}"/>
+            </a:ext>
+          </a:extLst>
+        </p:cNvPr>
+        <p:cNvGrpSpPr/>
+        <p:nvPr/>
+      </p:nvGrpSpPr>
+      <p:grpSpPr>
+        <a:xfrm>
+          <a:off x="0" y="0"/>
+          <a:ext cx="0" cy="0"/>
+          <a:chOff x="0" y="0"/>
+          <a:chExt cx="0" cy="0"/>
+        </a:xfrm>
+      </p:grpSpPr>
+      <p:grpSp>
+        <p:nvGrpSpPr>
+          <p:cNvPr id="156" name="Group 155">
+            <a:extLst>
+              <a:ext uri="{FF2B5EF4-FFF2-40B4-BE49-F238E27FC236}">
+                <a16:creationId xmlns:a16="http://schemas.microsoft.com/office/drawing/2014/main" id="{B663ED13-2EB5-889B-8DC7-6D8EA585ACE1}"/>
+              </a:ext>
+            </a:extLst>
+          </p:cNvPr>
+          <p:cNvGrpSpPr/>
+          <p:nvPr/>
+        </p:nvGrpSpPr>
+        <p:grpSpPr>
+          <a:xfrm>
+            <a:off x="1048833" y="788234"/>
+            <a:ext cx="7501257" cy="5766667"/>
+            <a:chOff x="1048833" y="788234"/>
+            <a:chExt cx="7501257" cy="5766667"/>
+          </a:xfrm>
+        </p:grpSpPr>
+        <p:grpSp>
+          <p:nvGrpSpPr>
+            <p:cNvPr id="127" name="Group 126">
+              <a:extLst>
+                <a:ext uri="{FF2B5EF4-FFF2-40B4-BE49-F238E27FC236}">
+                  <a16:creationId xmlns:a16="http://schemas.microsoft.com/office/drawing/2014/main" id="{268E31BD-A2A6-0E31-639B-BA13B80B6383}"/>
+                </a:ext>
+              </a:extLst>
+            </p:cNvPr>
+            <p:cNvGrpSpPr/>
+            <p:nvPr/>
+          </p:nvGrpSpPr>
+          <p:grpSpPr>
+            <a:xfrm>
+              <a:off x="1289739" y="1407158"/>
+              <a:ext cx="7260351" cy="5147743"/>
+              <a:chOff x="1590239" y="661416"/>
+              <a:chExt cx="7260351" cy="5147743"/>
+            </a:xfrm>
+          </p:grpSpPr>
+          <p:grpSp>
+            <p:nvGrpSpPr>
+              <p:cNvPr id="120" name="Group 119">
+                <a:extLst>
+                  <a:ext uri="{FF2B5EF4-FFF2-40B4-BE49-F238E27FC236}">
+                    <a16:creationId xmlns:a16="http://schemas.microsoft.com/office/drawing/2014/main" id="{19FA15A1-F4A1-F9EE-7E75-4CC912E64CB5}"/>
+                  </a:ext>
+                </a:extLst>
+              </p:cNvPr>
+              <p:cNvGrpSpPr/>
+              <p:nvPr/>
+            </p:nvGrpSpPr>
+            <p:grpSpPr>
+              <a:xfrm>
+                <a:off x="3390306" y="1150832"/>
+                <a:ext cx="5280094" cy="4106968"/>
+                <a:chOff x="1576746" y="1150832"/>
+                <a:chExt cx="5280094" cy="4106968"/>
+              </a:xfrm>
+            </p:grpSpPr>
+            <p:grpSp>
+              <p:nvGrpSpPr>
+                <p:cNvPr id="107" name="Group 106">
+                  <a:extLst>
+                    <a:ext uri="{FF2B5EF4-FFF2-40B4-BE49-F238E27FC236}">
+                      <a16:creationId xmlns:a16="http://schemas.microsoft.com/office/drawing/2014/main" id="{D81A31BA-C9F7-F25F-84D8-BEFC05817829}"/>
+                    </a:ext>
+                  </a:extLst>
+                </p:cNvPr>
+                <p:cNvGrpSpPr/>
+                <p:nvPr/>
+              </p:nvGrpSpPr>
+              <p:grpSpPr>
+                <a:xfrm>
+                  <a:off x="1576746" y="1150832"/>
+                  <a:ext cx="2111334" cy="4106968"/>
+                  <a:chOff x="1576746" y="1150832"/>
+                  <a:chExt cx="2111334" cy="4106968"/>
+                </a:xfrm>
+              </p:grpSpPr>
+              <p:grpSp>
+                <p:nvGrpSpPr>
+                  <p:cNvPr id="45" name="Group 44">
+                    <a:extLst>
+                      <a:ext uri="{FF2B5EF4-FFF2-40B4-BE49-F238E27FC236}">
+                        <a16:creationId xmlns:a16="http://schemas.microsoft.com/office/drawing/2014/main" id="{829D547C-1552-5187-AD2C-3E2E7EB39844}"/>
+                      </a:ext>
+                    </a:extLst>
+                  </p:cNvPr>
+                  <p:cNvGrpSpPr/>
+                  <p:nvPr/>
+                </p:nvGrpSpPr>
+                <p:grpSpPr>
+                  <a:xfrm>
+                    <a:off x="1576746" y="1150832"/>
+                    <a:ext cx="876894" cy="4106968"/>
+                    <a:chOff x="2552106" y="937472"/>
+                    <a:chExt cx="876894" cy="4106968"/>
+                  </a:xfrm>
+                </p:grpSpPr>
+                <p:sp>
+                  <p:nvSpPr>
+                    <p:cNvPr id="2" name="Oval 1">
+                      <a:extLst>
+                        <a:ext uri="{FF2B5EF4-FFF2-40B4-BE49-F238E27FC236}">
+                          <a16:creationId xmlns:a16="http://schemas.microsoft.com/office/drawing/2014/main" id="{05AAF2FF-9EFB-283F-85AD-6B1FEC1BB9C3}"/>
+                        </a:ext>
+                      </a:extLst>
+                    </p:cNvPr>
+                    <p:cNvSpPr/>
+                    <p:nvPr/>
+                  </p:nvSpPr>
+                  <p:spPr>
+                    <a:xfrm>
+                      <a:off x="2552106" y="937472"/>
+                      <a:ext cx="876894" cy="876088"/>
+                    </a:xfrm>
+                    <a:prstGeom prst="ellipse">
+                      <a:avLst/>
+                    </a:prstGeom>
+                    <a:ln>
+                      <a:noFill/>
+                    </a:ln>
+                  </p:spPr>
+                  <p:style>
+                    <a:lnRef idx="2">
+                      <a:schemeClr val="accent1">
+                        <a:shade val="15000"/>
+                      </a:schemeClr>
+                    </a:lnRef>
+                    <a:fillRef idx="1">
+                      <a:schemeClr val="accent1"/>
+                    </a:fillRef>
+                    <a:effectRef idx="0">
+                      <a:schemeClr val="accent1"/>
+                    </a:effectRef>
+                    <a:fontRef idx="minor">
+                      <a:schemeClr val="lt1"/>
+                    </a:fontRef>
+                  </p:style>
+                  <p:txBody>
+                    <a:bodyPr rtlCol="0" anchor="ctr"/>
+                    <a:lstStyle/>
+                    <a:p>
+                      <a:pPr algn="ctr"/>
+                      <a:r>
+                        <a:rPr lang="en-CN" sz="2400" dirty="0">
+                          <a:latin typeface="Bell MT" panose="02020503060305020303" pitchFamily="18" charset="77"/>
+                        </a:rPr>
+                        <a:t>X</a:t>
+                      </a:r>
+                      <a:r>
+                        <a:rPr lang="en-CN" sz="1000" dirty="0">
+                          <a:latin typeface="Bell MT" panose="02020503060305020303" pitchFamily="18" charset="77"/>
+                        </a:rPr>
+                        <a:t>T</a:t>
+                      </a:r>
+                      <a:r>
+                        <a:rPr lang="en-CN" sz="700" dirty="0">
+                          <a:latin typeface="Bell MT" panose="02020503060305020303" pitchFamily="18" charset="77"/>
+                        </a:rPr>
+                        <a:t>0</a:t>
+                      </a:r>
+                      <a:endParaRPr lang="en-CN" sz="2400" dirty="0">
+                        <a:latin typeface="Bell MT" panose="02020503060305020303" pitchFamily="18" charset="77"/>
+                      </a:endParaRPr>
+                    </a:p>
+                  </p:txBody>
+                </p:sp>
+                <p:sp>
+                  <p:nvSpPr>
+                    <p:cNvPr id="3" name="Oval 2">
+                      <a:extLst>
+                        <a:ext uri="{FF2B5EF4-FFF2-40B4-BE49-F238E27FC236}">
+                          <a16:creationId xmlns:a16="http://schemas.microsoft.com/office/drawing/2014/main" id="{B1262DE5-A99A-C4B1-82CF-BA82B2E3074A}"/>
+                        </a:ext>
+                      </a:extLst>
+                    </p:cNvPr>
+                    <p:cNvSpPr/>
+                    <p:nvPr/>
+                  </p:nvSpPr>
+                  <p:spPr>
+                    <a:xfrm>
+                      <a:off x="2552106" y="2552912"/>
+                      <a:ext cx="876894" cy="876088"/>
+                    </a:xfrm>
+                    <a:prstGeom prst="ellipse">
+                      <a:avLst/>
+                    </a:prstGeom>
+                    <a:ln>
+                      <a:noFill/>
+                    </a:ln>
+                  </p:spPr>
+                  <p:style>
+                    <a:lnRef idx="2">
+                      <a:schemeClr val="accent1">
+                        <a:shade val="15000"/>
+                      </a:schemeClr>
+                    </a:lnRef>
+                    <a:fillRef idx="1">
+                      <a:schemeClr val="accent1"/>
+                    </a:fillRef>
+                    <a:effectRef idx="0">
+                      <a:schemeClr val="accent1"/>
+                    </a:effectRef>
+                    <a:fontRef idx="minor">
+                      <a:schemeClr val="lt1"/>
+                    </a:fontRef>
+                  </p:style>
+                  <p:txBody>
+                    <a:bodyPr rtlCol="0" anchor="ctr"/>
+                    <a:lstStyle/>
+                    <a:p>
+                      <a:pPr algn="ctr"/>
+                      <a:r>
+                        <a:rPr lang="en-CN" sz="2400" dirty="0">
+                          <a:latin typeface="Bell MT" panose="02020503060305020303" pitchFamily="18" charset="77"/>
+                        </a:rPr>
+                        <a:t>X</a:t>
+                      </a:r>
+                      <a:r>
+                        <a:rPr lang="en-CN" sz="1000" dirty="0">
+                          <a:latin typeface="Bell MT" panose="02020503060305020303" pitchFamily="18" charset="77"/>
+                        </a:rPr>
+                        <a:t>T-1</a:t>
+                      </a:r>
+                      <a:endParaRPr lang="en-CN" sz="2400" dirty="0">
+                        <a:latin typeface="Bell MT" panose="02020503060305020303" pitchFamily="18" charset="77"/>
+                      </a:endParaRPr>
+                    </a:p>
+                  </p:txBody>
+                </p:sp>
+                <p:sp>
+                  <p:nvSpPr>
+                    <p:cNvPr id="4" name="Oval 3">
+                      <a:extLst>
+                        <a:ext uri="{FF2B5EF4-FFF2-40B4-BE49-F238E27FC236}">
+                          <a16:creationId xmlns:a16="http://schemas.microsoft.com/office/drawing/2014/main" id="{BBFF04E6-35AF-9F3D-D5CC-269851E94143}"/>
+                        </a:ext>
+                      </a:extLst>
+                    </p:cNvPr>
+                    <p:cNvSpPr/>
+                    <p:nvPr/>
+                  </p:nvSpPr>
+                  <p:spPr>
+                    <a:xfrm>
+                      <a:off x="2552106" y="4168352"/>
+                      <a:ext cx="876894" cy="876088"/>
+                    </a:xfrm>
+                    <a:prstGeom prst="ellipse">
+                      <a:avLst/>
+                    </a:prstGeom>
+                    <a:ln>
+                      <a:noFill/>
+                    </a:ln>
+                  </p:spPr>
+                  <p:style>
+                    <a:lnRef idx="2">
+                      <a:schemeClr val="accent1">
+                        <a:shade val="15000"/>
+                      </a:schemeClr>
+                    </a:lnRef>
+                    <a:fillRef idx="1">
+                      <a:schemeClr val="accent1"/>
+                    </a:fillRef>
+                    <a:effectRef idx="0">
+                      <a:schemeClr val="accent1"/>
+                    </a:effectRef>
+                    <a:fontRef idx="minor">
+                      <a:schemeClr val="lt1"/>
+                    </a:fontRef>
+                  </p:style>
+                  <p:txBody>
+                    <a:bodyPr rtlCol="0" anchor="ctr"/>
+                    <a:lstStyle/>
+                    <a:p>
+                      <a:pPr algn="ctr"/>
+                      <a:r>
+                        <a:rPr lang="en-CN" sz="2400" dirty="0">
+                          <a:latin typeface="Bell MT" panose="02020503060305020303" pitchFamily="18" charset="77"/>
+                        </a:rPr>
+                        <a:t>X</a:t>
+                      </a:r>
+                      <a:r>
+                        <a:rPr lang="zh-CN" altLang="en-US" sz="2400" dirty="0">
+                          <a:latin typeface="Bell MT" panose="02020503060305020303" pitchFamily="18" charset="77"/>
+                        </a:rPr>
+                        <a:t>’</a:t>
+                      </a:r>
+                      <a:r>
+                        <a:rPr lang="en-CN" sz="1000" dirty="0">
+                          <a:latin typeface="Bell MT" panose="02020503060305020303" pitchFamily="18" charset="77"/>
+                        </a:rPr>
+                        <a:t>T</a:t>
+                      </a:r>
+                      <a:r>
+                        <a:rPr lang="en-US" altLang="zh-CN" sz="700" dirty="0">
+                          <a:latin typeface="Bell MT" panose="02020503060305020303" pitchFamily="18" charset="77"/>
+                        </a:rPr>
+                        <a:t>1</a:t>
+                      </a:r>
+                      <a:endParaRPr lang="en-CN" sz="2400" dirty="0">
+                        <a:latin typeface="Bell MT" panose="02020503060305020303" pitchFamily="18" charset="77"/>
+                      </a:endParaRPr>
+                    </a:p>
+                  </p:txBody>
+                </p:sp>
+                <p:pic>
+                  <p:nvPicPr>
+                    <p:cNvPr id="7" name="Graphic 6" descr="Arrow Down with solid fill">
+                      <a:extLst>
+                        <a:ext uri="{FF2B5EF4-FFF2-40B4-BE49-F238E27FC236}">
+                          <a16:creationId xmlns:a16="http://schemas.microsoft.com/office/drawing/2014/main" id="{E2E4430B-8626-4745-6DE5-5BCDB057349F}"/>
+                        </a:ext>
+                      </a:extLst>
+                    </p:cNvPr>
+                    <p:cNvPicPr>
+                      <a:picLocks noChangeAspect="1"/>
+                    </p:cNvPicPr>
+                    <p:nvPr/>
+                  </p:nvPicPr>
+                  <p:blipFill>
+                    <a:blip r:embed="rId3">
+                      <a:extLst>
+                        <a:ext uri="{96DAC541-7B7A-43D3-8B79-37D633B846F1}">
+                          <asvg:svgBlip xmlns:asvg="http://schemas.microsoft.com/office/drawing/2016/SVG/main" r:embed="rId4"/>
+                        </a:ext>
+                      </a:extLst>
+                    </a:blip>
+                    <a:stretch>
+                      <a:fillRect/>
+                    </a:stretch>
+                  </p:blipFill>
+                  <p:spPr>
+                    <a:xfrm>
+                      <a:off x="2670513" y="1893676"/>
+                      <a:ext cx="640080" cy="579120"/>
+                    </a:xfrm>
+                    <a:prstGeom prst="rect">
+                      <a:avLst/>
+                    </a:prstGeom>
+                  </p:spPr>
+                </p:pic>
+                <p:pic>
+                  <p:nvPicPr>
+                    <p:cNvPr id="8" name="Graphic 7" descr="Arrow Down with solid fill">
+                      <a:extLst>
+                        <a:ext uri="{FF2B5EF4-FFF2-40B4-BE49-F238E27FC236}">
+                          <a16:creationId xmlns:a16="http://schemas.microsoft.com/office/drawing/2014/main" id="{C294223B-CF46-0B92-01EB-BD1D89376B36}"/>
+                        </a:ext>
+                      </a:extLst>
+                    </p:cNvPr>
+                    <p:cNvPicPr>
+                      <a:picLocks noChangeAspect="1"/>
+                    </p:cNvPicPr>
+                    <p:nvPr/>
+                  </p:nvPicPr>
+                  <p:blipFill>
+                    <a:blip r:embed="rId3">
+                      <a:extLst>
+                        <a:ext uri="{96DAC541-7B7A-43D3-8B79-37D633B846F1}">
+                          <asvg:svgBlip xmlns:asvg="http://schemas.microsoft.com/office/drawing/2016/SVG/main" r:embed="rId4"/>
+                        </a:ext>
+                      </a:extLst>
+                    </a:blip>
+                    <a:stretch>
+                      <a:fillRect/>
+                    </a:stretch>
+                  </p:blipFill>
+                  <p:spPr>
+                    <a:xfrm>
+                      <a:off x="2670513" y="3509116"/>
+                      <a:ext cx="640080" cy="579120"/>
+                    </a:xfrm>
+                    <a:prstGeom prst="rect">
+                      <a:avLst/>
+                    </a:prstGeom>
+                  </p:spPr>
+                </p:pic>
+              </p:grpSp>
+              <p:grpSp>
+                <p:nvGrpSpPr>
+                  <p:cNvPr id="46" name="Group 45">
+                    <a:extLst>
+                      <a:ext uri="{FF2B5EF4-FFF2-40B4-BE49-F238E27FC236}">
+                        <a16:creationId xmlns:a16="http://schemas.microsoft.com/office/drawing/2014/main" id="{B89C1203-CD38-F842-206C-3B5CD5812959}"/>
+                      </a:ext>
+                    </a:extLst>
+                  </p:cNvPr>
+                  <p:cNvGrpSpPr/>
+                  <p:nvPr/>
+                </p:nvGrpSpPr>
+                <p:grpSpPr>
+                  <a:xfrm>
+                    <a:off x="2811186" y="1150832"/>
+                    <a:ext cx="876894" cy="4106968"/>
+                    <a:chOff x="2552106" y="937472"/>
+                    <a:chExt cx="876894" cy="4106968"/>
+                  </a:xfrm>
+                </p:grpSpPr>
+                <p:sp>
+                  <p:nvSpPr>
+                    <p:cNvPr id="48" name="Oval 47">
+                      <a:extLst>
+                        <a:ext uri="{FF2B5EF4-FFF2-40B4-BE49-F238E27FC236}">
+                          <a16:creationId xmlns:a16="http://schemas.microsoft.com/office/drawing/2014/main" id="{248F0036-D8AB-B6D6-B9AE-2A9620743534}"/>
+                        </a:ext>
+                      </a:extLst>
+                    </p:cNvPr>
+                    <p:cNvSpPr/>
+                    <p:nvPr/>
+                  </p:nvSpPr>
+                  <p:spPr>
+                    <a:xfrm>
+                      <a:off x="2552106" y="937472"/>
+                      <a:ext cx="876894" cy="876088"/>
+                    </a:xfrm>
+                    <a:prstGeom prst="ellipse">
+                      <a:avLst/>
+                    </a:prstGeom>
+                    <a:ln>
+                      <a:noFill/>
+                    </a:ln>
+                  </p:spPr>
+                  <p:style>
+                    <a:lnRef idx="2">
+                      <a:schemeClr val="accent1">
+                        <a:shade val="15000"/>
+                      </a:schemeClr>
+                    </a:lnRef>
+                    <a:fillRef idx="1">
+                      <a:schemeClr val="accent1"/>
+                    </a:fillRef>
+                    <a:effectRef idx="0">
+                      <a:schemeClr val="accent1"/>
+                    </a:effectRef>
+                    <a:fontRef idx="minor">
+                      <a:schemeClr val="lt1"/>
+                    </a:fontRef>
+                  </p:style>
+                  <p:txBody>
+                    <a:bodyPr rtlCol="0" anchor="ctr"/>
+                    <a:lstStyle/>
+                    <a:p>
+                      <a:pPr algn="ctr"/>
+                      <a:r>
+                        <a:rPr lang="en-CN" sz="2400" dirty="0">
+                          <a:latin typeface="Bell MT" panose="02020503060305020303" pitchFamily="18" charset="77"/>
+                        </a:rPr>
+                        <a:t>X</a:t>
+                      </a:r>
+                      <a:r>
+                        <a:rPr lang="en-CN" sz="1000" dirty="0">
+                          <a:latin typeface="Bell MT" panose="02020503060305020303" pitchFamily="18" charset="77"/>
+                        </a:rPr>
+                        <a:t>T</a:t>
+                      </a:r>
+                      <a:r>
+                        <a:rPr lang="en-CN" sz="700" dirty="0">
+                          <a:latin typeface="Bell MT" panose="02020503060305020303" pitchFamily="18" charset="77"/>
+                        </a:rPr>
+                        <a:t>1</a:t>
+                      </a:r>
+                      <a:endParaRPr lang="en-CN" sz="2400" dirty="0">
+                        <a:latin typeface="Bell MT" panose="02020503060305020303" pitchFamily="18" charset="77"/>
+                      </a:endParaRPr>
+                    </a:p>
+                  </p:txBody>
+                </p:sp>
+                <p:sp>
+                  <p:nvSpPr>
+                    <p:cNvPr id="54" name="Oval 53">
+                      <a:extLst>
+                        <a:ext uri="{FF2B5EF4-FFF2-40B4-BE49-F238E27FC236}">
+                          <a16:creationId xmlns:a16="http://schemas.microsoft.com/office/drawing/2014/main" id="{A13EFA02-1ACE-AB0E-E6E8-42697C3204B7}"/>
+                        </a:ext>
+                      </a:extLst>
+                    </p:cNvPr>
+                    <p:cNvSpPr/>
+                    <p:nvPr/>
+                  </p:nvSpPr>
+                  <p:spPr>
+                    <a:xfrm>
+                      <a:off x="2552106" y="2552912"/>
+                      <a:ext cx="876894" cy="876088"/>
+                    </a:xfrm>
+                    <a:prstGeom prst="ellipse">
+                      <a:avLst/>
+                    </a:prstGeom>
+                    <a:ln>
+                      <a:noFill/>
+                    </a:ln>
+                  </p:spPr>
+                  <p:style>
+                    <a:lnRef idx="2">
+                      <a:schemeClr val="accent1">
+                        <a:shade val="15000"/>
+                      </a:schemeClr>
+                    </a:lnRef>
+                    <a:fillRef idx="1">
+                      <a:schemeClr val="accent1"/>
+                    </a:fillRef>
+                    <a:effectRef idx="0">
+                      <a:schemeClr val="accent1"/>
+                    </a:effectRef>
+                    <a:fontRef idx="minor">
+                      <a:schemeClr val="lt1"/>
+                    </a:fontRef>
+                  </p:style>
+                  <p:txBody>
+                    <a:bodyPr rtlCol="0" anchor="ctr"/>
+                    <a:lstStyle/>
+                    <a:p>
+                      <a:pPr algn="ctr"/>
+                      <a:r>
+                        <a:rPr lang="en-CN" sz="2400" dirty="0">
+                          <a:latin typeface="Bell MT" panose="02020503060305020303" pitchFamily="18" charset="77"/>
+                        </a:rPr>
+                        <a:t>X</a:t>
+                      </a:r>
+                      <a:r>
+                        <a:rPr lang="en-CN" sz="1000" dirty="0">
+                          <a:latin typeface="Bell MT" panose="02020503060305020303" pitchFamily="18" charset="77"/>
+                        </a:rPr>
+                        <a:t>T-1</a:t>
+                      </a:r>
+                      <a:endParaRPr lang="en-CN" sz="2400" dirty="0">
+                        <a:latin typeface="Bell MT" panose="02020503060305020303" pitchFamily="18" charset="77"/>
+                      </a:endParaRPr>
+                    </a:p>
+                  </p:txBody>
+                </p:sp>
+                <p:sp>
+                  <p:nvSpPr>
+                    <p:cNvPr id="55" name="Oval 54">
+                      <a:extLst>
+                        <a:ext uri="{FF2B5EF4-FFF2-40B4-BE49-F238E27FC236}">
+                          <a16:creationId xmlns:a16="http://schemas.microsoft.com/office/drawing/2014/main" id="{8C22DB33-47A3-C91C-5B4E-2328B510B3BA}"/>
+                        </a:ext>
+                      </a:extLst>
+                    </p:cNvPr>
+                    <p:cNvSpPr/>
+                    <p:nvPr/>
+                  </p:nvSpPr>
+                  <p:spPr>
+                    <a:xfrm>
+                      <a:off x="2552106" y="4168352"/>
+                      <a:ext cx="876894" cy="876088"/>
+                    </a:xfrm>
+                    <a:prstGeom prst="ellipse">
+                      <a:avLst/>
+                    </a:prstGeom>
+                    <a:ln>
+                      <a:noFill/>
+                    </a:ln>
+                  </p:spPr>
+                  <p:style>
+                    <a:lnRef idx="2">
+                      <a:schemeClr val="accent1">
+                        <a:shade val="15000"/>
+                      </a:schemeClr>
+                    </a:lnRef>
+                    <a:fillRef idx="1">
+                      <a:schemeClr val="accent1"/>
+                    </a:fillRef>
+                    <a:effectRef idx="0">
+                      <a:schemeClr val="accent1"/>
+                    </a:effectRef>
+                    <a:fontRef idx="minor">
+                      <a:schemeClr val="lt1"/>
+                    </a:fontRef>
+                  </p:style>
+                  <p:txBody>
+                    <a:bodyPr rtlCol="0" anchor="ctr"/>
+                    <a:lstStyle/>
+                    <a:p>
+                      <a:pPr algn="ctr"/>
+                      <a:r>
+                        <a:rPr lang="en-CN" sz="2400" dirty="0">
+                          <a:latin typeface="Bell MT" panose="02020503060305020303" pitchFamily="18" charset="77"/>
+                        </a:rPr>
+                        <a:t>X</a:t>
+                      </a:r>
+                      <a:r>
+                        <a:rPr lang="zh-CN" altLang="en-US" sz="2400" dirty="0">
+                          <a:latin typeface="Bell MT" panose="02020503060305020303" pitchFamily="18" charset="77"/>
+                        </a:rPr>
+                        <a:t>’</a:t>
+                      </a:r>
+                      <a:r>
+                        <a:rPr lang="en-CN" sz="1000" dirty="0">
+                          <a:latin typeface="Bell MT" panose="02020503060305020303" pitchFamily="18" charset="77"/>
+                        </a:rPr>
+                        <a:t>T</a:t>
+                      </a:r>
+                      <a:r>
+                        <a:rPr lang="en-US" altLang="zh-CN" sz="700" dirty="0">
+                          <a:latin typeface="Bell MT" panose="02020503060305020303" pitchFamily="18" charset="77"/>
+                        </a:rPr>
+                        <a:t>1</a:t>
+                      </a:r>
+                      <a:endParaRPr lang="en-CN" sz="2400" dirty="0">
+                        <a:latin typeface="Bell MT" panose="02020503060305020303" pitchFamily="18" charset="77"/>
+                      </a:endParaRPr>
+                    </a:p>
+                  </p:txBody>
+                </p:sp>
+                <p:pic>
+                  <p:nvPicPr>
+                    <p:cNvPr id="59" name="Graphic 58" descr="Arrow Down with solid fill">
+                      <a:extLst>
+                        <a:ext uri="{FF2B5EF4-FFF2-40B4-BE49-F238E27FC236}">
+                          <a16:creationId xmlns:a16="http://schemas.microsoft.com/office/drawing/2014/main" id="{A649D338-C0E9-2CA1-9C37-21CCADAC9C73}"/>
+                        </a:ext>
+                      </a:extLst>
+                    </p:cNvPr>
+                    <p:cNvPicPr>
+                      <a:picLocks noChangeAspect="1"/>
+                    </p:cNvPicPr>
+                    <p:nvPr/>
+                  </p:nvPicPr>
+                  <p:blipFill>
+                    <a:blip r:embed="rId3">
+                      <a:extLst>
+                        <a:ext uri="{96DAC541-7B7A-43D3-8B79-37D633B846F1}">
+                          <asvg:svgBlip xmlns:asvg="http://schemas.microsoft.com/office/drawing/2016/SVG/main" r:embed="rId4"/>
+                        </a:ext>
+                      </a:extLst>
+                    </a:blip>
+                    <a:stretch>
+                      <a:fillRect/>
+                    </a:stretch>
+                  </p:blipFill>
+                  <p:spPr>
+                    <a:xfrm>
+                      <a:off x="2670513" y="1893676"/>
+                      <a:ext cx="640080" cy="579120"/>
+                    </a:xfrm>
+                    <a:prstGeom prst="rect">
+                      <a:avLst/>
+                    </a:prstGeom>
+                  </p:spPr>
+                </p:pic>
+                <p:pic>
+                  <p:nvPicPr>
+                    <p:cNvPr id="60" name="Graphic 59" descr="Arrow Down with solid fill">
+                      <a:extLst>
+                        <a:ext uri="{FF2B5EF4-FFF2-40B4-BE49-F238E27FC236}">
+                          <a16:creationId xmlns:a16="http://schemas.microsoft.com/office/drawing/2014/main" id="{606DF06C-878B-6F68-FC2C-74716933CDFE}"/>
+                        </a:ext>
+                      </a:extLst>
+                    </p:cNvPr>
+                    <p:cNvPicPr>
+                      <a:picLocks noChangeAspect="1"/>
+                    </p:cNvPicPr>
+                    <p:nvPr/>
+                  </p:nvPicPr>
+                  <p:blipFill>
+                    <a:blip r:embed="rId3">
+                      <a:extLst>
+                        <a:ext uri="{96DAC541-7B7A-43D3-8B79-37D633B846F1}">
+                          <asvg:svgBlip xmlns:asvg="http://schemas.microsoft.com/office/drawing/2016/SVG/main" r:embed="rId4"/>
+                        </a:ext>
+                      </a:extLst>
+                    </a:blip>
+                    <a:stretch>
+                      <a:fillRect/>
+                    </a:stretch>
+                  </p:blipFill>
+                  <p:spPr>
+                    <a:xfrm>
+                      <a:off x="2670513" y="3509116"/>
+                      <a:ext cx="640080" cy="579120"/>
+                    </a:xfrm>
+                    <a:prstGeom prst="rect">
+                      <a:avLst/>
+                    </a:prstGeom>
+                  </p:spPr>
+                </p:pic>
+              </p:grpSp>
+              <p:sp>
+                <p:nvSpPr>
+                  <p:cNvPr id="78" name="Freeform 77">
+                    <a:extLst>
+                      <a:ext uri="{FF2B5EF4-FFF2-40B4-BE49-F238E27FC236}">
+                        <a16:creationId xmlns:a16="http://schemas.microsoft.com/office/drawing/2014/main" id="{59DCC3BC-883C-7245-6A8C-49FCD0C0F654}"/>
+                      </a:ext>
+                    </a:extLst>
+                  </p:cNvPr>
+                  <p:cNvSpPr/>
+                  <p:nvPr/>
+                </p:nvSpPr>
+                <p:spPr>
+                  <a:xfrm>
+                    <a:off x="2403219" y="1794616"/>
+                    <a:ext cx="457200" cy="2819400"/>
+                  </a:xfrm>
+                  <a:custGeom>
+                    <a:avLst/>
+                    <a:gdLst>
+                      <a:gd name="connsiteX0" fmla="*/ 0 w 457200"/>
+                      <a:gd name="connsiteY0" fmla="*/ 2819400 h 2819400"/>
+                      <a:gd name="connsiteX1" fmla="*/ 350520 w 457200"/>
+                      <a:gd name="connsiteY1" fmla="*/ 1584960 h 2819400"/>
+                      <a:gd name="connsiteX2" fmla="*/ 121920 w 457200"/>
+                      <a:gd name="connsiteY2" fmla="*/ 426720 h 2819400"/>
+                      <a:gd name="connsiteX3" fmla="*/ 457200 w 457200"/>
+                      <a:gd name="connsiteY3" fmla="*/ 0 h 2819400"/>
+                    </a:gdLst>
+                    <a:ahLst/>
+                    <a:cxnLst>
+                      <a:cxn ang="0">
+                        <a:pos x="connsiteX0" y="connsiteY0"/>
+                      </a:cxn>
+                      <a:cxn ang="0">
+                        <a:pos x="connsiteX1" y="connsiteY1"/>
+                      </a:cxn>
+                      <a:cxn ang="0">
+                        <a:pos x="connsiteX2" y="connsiteY2"/>
+                      </a:cxn>
+                      <a:cxn ang="0">
+                        <a:pos x="connsiteX3" y="connsiteY3"/>
+                      </a:cxn>
+                    </a:cxnLst>
+                    <a:rect l="l" t="t" r="r" b="b"/>
+                    <a:pathLst>
+                      <a:path w="457200" h="2819400">
+                        <a:moveTo>
+                          <a:pt x="0" y="2819400"/>
+                        </a:moveTo>
+                        <a:cubicBezTo>
+                          <a:pt x="165100" y="2401570"/>
+                          <a:pt x="330200" y="1983740"/>
+                          <a:pt x="350520" y="1584960"/>
+                        </a:cubicBezTo>
+                        <a:cubicBezTo>
+                          <a:pt x="370840" y="1186180"/>
+                          <a:pt x="104140" y="690880"/>
+                          <a:pt x="121920" y="426720"/>
+                        </a:cubicBezTo>
+                        <a:cubicBezTo>
+                          <a:pt x="139700" y="162560"/>
+                          <a:pt x="312420" y="66040"/>
+                          <a:pt x="457200" y="0"/>
+                        </a:cubicBezTo>
+                      </a:path>
+                    </a:pathLst>
+                  </a:custGeom>
+                  <a:noFill/>
+                  <a:ln w="28575">
+                    <a:headEnd type="none"/>
+                    <a:tailEnd type="stealth"/>
+                  </a:ln>
+                </p:spPr>
+                <p:style>
+                  <a:lnRef idx="2">
+                    <a:schemeClr val="accent1">
+                      <a:shade val="15000"/>
+                    </a:schemeClr>
+                  </a:lnRef>
+                  <a:fillRef idx="1">
+                    <a:schemeClr val="accent1"/>
+                  </a:fillRef>
+                  <a:effectRef idx="0">
+                    <a:schemeClr val="accent1"/>
+                  </a:effectRef>
+                  <a:fontRef idx="minor">
+                    <a:schemeClr val="lt1"/>
+                  </a:fontRef>
+                </p:style>
+                <p:txBody>
+                  <a:bodyPr rtlCol="0" anchor="ctr"/>
+                  <a:lstStyle/>
+                  <a:p>
+                    <a:pPr algn="ctr"/>
+                    <a:endParaRPr lang="en-CN" sz="2400" dirty="0"/>
+                  </a:p>
+                </p:txBody>
+              </p:sp>
+            </p:grpSp>
+            <p:grpSp>
+              <p:nvGrpSpPr>
+                <p:cNvPr id="106" name="Group 105">
+                  <a:extLst>
+                    <a:ext uri="{FF2B5EF4-FFF2-40B4-BE49-F238E27FC236}">
+                      <a16:creationId xmlns:a16="http://schemas.microsoft.com/office/drawing/2014/main" id="{D50A6CAC-447A-3ADC-750F-D67644FB007B}"/>
+                    </a:ext>
+                  </a:extLst>
+                </p:cNvPr>
+                <p:cNvGrpSpPr/>
+                <p:nvPr/>
+              </p:nvGrpSpPr>
+              <p:grpSpPr>
+                <a:xfrm>
+                  <a:off x="4744315" y="1150832"/>
+                  <a:ext cx="2112525" cy="4106968"/>
+                  <a:chOff x="4637635" y="1150832"/>
+                  <a:chExt cx="2112525" cy="4106968"/>
+                </a:xfrm>
+              </p:grpSpPr>
+              <p:grpSp>
+                <p:nvGrpSpPr>
+                  <p:cNvPr id="79" name="Group 78">
+                    <a:extLst>
+                      <a:ext uri="{FF2B5EF4-FFF2-40B4-BE49-F238E27FC236}">
+                        <a16:creationId xmlns:a16="http://schemas.microsoft.com/office/drawing/2014/main" id="{3B65BF85-777F-1D31-4770-93AD8D0B60CC}"/>
+                      </a:ext>
+                    </a:extLst>
+                  </p:cNvPr>
+                  <p:cNvGrpSpPr/>
+                  <p:nvPr/>
+                </p:nvGrpSpPr>
+                <p:grpSpPr>
+                  <a:xfrm>
+                    <a:off x="4637635" y="1150832"/>
+                    <a:ext cx="876894" cy="4106968"/>
+                    <a:chOff x="2552106" y="937472"/>
+                    <a:chExt cx="876894" cy="4106968"/>
+                  </a:xfrm>
+                </p:grpSpPr>
+                <p:sp>
+                  <p:nvSpPr>
+                    <p:cNvPr id="81" name="Oval 80">
+                      <a:extLst>
+                        <a:ext uri="{FF2B5EF4-FFF2-40B4-BE49-F238E27FC236}">
+                          <a16:creationId xmlns:a16="http://schemas.microsoft.com/office/drawing/2014/main" id="{F3AC9F63-CFF4-C9D3-9096-D0BF7F3A2FED}"/>
+                        </a:ext>
+                      </a:extLst>
+                    </p:cNvPr>
+                    <p:cNvSpPr/>
+                    <p:nvPr/>
+                  </p:nvSpPr>
+                  <p:spPr>
+                    <a:xfrm>
+                      <a:off x="2552106" y="937472"/>
+                      <a:ext cx="876894" cy="876088"/>
+                    </a:xfrm>
+                    <a:prstGeom prst="ellipse">
+                      <a:avLst/>
+                    </a:prstGeom>
+                    <a:ln>
+                      <a:noFill/>
+                    </a:ln>
+                  </p:spPr>
+                  <p:style>
+                    <a:lnRef idx="2">
+                      <a:schemeClr val="accent1">
+                        <a:shade val="15000"/>
+                      </a:schemeClr>
+                    </a:lnRef>
+                    <a:fillRef idx="1">
+                      <a:schemeClr val="accent1"/>
+                    </a:fillRef>
+                    <a:effectRef idx="0">
+                      <a:schemeClr val="accent1"/>
+                    </a:effectRef>
+                    <a:fontRef idx="minor">
+                      <a:schemeClr val="lt1"/>
+                    </a:fontRef>
+                  </p:style>
+                  <p:txBody>
+                    <a:bodyPr rtlCol="0" anchor="ctr"/>
+                    <a:lstStyle/>
+                    <a:p>
+                      <a:pPr algn="ctr"/>
+                      <a:r>
+                        <a:rPr lang="en-CN" sz="2400" dirty="0">
+                          <a:latin typeface="Bell MT" panose="02020503060305020303" pitchFamily="18" charset="77"/>
+                        </a:rPr>
+                        <a:t>X</a:t>
+                      </a:r>
+                      <a:r>
+                        <a:rPr lang="en-CN" sz="1000" dirty="0">
+                          <a:latin typeface="Bell MT" panose="02020503060305020303" pitchFamily="18" charset="77"/>
+                        </a:rPr>
+                        <a:t>T</a:t>
+                      </a:r>
+                      <a:r>
+                        <a:rPr lang="en-CN" sz="600" dirty="0">
+                          <a:latin typeface="Bell MT" panose="02020503060305020303" pitchFamily="18" charset="77"/>
+                        </a:rPr>
+                        <a:t>k-2</a:t>
+                      </a:r>
+                      <a:endParaRPr lang="en-CN" sz="2400" dirty="0">
+                        <a:latin typeface="Bell MT" panose="02020503060305020303" pitchFamily="18" charset="77"/>
+                      </a:endParaRPr>
+                    </a:p>
+                  </p:txBody>
+                </p:sp>
+                <p:sp>
+                  <p:nvSpPr>
+                    <p:cNvPr id="82" name="Oval 81">
+                      <a:extLst>
+                        <a:ext uri="{FF2B5EF4-FFF2-40B4-BE49-F238E27FC236}">
+                          <a16:creationId xmlns:a16="http://schemas.microsoft.com/office/drawing/2014/main" id="{C95D5300-3F9A-B7D8-C949-D515D4B0E2DD}"/>
+                        </a:ext>
+                      </a:extLst>
+                    </p:cNvPr>
+                    <p:cNvSpPr/>
+                    <p:nvPr/>
+                  </p:nvSpPr>
+                  <p:spPr>
+                    <a:xfrm>
+                      <a:off x="2552106" y="2552912"/>
+                      <a:ext cx="876894" cy="876088"/>
+                    </a:xfrm>
+                    <a:prstGeom prst="ellipse">
+                      <a:avLst/>
+                    </a:prstGeom>
+                    <a:ln>
+                      <a:noFill/>
+                    </a:ln>
+                  </p:spPr>
+                  <p:style>
+                    <a:lnRef idx="2">
+                      <a:schemeClr val="accent1">
+                        <a:shade val="15000"/>
+                      </a:schemeClr>
+                    </a:lnRef>
+                    <a:fillRef idx="1">
+                      <a:schemeClr val="accent1"/>
+                    </a:fillRef>
+                    <a:effectRef idx="0">
+                      <a:schemeClr val="accent1"/>
+                    </a:effectRef>
+                    <a:fontRef idx="minor">
+                      <a:schemeClr val="lt1"/>
+                    </a:fontRef>
+                  </p:style>
+                  <p:txBody>
+                    <a:bodyPr rtlCol="0" anchor="ctr"/>
+                    <a:lstStyle/>
+                    <a:p>
+                      <a:pPr algn="ctr"/>
+                      <a:r>
+                        <a:rPr lang="en-CN" sz="2400" dirty="0">
+                          <a:latin typeface="Bell MT" panose="02020503060305020303" pitchFamily="18" charset="77"/>
+                        </a:rPr>
+                        <a:t>X</a:t>
+                      </a:r>
+                      <a:r>
+                        <a:rPr lang="en-CN" sz="1000" dirty="0">
+                          <a:latin typeface="Bell MT" panose="02020503060305020303" pitchFamily="18" charset="77"/>
+                        </a:rPr>
+                        <a:t>T-1</a:t>
+                      </a:r>
+                      <a:endParaRPr lang="en-CN" sz="2400" dirty="0">
+                        <a:latin typeface="Bell MT" panose="02020503060305020303" pitchFamily="18" charset="77"/>
+                      </a:endParaRPr>
+                    </a:p>
+                  </p:txBody>
+                </p:sp>
+                <p:sp>
+                  <p:nvSpPr>
+                    <p:cNvPr id="84" name="Oval 83">
+                      <a:extLst>
+                        <a:ext uri="{FF2B5EF4-FFF2-40B4-BE49-F238E27FC236}">
+                          <a16:creationId xmlns:a16="http://schemas.microsoft.com/office/drawing/2014/main" id="{BCC6B996-0354-8AAC-5EB6-B703F1E11C9B}"/>
+                        </a:ext>
+                      </a:extLst>
+                    </p:cNvPr>
+                    <p:cNvSpPr/>
+                    <p:nvPr/>
+                  </p:nvSpPr>
+                  <p:spPr>
+                    <a:xfrm>
+                      <a:off x="2552106" y="4168352"/>
+                      <a:ext cx="876894" cy="876088"/>
+                    </a:xfrm>
+                    <a:prstGeom prst="ellipse">
+                      <a:avLst/>
+                    </a:prstGeom>
+                    <a:ln>
+                      <a:noFill/>
+                    </a:ln>
+                  </p:spPr>
+                  <p:style>
+                    <a:lnRef idx="2">
+                      <a:schemeClr val="accent1">
+                        <a:shade val="15000"/>
+                      </a:schemeClr>
+                    </a:lnRef>
+                    <a:fillRef idx="1">
+                      <a:schemeClr val="accent1"/>
+                    </a:fillRef>
+                    <a:effectRef idx="0">
+                      <a:schemeClr val="accent1"/>
+                    </a:effectRef>
+                    <a:fontRef idx="minor">
+                      <a:schemeClr val="lt1"/>
+                    </a:fontRef>
+                  </p:style>
+                  <p:txBody>
+                    <a:bodyPr rtlCol="0" anchor="ctr"/>
+                    <a:lstStyle/>
+                    <a:p>
+                      <a:pPr algn="ctr"/>
+                      <a:endParaRPr lang="en-CN" sz="3600" dirty="0">
+                        <a:latin typeface="Bell MT" panose="02020503060305020303" pitchFamily="18" charset="77"/>
+                      </a:endParaRPr>
+                    </a:p>
+                  </p:txBody>
+                </p:sp>
+                <p:pic>
+                  <p:nvPicPr>
+                    <p:cNvPr id="85" name="Graphic 84" descr="Arrow Down with solid fill">
+                      <a:extLst>
+                        <a:ext uri="{FF2B5EF4-FFF2-40B4-BE49-F238E27FC236}">
+                          <a16:creationId xmlns:a16="http://schemas.microsoft.com/office/drawing/2014/main" id="{E7CBF1DE-D2DF-C39D-A5AF-53FB0030817B}"/>
+                        </a:ext>
+                      </a:extLst>
+                    </p:cNvPr>
+                    <p:cNvPicPr>
+                      <a:picLocks noChangeAspect="1"/>
+                    </p:cNvPicPr>
+                    <p:nvPr/>
+                  </p:nvPicPr>
+                  <p:blipFill>
+                    <a:blip r:embed="rId3">
+                      <a:extLst>
+                        <a:ext uri="{96DAC541-7B7A-43D3-8B79-37D633B846F1}">
+                          <asvg:svgBlip xmlns:asvg="http://schemas.microsoft.com/office/drawing/2016/SVG/main" r:embed="rId4"/>
+                        </a:ext>
+                      </a:extLst>
+                    </a:blip>
+                    <a:stretch>
+                      <a:fillRect/>
+                    </a:stretch>
+                  </p:blipFill>
+                  <p:spPr>
+                    <a:xfrm>
+                      <a:off x="2670513" y="1893676"/>
+                      <a:ext cx="640080" cy="579120"/>
+                    </a:xfrm>
+                    <a:prstGeom prst="rect">
+                      <a:avLst/>
+                    </a:prstGeom>
+                  </p:spPr>
+                </p:pic>
+                <p:pic>
+                  <p:nvPicPr>
+                    <p:cNvPr id="86" name="Graphic 85" descr="Arrow Down with solid fill">
+                      <a:extLst>
+                        <a:ext uri="{FF2B5EF4-FFF2-40B4-BE49-F238E27FC236}">
+                          <a16:creationId xmlns:a16="http://schemas.microsoft.com/office/drawing/2014/main" id="{1F4E83EE-C094-3AE1-06A9-A6589962796E}"/>
+                        </a:ext>
+                      </a:extLst>
+                    </p:cNvPr>
+                    <p:cNvPicPr>
+                      <a:picLocks noChangeAspect="1"/>
+                    </p:cNvPicPr>
+                    <p:nvPr/>
+                  </p:nvPicPr>
+                  <p:blipFill>
+                    <a:blip r:embed="rId3">
+                      <a:extLst>
+                        <a:ext uri="{96DAC541-7B7A-43D3-8B79-37D633B846F1}">
+                          <asvg:svgBlip xmlns:asvg="http://schemas.microsoft.com/office/drawing/2016/SVG/main" r:embed="rId4"/>
+                        </a:ext>
+                      </a:extLst>
+                    </a:blip>
+                    <a:stretch>
+                      <a:fillRect/>
+                    </a:stretch>
+                  </p:blipFill>
+                  <p:spPr>
+                    <a:xfrm>
+                      <a:off x="2670513" y="3509116"/>
+                      <a:ext cx="640080" cy="579120"/>
+                    </a:xfrm>
+                    <a:prstGeom prst="rect">
+                      <a:avLst/>
+                    </a:prstGeom>
+                  </p:spPr>
+                </p:pic>
+              </p:grpSp>
+              <p:grpSp>
+                <p:nvGrpSpPr>
+                  <p:cNvPr id="89" name="Group 88">
+                    <a:extLst>
+                      <a:ext uri="{FF2B5EF4-FFF2-40B4-BE49-F238E27FC236}">
+                        <a16:creationId xmlns:a16="http://schemas.microsoft.com/office/drawing/2014/main" id="{CBADA4E0-B989-734A-7767-DFD59E32357E}"/>
+                      </a:ext>
+                    </a:extLst>
+                  </p:cNvPr>
+                  <p:cNvGrpSpPr/>
+                  <p:nvPr/>
+                </p:nvGrpSpPr>
+                <p:grpSpPr>
+                  <a:xfrm>
+                    <a:off x="5873266" y="1150832"/>
+                    <a:ext cx="876894" cy="4106968"/>
+                    <a:chOff x="2552106" y="937472"/>
+                    <a:chExt cx="876894" cy="4106968"/>
+                  </a:xfrm>
+                </p:grpSpPr>
+                <p:sp>
+                  <p:nvSpPr>
+                    <p:cNvPr id="92" name="Oval 91">
+                      <a:extLst>
+                        <a:ext uri="{FF2B5EF4-FFF2-40B4-BE49-F238E27FC236}">
+                          <a16:creationId xmlns:a16="http://schemas.microsoft.com/office/drawing/2014/main" id="{532A5AFE-5B6C-23A1-5835-E079A7D1197F}"/>
+                        </a:ext>
+                      </a:extLst>
+                    </p:cNvPr>
+                    <p:cNvSpPr/>
+                    <p:nvPr/>
+                  </p:nvSpPr>
+                  <p:spPr>
+                    <a:xfrm>
+                      <a:off x="2552106" y="937472"/>
+                      <a:ext cx="876894" cy="876088"/>
+                    </a:xfrm>
+                    <a:prstGeom prst="ellipse">
+                      <a:avLst/>
+                    </a:prstGeom>
+                    <a:ln>
+                      <a:noFill/>
+                    </a:ln>
+                  </p:spPr>
+                  <p:style>
+                    <a:lnRef idx="2">
+                      <a:schemeClr val="accent1">
+                        <a:shade val="15000"/>
+                      </a:schemeClr>
+                    </a:lnRef>
+                    <a:fillRef idx="1">
+                      <a:schemeClr val="accent1"/>
+                    </a:fillRef>
+                    <a:effectRef idx="0">
+                      <a:schemeClr val="accent1"/>
+                    </a:effectRef>
+                    <a:fontRef idx="minor">
+                      <a:schemeClr val="lt1"/>
+                    </a:fontRef>
+                  </p:style>
+                  <p:txBody>
+                    <a:bodyPr rtlCol="0" anchor="ctr"/>
+                    <a:lstStyle/>
+                    <a:p>
+                      <a:pPr algn="ctr"/>
+                      <a:r>
+                        <a:rPr lang="en-CN" sz="2400" dirty="0">
+                          <a:latin typeface="Bell MT" panose="02020503060305020303" pitchFamily="18" charset="77"/>
+                        </a:rPr>
+                        <a:t>X</a:t>
+                      </a:r>
+                      <a:r>
+                        <a:rPr lang="en-CN" sz="1000" dirty="0">
+                          <a:latin typeface="Bell MT" panose="02020503060305020303" pitchFamily="18" charset="77"/>
+                        </a:rPr>
+                        <a:t>T</a:t>
+                      </a:r>
+                      <a:r>
+                        <a:rPr lang="en-CN" sz="600" dirty="0">
+                          <a:latin typeface="Bell MT" panose="02020503060305020303" pitchFamily="18" charset="77"/>
+                        </a:rPr>
+                        <a:t>k-1</a:t>
+                      </a:r>
+                      <a:endParaRPr lang="en-CN" sz="2400" dirty="0">
+                        <a:latin typeface="Bell MT" panose="02020503060305020303" pitchFamily="18" charset="77"/>
+                      </a:endParaRPr>
+                    </a:p>
+                  </p:txBody>
+                </p:sp>
+                <p:sp>
+                  <p:nvSpPr>
+                    <p:cNvPr id="93" name="Oval 92">
+                      <a:extLst>
+                        <a:ext uri="{FF2B5EF4-FFF2-40B4-BE49-F238E27FC236}">
+                          <a16:creationId xmlns:a16="http://schemas.microsoft.com/office/drawing/2014/main" id="{C72E036F-DF04-2221-B224-1F5CABE7B2A6}"/>
+                        </a:ext>
+                      </a:extLst>
+                    </p:cNvPr>
+                    <p:cNvSpPr/>
+                    <p:nvPr/>
+                  </p:nvSpPr>
+                  <p:spPr>
+                    <a:xfrm>
+                      <a:off x="2552106" y="2552912"/>
+                      <a:ext cx="876894" cy="876088"/>
+                    </a:xfrm>
+                    <a:prstGeom prst="ellipse">
+                      <a:avLst/>
+                    </a:prstGeom>
+                    <a:ln>
+                      <a:noFill/>
+                    </a:ln>
+                  </p:spPr>
+                  <p:style>
+                    <a:lnRef idx="2">
+                      <a:schemeClr val="accent1">
+                        <a:shade val="15000"/>
+                      </a:schemeClr>
+                    </a:lnRef>
+                    <a:fillRef idx="1">
+                      <a:schemeClr val="accent1"/>
+                    </a:fillRef>
+                    <a:effectRef idx="0">
+                      <a:schemeClr val="accent1"/>
+                    </a:effectRef>
+                    <a:fontRef idx="minor">
+                      <a:schemeClr val="lt1"/>
+                    </a:fontRef>
+                  </p:style>
+                  <p:txBody>
+                    <a:bodyPr rtlCol="0" anchor="ctr"/>
+                    <a:lstStyle/>
+                    <a:p>
+                      <a:pPr algn="ctr"/>
+                      <a:r>
+                        <a:rPr lang="en-CN" sz="2400" dirty="0">
+                          <a:latin typeface="Bell MT" panose="02020503060305020303" pitchFamily="18" charset="77"/>
+                        </a:rPr>
+                        <a:t>X</a:t>
+                      </a:r>
+                      <a:r>
+                        <a:rPr lang="en-CN" sz="1000" dirty="0">
+                          <a:latin typeface="Bell MT" panose="02020503060305020303" pitchFamily="18" charset="77"/>
+                        </a:rPr>
+                        <a:t>T-1</a:t>
+                      </a:r>
+                      <a:endParaRPr lang="en-CN" sz="2400" dirty="0">
+                        <a:latin typeface="Bell MT" panose="02020503060305020303" pitchFamily="18" charset="77"/>
+                      </a:endParaRPr>
+                    </a:p>
+                  </p:txBody>
+                </p:sp>
+                <p:sp>
+                  <p:nvSpPr>
+                    <p:cNvPr id="94" name="Oval 93">
+                      <a:extLst>
+                        <a:ext uri="{FF2B5EF4-FFF2-40B4-BE49-F238E27FC236}">
+                          <a16:creationId xmlns:a16="http://schemas.microsoft.com/office/drawing/2014/main" id="{BDD7E6A7-22DE-C1A0-0194-34A9FFB88522}"/>
+                        </a:ext>
+                      </a:extLst>
+                    </p:cNvPr>
+                    <p:cNvSpPr/>
+                    <p:nvPr/>
+                  </p:nvSpPr>
+                  <p:spPr>
+                    <a:xfrm>
+                      <a:off x="2552106" y="4168352"/>
+                      <a:ext cx="876894" cy="876088"/>
+                    </a:xfrm>
+                    <a:prstGeom prst="ellipse">
+                      <a:avLst/>
+                    </a:prstGeom>
+                    <a:ln>
+                      <a:noFill/>
+                    </a:ln>
+                  </p:spPr>
+                  <p:style>
+                    <a:lnRef idx="2">
+                      <a:schemeClr val="accent1">
+                        <a:shade val="15000"/>
+                      </a:schemeClr>
+                    </a:lnRef>
+                    <a:fillRef idx="1">
+                      <a:schemeClr val="accent1"/>
+                    </a:fillRef>
+                    <a:effectRef idx="0">
+                      <a:schemeClr val="accent1"/>
+                    </a:effectRef>
+                    <a:fontRef idx="minor">
+                      <a:schemeClr val="lt1"/>
+                    </a:fontRef>
+                  </p:style>
+                  <p:txBody>
+                    <a:bodyPr rtlCol="0" anchor="ctr"/>
+                    <a:lstStyle/>
+                    <a:p>
+                      <a:pPr algn="ctr"/>
+                      <a:r>
+                        <a:rPr lang="en-CN" sz="2400" dirty="0">
+                          <a:latin typeface="Bell MT" panose="02020503060305020303" pitchFamily="18" charset="77"/>
+                        </a:rPr>
+                        <a:t>X</a:t>
+                      </a:r>
+                      <a:r>
+                        <a:rPr lang="zh-CN" altLang="en-US" sz="2400" dirty="0">
+                          <a:latin typeface="Bell MT" panose="02020503060305020303" pitchFamily="18" charset="77"/>
+                        </a:rPr>
+                        <a:t>’</a:t>
+                      </a:r>
+                      <a:r>
+                        <a:rPr lang="en-CN" sz="1000" dirty="0">
+                          <a:latin typeface="Bell MT" panose="02020503060305020303" pitchFamily="18" charset="77"/>
+                        </a:rPr>
+                        <a:t>T</a:t>
+                      </a:r>
+                      <a:r>
+                        <a:rPr lang="en-US" sz="700" dirty="0">
+                          <a:latin typeface="Bell MT" panose="02020503060305020303" pitchFamily="18" charset="77"/>
+                        </a:rPr>
+                        <a:t>k</a:t>
+                      </a:r>
+                      <a:endParaRPr lang="en-CN" sz="2400" dirty="0">
+                        <a:latin typeface="Bell MT" panose="02020503060305020303" pitchFamily="18" charset="77"/>
+                      </a:endParaRPr>
+                    </a:p>
+                  </p:txBody>
+                </p:sp>
+                <p:pic>
+                  <p:nvPicPr>
+                    <p:cNvPr id="97" name="Graphic 96" descr="Arrow Down with solid fill">
+                      <a:extLst>
+                        <a:ext uri="{FF2B5EF4-FFF2-40B4-BE49-F238E27FC236}">
+                          <a16:creationId xmlns:a16="http://schemas.microsoft.com/office/drawing/2014/main" id="{A188C055-274F-25AA-B2FA-057FD9E58F0C}"/>
+                        </a:ext>
+                      </a:extLst>
+                    </p:cNvPr>
+                    <p:cNvPicPr>
+                      <a:picLocks noChangeAspect="1"/>
+                    </p:cNvPicPr>
+                    <p:nvPr/>
+                  </p:nvPicPr>
+                  <p:blipFill>
+                    <a:blip r:embed="rId3">
+                      <a:extLst>
+                        <a:ext uri="{96DAC541-7B7A-43D3-8B79-37D633B846F1}">
+                          <asvg:svgBlip xmlns:asvg="http://schemas.microsoft.com/office/drawing/2016/SVG/main" r:embed="rId4"/>
+                        </a:ext>
+                      </a:extLst>
+                    </a:blip>
+                    <a:stretch>
+                      <a:fillRect/>
+                    </a:stretch>
+                  </p:blipFill>
+                  <p:spPr>
+                    <a:xfrm>
+                      <a:off x="2670513" y="1893676"/>
+                      <a:ext cx="640080" cy="579120"/>
+                    </a:xfrm>
+                    <a:prstGeom prst="rect">
+                      <a:avLst/>
+                    </a:prstGeom>
+                  </p:spPr>
+                </p:pic>
+                <p:pic>
+                  <p:nvPicPr>
+                    <p:cNvPr id="98" name="Graphic 97" descr="Arrow Down with solid fill">
+                      <a:extLst>
+                        <a:ext uri="{FF2B5EF4-FFF2-40B4-BE49-F238E27FC236}">
+                          <a16:creationId xmlns:a16="http://schemas.microsoft.com/office/drawing/2014/main" id="{0B6519E4-FB45-01BB-15F3-6A728FD8EF72}"/>
+                        </a:ext>
+                      </a:extLst>
+                    </p:cNvPr>
+                    <p:cNvPicPr>
+                      <a:picLocks noChangeAspect="1"/>
+                    </p:cNvPicPr>
+                    <p:nvPr/>
+                  </p:nvPicPr>
+                  <p:blipFill>
+                    <a:blip r:embed="rId3">
+                      <a:extLst>
+                        <a:ext uri="{96DAC541-7B7A-43D3-8B79-37D633B846F1}">
+                          <asvg:svgBlip xmlns:asvg="http://schemas.microsoft.com/office/drawing/2016/SVG/main" r:embed="rId4"/>
+                        </a:ext>
+                      </a:extLst>
+                    </a:blip>
+                    <a:stretch>
+                      <a:fillRect/>
+                    </a:stretch>
+                  </p:blipFill>
+                  <p:spPr>
+                    <a:xfrm>
+                      <a:off x="2670513" y="3509116"/>
+                      <a:ext cx="640080" cy="579120"/>
+                    </a:xfrm>
+                    <a:prstGeom prst="rect">
+                      <a:avLst/>
+                    </a:prstGeom>
+                  </p:spPr>
+                </p:pic>
+              </p:grpSp>
+              <p:sp>
+                <p:nvSpPr>
+                  <p:cNvPr id="99" name="Freeform 98">
+                    <a:extLst>
+                      <a:ext uri="{FF2B5EF4-FFF2-40B4-BE49-F238E27FC236}">
+                        <a16:creationId xmlns:a16="http://schemas.microsoft.com/office/drawing/2014/main" id="{0CFFA1ED-EA24-B66C-A4CC-9FA3D485EF38}"/>
+                      </a:ext>
+                    </a:extLst>
+                  </p:cNvPr>
+                  <p:cNvSpPr/>
+                  <p:nvPr/>
+                </p:nvSpPr>
+                <p:spPr>
+                  <a:xfrm>
+                    <a:off x="5484052" y="1794616"/>
+                    <a:ext cx="457200" cy="2819400"/>
+                  </a:xfrm>
+                  <a:custGeom>
+                    <a:avLst/>
+                    <a:gdLst>
+                      <a:gd name="connsiteX0" fmla="*/ 0 w 457200"/>
+                      <a:gd name="connsiteY0" fmla="*/ 2819400 h 2819400"/>
+                      <a:gd name="connsiteX1" fmla="*/ 350520 w 457200"/>
+                      <a:gd name="connsiteY1" fmla="*/ 1584960 h 2819400"/>
+                      <a:gd name="connsiteX2" fmla="*/ 121920 w 457200"/>
+                      <a:gd name="connsiteY2" fmla="*/ 426720 h 2819400"/>
+                      <a:gd name="connsiteX3" fmla="*/ 457200 w 457200"/>
+                      <a:gd name="connsiteY3" fmla="*/ 0 h 2819400"/>
+                    </a:gdLst>
+                    <a:ahLst/>
+                    <a:cxnLst>
+                      <a:cxn ang="0">
+                        <a:pos x="connsiteX0" y="connsiteY0"/>
+                      </a:cxn>
+                      <a:cxn ang="0">
+                        <a:pos x="connsiteX1" y="connsiteY1"/>
+                      </a:cxn>
+                      <a:cxn ang="0">
+                        <a:pos x="connsiteX2" y="connsiteY2"/>
+                      </a:cxn>
+                      <a:cxn ang="0">
+                        <a:pos x="connsiteX3" y="connsiteY3"/>
+                      </a:cxn>
+                    </a:cxnLst>
+                    <a:rect l="l" t="t" r="r" b="b"/>
+                    <a:pathLst>
+                      <a:path w="457200" h="2819400">
+                        <a:moveTo>
+                          <a:pt x="0" y="2819400"/>
+                        </a:moveTo>
+                        <a:cubicBezTo>
+                          <a:pt x="165100" y="2401570"/>
+                          <a:pt x="330200" y="1983740"/>
+                          <a:pt x="350520" y="1584960"/>
+                        </a:cubicBezTo>
+                        <a:cubicBezTo>
+                          <a:pt x="370840" y="1186180"/>
+                          <a:pt x="104140" y="690880"/>
+                          <a:pt x="121920" y="426720"/>
+                        </a:cubicBezTo>
+                        <a:cubicBezTo>
+                          <a:pt x="139700" y="162560"/>
+                          <a:pt x="312420" y="66040"/>
+                          <a:pt x="457200" y="0"/>
+                        </a:cubicBezTo>
+                      </a:path>
+                    </a:pathLst>
+                  </a:custGeom>
+                  <a:noFill/>
+                  <a:ln w="28575">
+                    <a:headEnd type="none"/>
+                    <a:tailEnd type="stealth"/>
+                  </a:ln>
+                </p:spPr>
+                <p:style>
+                  <a:lnRef idx="2">
+                    <a:schemeClr val="accent1">
+                      <a:shade val="15000"/>
+                    </a:schemeClr>
+                  </a:lnRef>
+                  <a:fillRef idx="1">
+                    <a:schemeClr val="accent1"/>
+                  </a:fillRef>
+                  <a:effectRef idx="0">
+                    <a:schemeClr val="accent1"/>
+                  </a:effectRef>
+                  <a:fontRef idx="minor">
+                    <a:schemeClr val="lt1"/>
+                  </a:fontRef>
+                </p:style>
+                <p:txBody>
+                  <a:bodyPr rtlCol="0" anchor="ctr"/>
+                  <a:lstStyle/>
+                  <a:p>
+                    <a:pPr algn="ctr"/>
+                    <a:endParaRPr lang="en-CN" sz="2400" dirty="0"/>
+                  </a:p>
+                </p:txBody>
+              </p:sp>
+            </p:grpSp>
+            <p:grpSp>
+              <p:nvGrpSpPr>
+                <p:cNvPr id="105" name="Group 104">
+                  <a:extLst>
+                    <a:ext uri="{FF2B5EF4-FFF2-40B4-BE49-F238E27FC236}">
+                      <a16:creationId xmlns:a16="http://schemas.microsoft.com/office/drawing/2014/main" id="{575B3820-88FE-3369-203E-2B73AD78EB7A}"/>
+                    </a:ext>
+                  </a:extLst>
+                </p:cNvPr>
+                <p:cNvGrpSpPr/>
+                <p:nvPr/>
+              </p:nvGrpSpPr>
+              <p:grpSpPr>
+                <a:xfrm>
+                  <a:off x="3781844" y="1491668"/>
+                  <a:ext cx="868706" cy="194416"/>
+                  <a:chOff x="7940014" y="518160"/>
+                  <a:chExt cx="868706" cy="194416"/>
+                </a:xfrm>
+              </p:grpSpPr>
+              <p:sp>
+                <p:nvSpPr>
+                  <p:cNvPr id="100" name="Oval 99">
+                    <a:extLst>
+                      <a:ext uri="{FF2B5EF4-FFF2-40B4-BE49-F238E27FC236}">
+                        <a16:creationId xmlns:a16="http://schemas.microsoft.com/office/drawing/2014/main" id="{4FF29F8D-485F-8753-2E1B-46D07EAC21E8}"/>
+                      </a:ext>
+                    </a:extLst>
+                  </p:cNvPr>
+                  <p:cNvSpPr/>
+                  <p:nvPr/>
+                </p:nvSpPr>
+                <p:spPr>
+                  <a:xfrm flipV="1">
+                    <a:off x="7940014" y="518160"/>
+                    <a:ext cx="198146" cy="194416"/>
+                  </a:xfrm>
+                  <a:prstGeom prst="ellipse">
+                    <a:avLst/>
+                  </a:prstGeom>
+                  <a:solidFill>
+                    <a:schemeClr val="tx2"/>
+                  </a:solidFill>
+                  <a:ln>
+                    <a:noFill/>
+                  </a:ln>
+                </p:spPr>
+                <p:style>
+                  <a:lnRef idx="2">
+                    <a:schemeClr val="accent1">
+                      <a:shade val="15000"/>
+                    </a:schemeClr>
+                  </a:lnRef>
+                  <a:fillRef idx="1">
+                    <a:schemeClr val="accent1"/>
+                  </a:fillRef>
+                  <a:effectRef idx="0">
+                    <a:schemeClr val="accent1"/>
+                  </a:effectRef>
+                  <a:fontRef idx="minor">
+                    <a:schemeClr val="lt1"/>
+                  </a:fontRef>
+                </p:style>
+                <p:txBody>
+                  <a:bodyPr rtlCol="0" anchor="ctr"/>
+                  <a:lstStyle/>
+                  <a:p>
+                    <a:pPr algn="ctr"/>
+                    <a:endParaRPr lang="en-CN" sz="2400" dirty="0"/>
+                  </a:p>
+                </p:txBody>
+              </p:sp>
+              <p:sp>
+                <p:nvSpPr>
+                  <p:cNvPr id="103" name="Oval 102">
+                    <a:extLst>
+                      <a:ext uri="{FF2B5EF4-FFF2-40B4-BE49-F238E27FC236}">
+                        <a16:creationId xmlns:a16="http://schemas.microsoft.com/office/drawing/2014/main" id="{499B2C8A-AE6F-1EAD-8ED0-CC45A4B0F74B}"/>
+                      </a:ext>
+                    </a:extLst>
+                  </p:cNvPr>
+                  <p:cNvSpPr/>
+                  <p:nvPr/>
+                </p:nvSpPr>
+                <p:spPr>
+                  <a:xfrm flipV="1">
+                    <a:off x="8275294" y="518160"/>
+                    <a:ext cx="198146" cy="194416"/>
+                  </a:xfrm>
+                  <a:prstGeom prst="ellipse">
+                    <a:avLst/>
+                  </a:prstGeom>
+                  <a:solidFill>
+                    <a:schemeClr val="tx2"/>
+                  </a:solidFill>
+                  <a:ln>
+                    <a:noFill/>
+                  </a:ln>
+                </p:spPr>
+                <p:style>
+                  <a:lnRef idx="2">
+                    <a:schemeClr val="accent1">
+                      <a:shade val="15000"/>
+                    </a:schemeClr>
+                  </a:lnRef>
+                  <a:fillRef idx="1">
+                    <a:schemeClr val="accent1"/>
+                  </a:fillRef>
+                  <a:effectRef idx="0">
+                    <a:schemeClr val="accent1"/>
+                  </a:effectRef>
+                  <a:fontRef idx="minor">
+                    <a:schemeClr val="lt1"/>
+                  </a:fontRef>
+                </p:style>
+                <p:txBody>
+                  <a:bodyPr rtlCol="0" anchor="ctr"/>
+                  <a:lstStyle/>
+                  <a:p>
+                    <a:pPr algn="ctr"/>
+                    <a:endParaRPr lang="en-CN" sz="2400" dirty="0"/>
+                  </a:p>
+                </p:txBody>
+              </p:sp>
+              <p:sp>
+                <p:nvSpPr>
+                  <p:cNvPr id="104" name="Oval 103">
+                    <a:extLst>
+                      <a:ext uri="{FF2B5EF4-FFF2-40B4-BE49-F238E27FC236}">
+                        <a16:creationId xmlns:a16="http://schemas.microsoft.com/office/drawing/2014/main" id="{43E3ADD3-8072-0793-D597-B82812A5A838}"/>
+                      </a:ext>
+                    </a:extLst>
+                  </p:cNvPr>
+                  <p:cNvSpPr/>
+                  <p:nvPr/>
+                </p:nvSpPr>
+                <p:spPr>
+                  <a:xfrm flipV="1">
+                    <a:off x="8610574" y="518160"/>
+                    <a:ext cx="198146" cy="194416"/>
+                  </a:xfrm>
+                  <a:prstGeom prst="ellipse">
+                    <a:avLst/>
+                  </a:prstGeom>
+                  <a:solidFill>
+                    <a:schemeClr val="tx2"/>
+                  </a:solidFill>
+                  <a:ln>
+                    <a:noFill/>
+                  </a:ln>
+                </p:spPr>
+                <p:style>
+                  <a:lnRef idx="2">
+                    <a:schemeClr val="accent1">
+                      <a:shade val="15000"/>
+                    </a:schemeClr>
+                  </a:lnRef>
+                  <a:fillRef idx="1">
+                    <a:schemeClr val="accent1"/>
+                  </a:fillRef>
+                  <a:effectRef idx="0">
+                    <a:schemeClr val="accent1"/>
+                  </a:effectRef>
+                  <a:fontRef idx="minor">
+                    <a:schemeClr val="lt1"/>
+                  </a:fontRef>
+                </p:style>
+                <p:txBody>
+                  <a:bodyPr rtlCol="0" anchor="ctr"/>
+                  <a:lstStyle/>
+                  <a:p>
+                    <a:pPr algn="ctr"/>
+                    <a:endParaRPr lang="en-CN" sz="2400" dirty="0"/>
+                  </a:p>
+                </p:txBody>
+              </p:sp>
+            </p:grpSp>
+            <p:grpSp>
+              <p:nvGrpSpPr>
+                <p:cNvPr id="108" name="Group 107">
+                  <a:extLst>
+                    <a:ext uri="{FF2B5EF4-FFF2-40B4-BE49-F238E27FC236}">
+                      <a16:creationId xmlns:a16="http://schemas.microsoft.com/office/drawing/2014/main" id="{91BAA8B9-DE6E-0651-8946-FB22D96C47AD}"/>
+                    </a:ext>
+                  </a:extLst>
+                </p:cNvPr>
+                <p:cNvGrpSpPr/>
+                <p:nvPr/>
+              </p:nvGrpSpPr>
+              <p:grpSpPr>
+                <a:xfrm>
+                  <a:off x="3781844" y="3107108"/>
+                  <a:ext cx="868706" cy="194416"/>
+                  <a:chOff x="7940014" y="518160"/>
+                  <a:chExt cx="868706" cy="194416"/>
+                </a:xfrm>
+              </p:grpSpPr>
+              <p:sp>
+                <p:nvSpPr>
+                  <p:cNvPr id="109" name="Oval 108">
+                    <a:extLst>
+                      <a:ext uri="{FF2B5EF4-FFF2-40B4-BE49-F238E27FC236}">
+                        <a16:creationId xmlns:a16="http://schemas.microsoft.com/office/drawing/2014/main" id="{C9ACFDB8-91E4-83A6-0FCC-B77ED9328473}"/>
+                      </a:ext>
+                    </a:extLst>
+                  </p:cNvPr>
+                  <p:cNvSpPr/>
+                  <p:nvPr/>
+                </p:nvSpPr>
+                <p:spPr>
+                  <a:xfrm flipV="1">
+                    <a:off x="7940014" y="518160"/>
+                    <a:ext cx="198146" cy="194416"/>
+                  </a:xfrm>
+                  <a:prstGeom prst="ellipse">
+                    <a:avLst/>
+                  </a:prstGeom>
+                  <a:solidFill>
+                    <a:schemeClr val="tx2"/>
+                  </a:solidFill>
+                  <a:ln>
+                    <a:noFill/>
+                  </a:ln>
+                </p:spPr>
+                <p:style>
+                  <a:lnRef idx="2">
+                    <a:schemeClr val="accent1">
+                      <a:shade val="15000"/>
+                    </a:schemeClr>
+                  </a:lnRef>
+                  <a:fillRef idx="1">
+                    <a:schemeClr val="accent1"/>
+                  </a:fillRef>
+                  <a:effectRef idx="0">
+                    <a:schemeClr val="accent1"/>
+                  </a:effectRef>
+                  <a:fontRef idx="minor">
+                    <a:schemeClr val="lt1"/>
+                  </a:fontRef>
+                </p:style>
+                <p:txBody>
+                  <a:bodyPr rtlCol="0" anchor="ctr"/>
+                  <a:lstStyle/>
+                  <a:p>
+                    <a:pPr algn="ctr"/>
+                    <a:endParaRPr lang="en-CN" sz="2400" dirty="0"/>
+                  </a:p>
+                </p:txBody>
+              </p:sp>
+              <p:sp>
+                <p:nvSpPr>
+                  <p:cNvPr id="110" name="Oval 109">
+                    <a:extLst>
+                      <a:ext uri="{FF2B5EF4-FFF2-40B4-BE49-F238E27FC236}">
+                        <a16:creationId xmlns:a16="http://schemas.microsoft.com/office/drawing/2014/main" id="{F7A7BD05-3E21-1090-AFA6-5F7C474030FA}"/>
+                      </a:ext>
+                    </a:extLst>
+                  </p:cNvPr>
+                  <p:cNvSpPr/>
+                  <p:nvPr/>
+                </p:nvSpPr>
+                <p:spPr>
+                  <a:xfrm flipV="1">
+                    <a:off x="8275294" y="518160"/>
+                    <a:ext cx="198146" cy="194416"/>
+                  </a:xfrm>
+                  <a:prstGeom prst="ellipse">
+                    <a:avLst/>
+                  </a:prstGeom>
+                  <a:solidFill>
+                    <a:schemeClr val="tx2"/>
+                  </a:solidFill>
+                  <a:ln>
+                    <a:noFill/>
+                  </a:ln>
+                </p:spPr>
+                <p:style>
+                  <a:lnRef idx="2">
+                    <a:schemeClr val="accent1">
+                      <a:shade val="15000"/>
+                    </a:schemeClr>
+                  </a:lnRef>
+                  <a:fillRef idx="1">
+                    <a:schemeClr val="accent1"/>
+                  </a:fillRef>
+                  <a:effectRef idx="0">
+                    <a:schemeClr val="accent1"/>
+                  </a:effectRef>
+                  <a:fontRef idx="minor">
+                    <a:schemeClr val="lt1"/>
+                  </a:fontRef>
+                </p:style>
+                <p:txBody>
+                  <a:bodyPr rtlCol="0" anchor="ctr"/>
+                  <a:lstStyle/>
+                  <a:p>
+                    <a:pPr algn="ctr"/>
+                    <a:endParaRPr lang="en-CN" sz="2400" dirty="0"/>
+                  </a:p>
+                </p:txBody>
+              </p:sp>
+              <p:sp>
+                <p:nvSpPr>
+                  <p:cNvPr id="111" name="Oval 110">
+                    <a:extLst>
+                      <a:ext uri="{FF2B5EF4-FFF2-40B4-BE49-F238E27FC236}">
+                        <a16:creationId xmlns:a16="http://schemas.microsoft.com/office/drawing/2014/main" id="{B5395B1E-5BA9-3F59-A9C4-297C97217FDF}"/>
+                      </a:ext>
+                    </a:extLst>
+                  </p:cNvPr>
+                  <p:cNvSpPr/>
+                  <p:nvPr/>
+                </p:nvSpPr>
+                <p:spPr>
+                  <a:xfrm flipV="1">
+                    <a:off x="8610574" y="518160"/>
+                    <a:ext cx="198146" cy="194416"/>
+                  </a:xfrm>
+                  <a:prstGeom prst="ellipse">
+                    <a:avLst/>
+                  </a:prstGeom>
+                  <a:solidFill>
+                    <a:schemeClr val="tx2"/>
+                  </a:solidFill>
+                  <a:ln>
+                    <a:noFill/>
+                  </a:ln>
+                </p:spPr>
+                <p:style>
+                  <a:lnRef idx="2">
+                    <a:schemeClr val="accent1">
+                      <a:shade val="15000"/>
+                    </a:schemeClr>
+                  </a:lnRef>
+                  <a:fillRef idx="1">
+                    <a:schemeClr val="accent1"/>
+                  </a:fillRef>
+                  <a:effectRef idx="0">
+                    <a:schemeClr val="accent1"/>
+                  </a:effectRef>
+                  <a:fontRef idx="minor">
+                    <a:schemeClr val="lt1"/>
+                  </a:fontRef>
+                </p:style>
+                <p:txBody>
+                  <a:bodyPr rtlCol="0" anchor="ctr"/>
+                  <a:lstStyle/>
+                  <a:p>
+                    <a:pPr algn="ctr"/>
+                    <a:endParaRPr lang="en-CN" sz="2400" dirty="0"/>
+                  </a:p>
+                </p:txBody>
+              </p:sp>
+            </p:grpSp>
+            <p:grpSp>
+              <p:nvGrpSpPr>
+                <p:cNvPr id="112" name="Group 111">
+                  <a:extLst>
+                    <a:ext uri="{FF2B5EF4-FFF2-40B4-BE49-F238E27FC236}">
+                      <a16:creationId xmlns:a16="http://schemas.microsoft.com/office/drawing/2014/main" id="{EC4ED471-1B84-0399-70A5-E09D60C9D0C0}"/>
+                    </a:ext>
+                  </a:extLst>
+                </p:cNvPr>
+                <p:cNvGrpSpPr/>
+                <p:nvPr/>
+              </p:nvGrpSpPr>
+              <p:grpSpPr>
+                <a:xfrm>
+                  <a:off x="3781844" y="4722548"/>
+                  <a:ext cx="868706" cy="194416"/>
+                  <a:chOff x="7940014" y="518160"/>
+                  <a:chExt cx="868706" cy="194416"/>
+                </a:xfrm>
+              </p:grpSpPr>
+              <p:sp>
+                <p:nvSpPr>
+                  <p:cNvPr id="113" name="Oval 112">
+                    <a:extLst>
+                      <a:ext uri="{FF2B5EF4-FFF2-40B4-BE49-F238E27FC236}">
+                        <a16:creationId xmlns:a16="http://schemas.microsoft.com/office/drawing/2014/main" id="{06813B17-5844-77A7-E38A-F9DCFA39E372}"/>
+                      </a:ext>
+                    </a:extLst>
+                  </p:cNvPr>
+                  <p:cNvSpPr/>
+                  <p:nvPr/>
+                </p:nvSpPr>
+                <p:spPr>
+                  <a:xfrm flipV="1">
+                    <a:off x="7940014" y="518160"/>
+                    <a:ext cx="198146" cy="194416"/>
+                  </a:xfrm>
+                  <a:prstGeom prst="ellipse">
+                    <a:avLst/>
+                  </a:prstGeom>
+                  <a:solidFill>
+                    <a:schemeClr val="tx2"/>
+                  </a:solidFill>
+                  <a:ln>
+                    <a:noFill/>
+                  </a:ln>
+                </p:spPr>
+                <p:style>
+                  <a:lnRef idx="2">
+                    <a:schemeClr val="accent1">
+                      <a:shade val="15000"/>
+                    </a:schemeClr>
+                  </a:lnRef>
+                  <a:fillRef idx="1">
+                    <a:schemeClr val="accent1"/>
+                  </a:fillRef>
+                  <a:effectRef idx="0">
+                    <a:schemeClr val="accent1"/>
+                  </a:effectRef>
+                  <a:fontRef idx="minor">
+                    <a:schemeClr val="lt1"/>
+                  </a:fontRef>
+                </p:style>
+                <p:txBody>
+                  <a:bodyPr rtlCol="0" anchor="ctr"/>
+                  <a:lstStyle/>
+                  <a:p>
+                    <a:pPr algn="ctr"/>
+                    <a:endParaRPr lang="en-CN" sz="2400" dirty="0"/>
+                  </a:p>
+                </p:txBody>
+              </p:sp>
+              <p:sp>
+                <p:nvSpPr>
+                  <p:cNvPr id="114" name="Oval 113">
+                    <a:extLst>
+                      <a:ext uri="{FF2B5EF4-FFF2-40B4-BE49-F238E27FC236}">
+                        <a16:creationId xmlns:a16="http://schemas.microsoft.com/office/drawing/2014/main" id="{4F3FF5A0-1CE5-89CD-1C29-FDD2B0AE037B}"/>
+                      </a:ext>
+                    </a:extLst>
+                  </p:cNvPr>
+                  <p:cNvSpPr/>
+                  <p:nvPr/>
+                </p:nvSpPr>
+                <p:spPr>
+                  <a:xfrm flipV="1">
+                    <a:off x="8275294" y="518160"/>
+                    <a:ext cx="198146" cy="194416"/>
+                  </a:xfrm>
+                  <a:prstGeom prst="ellipse">
+                    <a:avLst/>
+                  </a:prstGeom>
+                  <a:solidFill>
+                    <a:schemeClr val="tx2"/>
+                  </a:solidFill>
+                  <a:ln>
+                    <a:noFill/>
+                  </a:ln>
+                </p:spPr>
+                <p:style>
+                  <a:lnRef idx="2">
+                    <a:schemeClr val="accent1">
+                      <a:shade val="15000"/>
+                    </a:schemeClr>
+                  </a:lnRef>
+                  <a:fillRef idx="1">
+                    <a:schemeClr val="accent1"/>
+                  </a:fillRef>
+                  <a:effectRef idx="0">
+                    <a:schemeClr val="accent1"/>
+                  </a:effectRef>
+                  <a:fontRef idx="minor">
+                    <a:schemeClr val="lt1"/>
+                  </a:fontRef>
+                </p:style>
+                <p:txBody>
+                  <a:bodyPr rtlCol="0" anchor="ctr"/>
+                  <a:lstStyle/>
+                  <a:p>
+                    <a:pPr algn="ctr"/>
+                    <a:endParaRPr lang="en-CN" sz="2400" dirty="0"/>
+                  </a:p>
+                </p:txBody>
+              </p:sp>
+              <p:sp>
+                <p:nvSpPr>
+                  <p:cNvPr id="115" name="Oval 114">
+                    <a:extLst>
+                      <a:ext uri="{FF2B5EF4-FFF2-40B4-BE49-F238E27FC236}">
+                        <a16:creationId xmlns:a16="http://schemas.microsoft.com/office/drawing/2014/main" id="{C5A6F514-4197-ECCB-2644-5121443CAF6F}"/>
+                      </a:ext>
+                    </a:extLst>
+                  </p:cNvPr>
+                  <p:cNvSpPr/>
+                  <p:nvPr/>
+                </p:nvSpPr>
+                <p:spPr>
+                  <a:xfrm flipV="1">
+                    <a:off x="8610574" y="518160"/>
+                    <a:ext cx="198146" cy="194416"/>
+                  </a:xfrm>
+                  <a:prstGeom prst="ellipse">
+                    <a:avLst/>
+                  </a:prstGeom>
+                  <a:solidFill>
+                    <a:schemeClr val="tx2"/>
+                  </a:solidFill>
+                  <a:ln>
+                    <a:noFill/>
+                  </a:ln>
+                </p:spPr>
+                <p:style>
+                  <a:lnRef idx="2">
+                    <a:schemeClr val="accent1">
+                      <a:shade val="15000"/>
+                    </a:schemeClr>
+                  </a:lnRef>
+                  <a:fillRef idx="1">
+                    <a:schemeClr val="accent1"/>
+                  </a:fillRef>
+                  <a:effectRef idx="0">
+                    <a:schemeClr val="accent1"/>
+                  </a:effectRef>
+                  <a:fontRef idx="minor">
+                    <a:schemeClr val="lt1"/>
+                  </a:fontRef>
+                </p:style>
+                <p:txBody>
+                  <a:bodyPr rtlCol="0" anchor="ctr"/>
+                  <a:lstStyle/>
+                  <a:p>
+                    <a:pPr algn="ctr"/>
+                    <a:endParaRPr lang="en-CN" sz="2400" dirty="0"/>
+                  </a:p>
+                </p:txBody>
+              </p:sp>
+            </p:grpSp>
+            <p:pic>
+              <p:nvPicPr>
+                <p:cNvPr id="116" name="Graphic 115" descr="Arrow Down with solid fill">
+                  <a:extLst>
+                    <a:ext uri="{FF2B5EF4-FFF2-40B4-BE49-F238E27FC236}">
+                      <a16:creationId xmlns:a16="http://schemas.microsoft.com/office/drawing/2014/main" id="{AFD61ACD-2535-796E-F0E6-80261CE3FBAF}"/>
+                    </a:ext>
+                  </a:extLst>
+                </p:cNvPr>
+                <p:cNvPicPr>
+                  <a:picLocks noChangeAspect="1"/>
+                </p:cNvPicPr>
+                <p:nvPr/>
+              </p:nvPicPr>
+              <p:blipFill>
+                <a:blip r:embed="rId3">
+                  <a:extLst>
+                    <a:ext uri="{96DAC541-7B7A-43D3-8B79-37D633B846F1}">
+                      <asvg:svgBlip xmlns:asvg="http://schemas.microsoft.com/office/drawing/2016/SVG/main" r:embed="rId4"/>
+                    </a:ext>
+                  </a:extLst>
+                </a:blip>
+                <a:stretch>
+                  <a:fillRect/>
+                </a:stretch>
+              </p:blipFill>
+              <p:spPr>
+                <a:xfrm>
+                  <a:off x="3917845" y="2107036"/>
+                  <a:ext cx="640080" cy="579120"/>
+                </a:xfrm>
+                <a:prstGeom prst="rect">
+                  <a:avLst/>
+                </a:prstGeom>
+              </p:spPr>
+            </p:pic>
+            <p:pic>
+              <p:nvPicPr>
+                <p:cNvPr id="117" name="Graphic 116" descr="Arrow Down with solid fill">
+                  <a:extLst>
+                    <a:ext uri="{FF2B5EF4-FFF2-40B4-BE49-F238E27FC236}">
+                      <a16:creationId xmlns:a16="http://schemas.microsoft.com/office/drawing/2014/main" id="{7664BDAE-2A76-7ACA-55B7-727DFE04DBEB}"/>
+                    </a:ext>
+                  </a:extLst>
+                </p:cNvPr>
+                <p:cNvPicPr>
+                  <a:picLocks noChangeAspect="1"/>
+                </p:cNvPicPr>
+                <p:nvPr/>
+              </p:nvPicPr>
+              <p:blipFill>
+                <a:blip r:embed="rId3">
+                  <a:extLst>
+                    <a:ext uri="{96DAC541-7B7A-43D3-8B79-37D633B846F1}">
+                      <asvg:svgBlip xmlns:asvg="http://schemas.microsoft.com/office/drawing/2016/SVG/main" r:embed="rId4"/>
+                    </a:ext>
+                  </a:extLst>
+                </a:blip>
+                <a:stretch>
+                  <a:fillRect/>
+                </a:stretch>
+              </p:blipFill>
+              <p:spPr>
+                <a:xfrm>
+                  <a:off x="3893226" y="3722476"/>
+                  <a:ext cx="640080" cy="579120"/>
+                </a:xfrm>
+                <a:prstGeom prst="rect">
+                  <a:avLst/>
+                </a:prstGeom>
+              </p:spPr>
+            </p:pic>
+            <p:sp>
+              <p:nvSpPr>
+                <p:cNvPr id="118" name="Freeform 117">
+                  <a:extLst>
+                    <a:ext uri="{FF2B5EF4-FFF2-40B4-BE49-F238E27FC236}">
+                      <a16:creationId xmlns:a16="http://schemas.microsoft.com/office/drawing/2014/main" id="{BFB652D8-4DA6-36A2-6371-AA0DEB869BA1}"/>
+                    </a:ext>
+                  </a:extLst>
+                </p:cNvPr>
+                <p:cNvSpPr/>
+                <p:nvPr/>
+              </p:nvSpPr>
+              <p:spPr>
+                <a:xfrm>
+                  <a:off x="3670466" y="1863090"/>
+                  <a:ext cx="457200" cy="2819400"/>
+                </a:xfrm>
+                <a:custGeom>
+                  <a:avLst/>
+                  <a:gdLst>
+                    <a:gd name="connsiteX0" fmla="*/ 0 w 457200"/>
+                    <a:gd name="connsiteY0" fmla="*/ 2819400 h 2819400"/>
+                    <a:gd name="connsiteX1" fmla="*/ 350520 w 457200"/>
+                    <a:gd name="connsiteY1" fmla="*/ 1584960 h 2819400"/>
+                    <a:gd name="connsiteX2" fmla="*/ 121920 w 457200"/>
+                    <a:gd name="connsiteY2" fmla="*/ 426720 h 2819400"/>
+                    <a:gd name="connsiteX3" fmla="*/ 457200 w 457200"/>
+                    <a:gd name="connsiteY3" fmla="*/ 0 h 2819400"/>
+                  </a:gdLst>
+                  <a:ahLst/>
+                  <a:cxnLst>
+                    <a:cxn ang="0">
+                      <a:pos x="connsiteX0" y="connsiteY0"/>
+                    </a:cxn>
+                    <a:cxn ang="0">
+                      <a:pos x="connsiteX1" y="connsiteY1"/>
+                    </a:cxn>
+                    <a:cxn ang="0">
+                      <a:pos x="connsiteX2" y="connsiteY2"/>
+                    </a:cxn>
+                    <a:cxn ang="0">
+                      <a:pos x="connsiteX3" y="connsiteY3"/>
+                    </a:cxn>
+                  </a:cxnLst>
+                  <a:rect l="l" t="t" r="r" b="b"/>
+                  <a:pathLst>
+                    <a:path w="457200" h="2819400">
+                      <a:moveTo>
+                        <a:pt x="0" y="2819400"/>
+                      </a:moveTo>
+                      <a:cubicBezTo>
+                        <a:pt x="165100" y="2401570"/>
+                        <a:pt x="330200" y="1983740"/>
+                        <a:pt x="350520" y="1584960"/>
+                      </a:cubicBezTo>
+                      <a:cubicBezTo>
+                        <a:pt x="370840" y="1186180"/>
+                        <a:pt x="104140" y="690880"/>
+                        <a:pt x="121920" y="426720"/>
+                      </a:cubicBezTo>
+                      <a:cubicBezTo>
+                        <a:pt x="139700" y="162560"/>
+                        <a:pt x="312420" y="66040"/>
+                        <a:pt x="457200" y="0"/>
+                      </a:cubicBezTo>
+                    </a:path>
+                  </a:pathLst>
+                </a:custGeom>
+                <a:noFill/>
+                <a:ln w="28575">
+                  <a:headEnd type="none"/>
+                  <a:tailEnd type="stealth"/>
+                </a:ln>
+              </p:spPr>
+              <p:style>
+                <a:lnRef idx="2">
+                  <a:schemeClr val="accent1">
+                    <a:shade val="15000"/>
+                  </a:schemeClr>
+                </a:lnRef>
+                <a:fillRef idx="1">
+                  <a:schemeClr val="accent1"/>
+                </a:fillRef>
+                <a:effectRef idx="0">
+                  <a:schemeClr val="accent1"/>
+                </a:effectRef>
+                <a:fontRef idx="minor">
+                  <a:schemeClr val="lt1"/>
+                </a:fontRef>
+              </p:style>
+              <p:txBody>
+                <a:bodyPr rtlCol="0" anchor="ctr"/>
+                <a:lstStyle/>
+                <a:p>
+                  <a:pPr algn="ctr"/>
+                  <a:endParaRPr lang="en-CN" sz="2400" dirty="0"/>
+                </a:p>
+              </p:txBody>
+            </p:sp>
+            <p:sp>
+              <p:nvSpPr>
+                <p:cNvPr id="119" name="Freeform 118">
+                  <a:extLst>
+                    <a:ext uri="{FF2B5EF4-FFF2-40B4-BE49-F238E27FC236}">
+                      <a16:creationId xmlns:a16="http://schemas.microsoft.com/office/drawing/2014/main" id="{9AB2D0C2-B0E7-5731-F9E4-C58B9B1246CD}"/>
+                    </a:ext>
+                  </a:extLst>
+                </p:cNvPr>
+                <p:cNvSpPr/>
+                <p:nvPr/>
+              </p:nvSpPr>
+              <p:spPr>
+                <a:xfrm>
+                  <a:off x="4430141" y="1903148"/>
+                  <a:ext cx="457200" cy="2819400"/>
+                </a:xfrm>
+                <a:custGeom>
+                  <a:avLst/>
+                  <a:gdLst>
+                    <a:gd name="connsiteX0" fmla="*/ 0 w 457200"/>
+                    <a:gd name="connsiteY0" fmla="*/ 2819400 h 2819400"/>
+                    <a:gd name="connsiteX1" fmla="*/ 350520 w 457200"/>
+                    <a:gd name="connsiteY1" fmla="*/ 1584960 h 2819400"/>
+                    <a:gd name="connsiteX2" fmla="*/ 121920 w 457200"/>
+                    <a:gd name="connsiteY2" fmla="*/ 426720 h 2819400"/>
+                    <a:gd name="connsiteX3" fmla="*/ 457200 w 457200"/>
+                    <a:gd name="connsiteY3" fmla="*/ 0 h 2819400"/>
+                  </a:gdLst>
+                  <a:ahLst/>
+                  <a:cxnLst>
+                    <a:cxn ang="0">
+                      <a:pos x="connsiteX0" y="connsiteY0"/>
+                    </a:cxn>
+                    <a:cxn ang="0">
+                      <a:pos x="connsiteX1" y="connsiteY1"/>
+                    </a:cxn>
+                    <a:cxn ang="0">
+                      <a:pos x="connsiteX2" y="connsiteY2"/>
+                    </a:cxn>
+                    <a:cxn ang="0">
+                      <a:pos x="connsiteX3" y="connsiteY3"/>
+                    </a:cxn>
+                  </a:cxnLst>
+                  <a:rect l="l" t="t" r="r" b="b"/>
+                  <a:pathLst>
+                    <a:path w="457200" h="2819400">
+                      <a:moveTo>
+                        <a:pt x="0" y="2819400"/>
+                      </a:moveTo>
+                      <a:cubicBezTo>
+                        <a:pt x="165100" y="2401570"/>
+                        <a:pt x="330200" y="1983740"/>
+                        <a:pt x="350520" y="1584960"/>
+                      </a:cubicBezTo>
+                      <a:cubicBezTo>
+                        <a:pt x="370840" y="1186180"/>
+                        <a:pt x="104140" y="690880"/>
+                        <a:pt x="121920" y="426720"/>
+                      </a:cubicBezTo>
+                      <a:cubicBezTo>
+                        <a:pt x="139700" y="162560"/>
+                        <a:pt x="312420" y="66040"/>
+                        <a:pt x="457200" y="0"/>
+                      </a:cubicBezTo>
+                    </a:path>
+                  </a:pathLst>
+                </a:custGeom>
+                <a:noFill/>
+                <a:ln w="28575">
+                  <a:headEnd type="none"/>
+                  <a:tailEnd type="stealth"/>
+                </a:ln>
+              </p:spPr>
+              <p:style>
+                <a:lnRef idx="2">
+                  <a:schemeClr val="accent1">
+                    <a:shade val="15000"/>
+                  </a:schemeClr>
+                </a:lnRef>
+                <a:fillRef idx="1">
+                  <a:schemeClr val="accent1"/>
+                </a:fillRef>
+                <a:effectRef idx="0">
+                  <a:schemeClr val="accent1"/>
+                </a:effectRef>
+                <a:fontRef idx="minor">
+                  <a:schemeClr val="lt1"/>
+                </a:fontRef>
+              </p:style>
+              <p:txBody>
+                <a:bodyPr rtlCol="0" anchor="ctr"/>
+                <a:lstStyle/>
+                <a:p>
+                  <a:pPr algn="ctr"/>
+                  <a:endParaRPr lang="en-CN" sz="2400" dirty="0"/>
+                </a:p>
+              </p:txBody>
+            </p:sp>
+          </p:grpSp>
+          <p:sp>
+            <p:nvSpPr>
+              <p:cNvPr id="121" name="Rectangle 120">
+                <a:extLst>
+                  <a:ext uri="{FF2B5EF4-FFF2-40B4-BE49-F238E27FC236}">
+                    <a16:creationId xmlns:a16="http://schemas.microsoft.com/office/drawing/2014/main" id="{0904ECAC-DE7F-3DCF-6608-D9D7CACD74D3}"/>
+                  </a:ext>
+                </a:extLst>
+              </p:cNvPr>
+              <p:cNvSpPr/>
+              <p:nvPr/>
+            </p:nvSpPr>
+            <p:spPr>
+              <a:xfrm>
+                <a:off x="3246120" y="4307364"/>
+                <a:ext cx="5547360" cy="1026636"/>
+              </a:xfrm>
+              <a:prstGeom prst="rect">
+                <a:avLst/>
+              </a:prstGeom>
+              <a:noFill/>
+              <a:ln w="44450">
+                <a:solidFill>
+                  <a:schemeClr val="accent2"/>
+                </a:solidFill>
+              </a:ln>
+            </p:spPr>
+            <p:style>
+              <a:lnRef idx="2">
+                <a:schemeClr val="accent1">
+                  <a:shade val="15000"/>
+                </a:schemeClr>
+              </a:lnRef>
+              <a:fillRef idx="1">
+                <a:schemeClr val="accent1"/>
+              </a:fillRef>
+              <a:effectRef idx="0">
+                <a:schemeClr val="accent1"/>
+              </a:effectRef>
+              <a:fontRef idx="minor">
+                <a:schemeClr val="lt1"/>
+              </a:fontRef>
+            </p:style>
+            <p:txBody>
+              <a:bodyPr rtlCol="0" anchor="ctr"/>
+              <a:lstStyle/>
+              <a:p>
+                <a:pPr algn="ctr"/>
+                <a:endParaRPr lang="en-CN" sz="2400"/>
+              </a:p>
+            </p:txBody>
+          </p:sp>
+          <p:sp>
+            <p:nvSpPr>
+              <p:cNvPr id="122" name="Rectangle 121">
+                <a:extLst>
+                  <a:ext uri="{FF2B5EF4-FFF2-40B4-BE49-F238E27FC236}">
+                    <a16:creationId xmlns:a16="http://schemas.microsoft.com/office/drawing/2014/main" id="{A6DFD78F-3971-DCC4-668C-71F1E09FB560}"/>
+                  </a:ext>
+                </a:extLst>
+              </p:cNvPr>
+              <p:cNvSpPr/>
+              <p:nvPr/>
+            </p:nvSpPr>
+            <p:spPr>
+              <a:xfrm>
+                <a:off x="3302356" y="1082252"/>
+                <a:ext cx="1019915" cy="1026636"/>
+              </a:xfrm>
+              <a:prstGeom prst="rect">
+                <a:avLst/>
+              </a:prstGeom>
+              <a:noFill/>
+              <a:ln w="44450">
+                <a:solidFill>
+                  <a:schemeClr val="accent2"/>
+                </a:solidFill>
+              </a:ln>
+            </p:spPr>
+            <p:style>
+              <a:lnRef idx="2">
+                <a:schemeClr val="accent1">
+                  <a:shade val="15000"/>
+                </a:schemeClr>
+              </a:lnRef>
+              <a:fillRef idx="1">
+                <a:schemeClr val="accent1"/>
+              </a:fillRef>
+              <a:effectRef idx="0">
+                <a:schemeClr val="accent1"/>
+              </a:effectRef>
+              <a:fontRef idx="minor">
+                <a:schemeClr val="lt1"/>
+              </a:fontRef>
+            </p:style>
+            <p:txBody>
+              <a:bodyPr rtlCol="0" anchor="ctr"/>
+              <a:lstStyle/>
+              <a:p>
+                <a:pPr algn="ctr"/>
+                <a:endParaRPr lang="en-CN" sz="2400"/>
+              </a:p>
+            </p:txBody>
+          </p:sp>
+          <p:sp>
+            <p:nvSpPr>
+              <p:cNvPr id="123" name="TextBox 122">
+                <a:extLst>
+                  <a:ext uri="{FF2B5EF4-FFF2-40B4-BE49-F238E27FC236}">
+                    <a16:creationId xmlns:a16="http://schemas.microsoft.com/office/drawing/2014/main" id="{65CB0493-F70B-DBBC-AA48-C48F071BC75E}"/>
+                  </a:ext>
+                </a:extLst>
+              </p:cNvPr>
+              <p:cNvSpPr txBox="1"/>
+              <p:nvPr/>
+            </p:nvSpPr>
+            <p:spPr>
+              <a:xfrm>
+                <a:off x="1701040" y="2182260"/>
+                <a:ext cx="2213303" cy="461665"/>
+              </a:xfrm>
+              <a:prstGeom prst="rect">
+                <a:avLst/>
+              </a:prstGeom>
+              <a:noFill/>
+            </p:spPr>
+            <p:txBody>
+              <a:bodyPr wrap="square" rtlCol="0">
+                <a:spAutoFit/>
+              </a:bodyPr>
+              <a:lstStyle/>
+              <a:p>
+                <a:pPr algn="ctr"/>
+                <a:r>
+                  <a:rPr lang="en-CN" sz="2400" b="1" dirty="0">
+                    <a:latin typeface="Bell MT" panose="02020503060305020303" pitchFamily="18" charset="77"/>
+                  </a:rPr>
+                  <a:t>DDIM+Text</a:t>
+                </a:r>
+              </a:p>
+            </p:txBody>
+          </p:sp>
+          <p:sp>
+            <p:nvSpPr>
+              <p:cNvPr id="124" name="TextBox 123">
+                <a:extLst>
+                  <a:ext uri="{FF2B5EF4-FFF2-40B4-BE49-F238E27FC236}">
+                    <a16:creationId xmlns:a16="http://schemas.microsoft.com/office/drawing/2014/main" id="{ABBA3D7A-CE8C-247B-981D-1F0364868863}"/>
+                  </a:ext>
+                </a:extLst>
+              </p:cNvPr>
+              <p:cNvSpPr txBox="1"/>
+              <p:nvPr/>
+            </p:nvSpPr>
+            <p:spPr>
+              <a:xfrm>
+                <a:off x="1590239" y="3710285"/>
+                <a:ext cx="2213303" cy="461665"/>
+              </a:xfrm>
+              <a:prstGeom prst="rect">
+                <a:avLst/>
+              </a:prstGeom>
+              <a:noFill/>
+            </p:spPr>
+            <p:txBody>
+              <a:bodyPr wrap="square" rtlCol="0">
+                <a:spAutoFit/>
+              </a:bodyPr>
+              <a:lstStyle/>
+              <a:p>
+                <a:pPr algn="ctr"/>
+                <a:r>
+                  <a:rPr lang="en-CN" sz="2400" b="1" dirty="0">
+                    <a:latin typeface="Bell MT" panose="02020503060305020303" pitchFamily="18" charset="77"/>
+                  </a:rPr>
+                  <a:t>DDIM-Inverse</a:t>
+                </a:r>
+              </a:p>
+            </p:txBody>
+          </p:sp>
+          <p:sp>
+            <p:nvSpPr>
+              <p:cNvPr id="125" name="TextBox 124">
+                <a:extLst>
+                  <a:ext uri="{FF2B5EF4-FFF2-40B4-BE49-F238E27FC236}">
+                    <a16:creationId xmlns:a16="http://schemas.microsoft.com/office/drawing/2014/main" id="{AE8FF363-AB04-383A-37D2-76EB4F64C575}"/>
+                  </a:ext>
+                </a:extLst>
+              </p:cNvPr>
+              <p:cNvSpPr txBox="1"/>
+              <p:nvPr/>
+            </p:nvSpPr>
+            <p:spPr>
+              <a:xfrm>
+                <a:off x="2359417" y="661416"/>
+                <a:ext cx="2938672" cy="461665"/>
+              </a:xfrm>
+              <a:prstGeom prst="rect">
+                <a:avLst/>
+              </a:prstGeom>
+              <a:noFill/>
+            </p:spPr>
+            <p:txBody>
+              <a:bodyPr wrap="square" rtlCol="0">
+                <a:spAutoFit/>
+              </a:bodyPr>
+              <a:lstStyle/>
+              <a:p>
+                <a:pPr algn="ctr"/>
+                <a:r>
+                  <a:rPr lang="en-CN" sz="2400" b="1" dirty="0">
+                    <a:solidFill>
+                      <a:schemeClr val="accent2"/>
+                    </a:solidFill>
+                    <a:latin typeface="Bell MT" panose="02020503060305020303" pitchFamily="18" charset="77"/>
+                  </a:rPr>
+                  <a:t>Initial Noise</a:t>
+                </a:r>
+              </a:p>
+            </p:txBody>
+          </p:sp>
+          <p:sp>
+            <p:nvSpPr>
+              <p:cNvPr id="126" name="TextBox 125">
+                <a:extLst>
+                  <a:ext uri="{FF2B5EF4-FFF2-40B4-BE49-F238E27FC236}">
+                    <a16:creationId xmlns:a16="http://schemas.microsoft.com/office/drawing/2014/main" id="{96C808FD-C2DE-E3F5-9E79-C20E5D9D63F1}"/>
+                  </a:ext>
+                </a:extLst>
+              </p:cNvPr>
+              <p:cNvSpPr txBox="1"/>
+              <p:nvPr/>
+            </p:nvSpPr>
+            <p:spPr>
+              <a:xfrm>
+                <a:off x="5458987" y="5347494"/>
+                <a:ext cx="3391603" cy="461665"/>
+              </a:xfrm>
+              <a:prstGeom prst="rect">
+                <a:avLst/>
+              </a:prstGeom>
+              <a:noFill/>
+            </p:spPr>
+            <p:txBody>
+              <a:bodyPr wrap="square" rtlCol="0">
+                <a:spAutoFit/>
+              </a:bodyPr>
+              <a:lstStyle/>
+              <a:p>
+                <a:pPr algn="ctr"/>
+                <a:r>
+                  <a:rPr lang="en-CN" sz="2400" b="1" dirty="0">
+                    <a:solidFill>
+                      <a:schemeClr val="accent2"/>
+                    </a:solidFill>
+                    <a:latin typeface="Bell MT" panose="02020503060305020303" pitchFamily="18" charset="77"/>
+                  </a:rPr>
+                  <a:t>Golden Noise Sequence</a:t>
+                </a:r>
+              </a:p>
+            </p:txBody>
+          </p:sp>
+        </p:grpSp>
+        <p:sp>
+          <p:nvSpPr>
+            <p:cNvPr id="129" name="TextBox 128">
+              <a:extLst>
+                <a:ext uri="{FF2B5EF4-FFF2-40B4-BE49-F238E27FC236}">
+                  <a16:creationId xmlns:a16="http://schemas.microsoft.com/office/drawing/2014/main" id="{1E0ED833-E72E-9D11-E110-5BD0D4E34704}"/>
+                </a:ext>
+              </a:extLst>
+            </p:cNvPr>
+            <p:cNvSpPr txBox="1"/>
+            <p:nvPr/>
+          </p:nvSpPr>
+          <p:spPr>
+            <a:xfrm>
+              <a:off x="1048833" y="788234"/>
+              <a:ext cx="7092440" cy="492443"/>
+            </a:xfrm>
+            <a:prstGeom prst="rect">
+              <a:avLst/>
+            </a:prstGeom>
+            <a:noFill/>
+          </p:spPr>
+          <p:txBody>
+            <a:bodyPr wrap="square">
+              <a:spAutoFit/>
+            </a:bodyPr>
+            <a:lstStyle/>
+            <a:p>
+              <a:r>
+                <a:rPr lang="en-CN" sz="2600" b="1" dirty="0">
+                  <a:solidFill>
+                    <a:schemeClr val="tx2">
+                      <a:lumMod val="50000"/>
+                      <a:lumOff val="50000"/>
+                    </a:schemeClr>
+                  </a:solidFill>
+                  <a:latin typeface="Bell MT" panose="02020503060305020303" pitchFamily="18" charset="77"/>
+                </a:rPr>
+                <a:t>Golden Noise Sequence</a:t>
+              </a:r>
+              <a:r>
+                <a:rPr lang="zh-CN" altLang="en-US" sz="2600" b="1" dirty="0">
+                  <a:solidFill>
+                    <a:schemeClr val="tx2">
+                      <a:lumMod val="50000"/>
+                      <a:lumOff val="50000"/>
+                    </a:schemeClr>
+                  </a:solidFill>
+                  <a:latin typeface="Bell MT" panose="02020503060305020303" pitchFamily="18" charset="77"/>
+                </a:rPr>
+                <a:t> </a:t>
+              </a:r>
+              <a:r>
+                <a:rPr lang="en-US" altLang="zh-CN" sz="2600" b="1" dirty="0">
+                  <a:solidFill>
+                    <a:schemeClr val="tx2">
+                      <a:lumMod val="50000"/>
+                      <a:lumOff val="50000"/>
+                    </a:schemeClr>
+                  </a:solidFill>
+                  <a:latin typeface="Bell MT" panose="02020503060305020303" pitchFamily="18" charset="77"/>
+                </a:rPr>
+                <a:t>Dataset Collection</a:t>
+              </a:r>
+              <a:endParaRPr lang="en-CN" sz="2600" b="1" dirty="0">
+                <a:solidFill>
+                  <a:schemeClr val="tx2">
+                    <a:lumMod val="50000"/>
+                    <a:lumOff val="50000"/>
+                  </a:schemeClr>
+                </a:solidFill>
+                <a:latin typeface="Bell MT" panose="02020503060305020303" pitchFamily="18" charset="77"/>
+              </a:endParaRPr>
+            </a:p>
+          </p:txBody>
+        </p:sp>
+      </p:grpSp>
+      <p:grpSp>
+        <p:nvGrpSpPr>
+          <p:cNvPr id="298" name="Group 297">
+            <a:extLst>
+              <a:ext uri="{FF2B5EF4-FFF2-40B4-BE49-F238E27FC236}">
+                <a16:creationId xmlns:a16="http://schemas.microsoft.com/office/drawing/2014/main" id="{81E09378-079F-315B-7350-766CF06CF974}"/>
+              </a:ext>
+            </a:extLst>
+          </p:cNvPr>
+          <p:cNvGrpSpPr/>
+          <p:nvPr/>
+        </p:nvGrpSpPr>
+        <p:grpSpPr>
+          <a:xfrm>
+            <a:off x="969627" y="7075031"/>
+            <a:ext cx="8197771" cy="3542824"/>
+            <a:chOff x="995027" y="7191871"/>
+            <a:chExt cx="8197771" cy="3542824"/>
+          </a:xfrm>
+        </p:grpSpPr>
+        <p:grpSp>
+          <p:nvGrpSpPr>
+            <p:cNvPr id="135" name="Group 134">
+              <a:extLst>
+                <a:ext uri="{FF2B5EF4-FFF2-40B4-BE49-F238E27FC236}">
+                  <a16:creationId xmlns:a16="http://schemas.microsoft.com/office/drawing/2014/main" id="{65F9CEDE-8274-3F05-9D76-DE7A20DA5855}"/>
+                </a:ext>
+              </a:extLst>
+            </p:cNvPr>
+            <p:cNvGrpSpPr/>
+            <p:nvPr/>
+          </p:nvGrpSpPr>
+          <p:grpSpPr>
+            <a:xfrm>
+              <a:off x="1531742" y="8018497"/>
+              <a:ext cx="7661056" cy="2716198"/>
+              <a:chOff x="2268781" y="7238088"/>
+              <a:chExt cx="7661056" cy="2716198"/>
+            </a:xfrm>
+          </p:grpSpPr>
+          <p:sp>
+            <p:nvSpPr>
+              <p:cNvPr id="136" name="Oval 135">
+                <a:extLst>
+                  <a:ext uri="{FF2B5EF4-FFF2-40B4-BE49-F238E27FC236}">
+                    <a16:creationId xmlns:a16="http://schemas.microsoft.com/office/drawing/2014/main" id="{5E32D0F2-7D88-9936-B527-3AEB4312AE75}"/>
+                  </a:ext>
+                </a:extLst>
+              </p:cNvPr>
+              <p:cNvSpPr/>
+              <p:nvPr/>
+            </p:nvSpPr>
+            <p:spPr>
+              <a:xfrm>
+                <a:off x="2268781" y="7246899"/>
+                <a:ext cx="876894" cy="876088"/>
+              </a:xfrm>
+              <a:prstGeom prst="ellipse">
+                <a:avLst/>
+              </a:prstGeom>
+              <a:ln>
+                <a:noFill/>
+              </a:ln>
+            </p:spPr>
+            <p:style>
+              <a:lnRef idx="2">
+                <a:schemeClr val="accent1">
+                  <a:shade val="15000"/>
+                </a:schemeClr>
+              </a:lnRef>
+              <a:fillRef idx="1">
+                <a:schemeClr val="accent1"/>
+              </a:fillRef>
+              <a:effectRef idx="0">
+                <a:schemeClr val="accent1"/>
+              </a:effectRef>
+              <a:fontRef idx="minor">
+                <a:schemeClr val="lt1"/>
+              </a:fontRef>
+            </p:style>
+            <p:txBody>
+              <a:bodyPr rtlCol="0" anchor="ctr"/>
+              <a:lstStyle/>
+              <a:p>
+                <a:pPr algn="ctr"/>
+                <a:r>
+                  <a:rPr lang="en-CN" sz="2400" dirty="0">
+                    <a:latin typeface="Bell MT" panose="02020503060305020303" pitchFamily="18" charset="77"/>
+                  </a:rPr>
+                  <a:t>X</a:t>
+                </a:r>
+                <a:r>
+                  <a:rPr lang="en-CN" sz="1000" dirty="0">
+                    <a:latin typeface="Bell MT" panose="02020503060305020303" pitchFamily="18" charset="77"/>
+                  </a:rPr>
+                  <a:t>T</a:t>
+                </a:r>
+                <a:r>
+                  <a:rPr lang="en-CN" sz="700" dirty="0">
+                    <a:latin typeface="Bell MT" panose="02020503060305020303" pitchFamily="18" charset="77"/>
+                  </a:rPr>
+                  <a:t>0</a:t>
+                </a:r>
+                <a:endParaRPr lang="en-CN" sz="2400" dirty="0">
+                  <a:latin typeface="Bell MT" panose="02020503060305020303" pitchFamily="18" charset="77"/>
+                </a:endParaRPr>
+              </a:p>
+            </p:txBody>
+          </p:sp>
+          <p:sp>
+            <p:nvSpPr>
+              <p:cNvPr id="137" name="Oval 136">
+                <a:extLst>
+                  <a:ext uri="{FF2B5EF4-FFF2-40B4-BE49-F238E27FC236}">
+                    <a16:creationId xmlns:a16="http://schemas.microsoft.com/office/drawing/2014/main" id="{0E13B001-4F01-CF20-2FC1-F4A07A9C8939}"/>
+                  </a:ext>
+                </a:extLst>
+              </p:cNvPr>
+              <p:cNvSpPr/>
+              <p:nvPr/>
+            </p:nvSpPr>
+            <p:spPr>
+              <a:xfrm>
+                <a:off x="3865862" y="7246899"/>
+                <a:ext cx="876894" cy="876088"/>
+              </a:xfrm>
+              <a:prstGeom prst="ellipse">
+                <a:avLst/>
+              </a:prstGeom>
+              <a:ln>
+                <a:noFill/>
+              </a:ln>
+            </p:spPr>
+            <p:style>
+              <a:lnRef idx="2">
+                <a:schemeClr val="accent1">
+                  <a:shade val="15000"/>
+                </a:schemeClr>
+              </a:lnRef>
+              <a:fillRef idx="1">
+                <a:schemeClr val="accent1"/>
+              </a:fillRef>
+              <a:effectRef idx="0">
+                <a:schemeClr val="accent1"/>
+              </a:effectRef>
+              <a:fontRef idx="minor">
+                <a:schemeClr val="lt1"/>
+              </a:fontRef>
+            </p:style>
+            <p:txBody>
+              <a:bodyPr rtlCol="0" anchor="ctr"/>
+              <a:lstStyle/>
+              <a:p>
+                <a:pPr algn="ctr"/>
+                <a:r>
+                  <a:rPr lang="en-CN" sz="2400" dirty="0">
+                    <a:latin typeface="Bell MT" panose="02020503060305020303" pitchFamily="18" charset="77"/>
+                  </a:rPr>
+                  <a:t>X</a:t>
+                </a:r>
+                <a:r>
+                  <a:rPr lang="en-CN" sz="1000" dirty="0">
+                    <a:latin typeface="Bell MT" panose="02020503060305020303" pitchFamily="18" charset="77"/>
+                  </a:rPr>
+                  <a:t>T</a:t>
+                </a:r>
+                <a:r>
+                  <a:rPr lang="en-CN" sz="700" dirty="0">
+                    <a:latin typeface="Bell MT" panose="02020503060305020303" pitchFamily="18" charset="77"/>
+                  </a:rPr>
+                  <a:t>1</a:t>
+                </a:r>
+                <a:endParaRPr lang="en-CN" sz="2400" dirty="0">
+                  <a:latin typeface="Bell MT" panose="02020503060305020303" pitchFamily="18" charset="77"/>
+                </a:endParaRPr>
+              </a:p>
+            </p:txBody>
+          </p:sp>
+          <p:sp>
+            <p:nvSpPr>
+              <p:cNvPr id="138" name="Oval 137">
+                <a:extLst>
+                  <a:ext uri="{FF2B5EF4-FFF2-40B4-BE49-F238E27FC236}">
+                    <a16:creationId xmlns:a16="http://schemas.microsoft.com/office/drawing/2014/main" id="{4A06BA54-A731-FEEE-A549-E416F6328DBC}"/>
+                  </a:ext>
+                </a:extLst>
+              </p:cNvPr>
+              <p:cNvSpPr/>
+              <p:nvPr/>
+            </p:nvSpPr>
+            <p:spPr>
+              <a:xfrm>
+                <a:off x="7455862" y="7238088"/>
+                <a:ext cx="876894" cy="876088"/>
+              </a:xfrm>
+              <a:prstGeom prst="ellipse">
+                <a:avLst/>
+              </a:prstGeom>
+              <a:ln>
+                <a:noFill/>
+              </a:ln>
+            </p:spPr>
+            <p:style>
+              <a:lnRef idx="2">
+                <a:schemeClr val="accent1">
+                  <a:shade val="15000"/>
+                </a:schemeClr>
+              </a:lnRef>
+              <a:fillRef idx="1">
+                <a:schemeClr val="accent1"/>
+              </a:fillRef>
+              <a:effectRef idx="0">
+                <a:schemeClr val="accent1"/>
+              </a:effectRef>
+              <a:fontRef idx="minor">
+                <a:schemeClr val="lt1"/>
+              </a:fontRef>
+            </p:style>
+            <p:txBody>
+              <a:bodyPr rtlCol="0" anchor="ctr"/>
+              <a:lstStyle/>
+              <a:p>
+                <a:pPr algn="ctr"/>
+                <a:r>
+                  <a:rPr lang="en-CN" sz="2400" dirty="0">
+                    <a:latin typeface="Bell MT" panose="02020503060305020303" pitchFamily="18" charset="77"/>
+                  </a:rPr>
+                  <a:t>X</a:t>
+                </a:r>
+                <a:r>
+                  <a:rPr lang="en-CN" sz="1000" dirty="0">
+                    <a:latin typeface="Bell MT" panose="02020503060305020303" pitchFamily="18" charset="77"/>
+                  </a:rPr>
+                  <a:t>T</a:t>
+                </a:r>
+                <a:r>
+                  <a:rPr lang="en-CN" sz="600" dirty="0">
+                    <a:latin typeface="Bell MT" panose="02020503060305020303" pitchFamily="18" charset="77"/>
+                  </a:rPr>
+                  <a:t>k-1</a:t>
+                </a:r>
+                <a:endParaRPr lang="en-CN" sz="2400" dirty="0">
+                  <a:latin typeface="Bell MT" panose="02020503060305020303" pitchFamily="18" charset="77"/>
+                </a:endParaRPr>
+              </a:p>
+            </p:txBody>
+          </p:sp>
+          <p:sp>
+            <p:nvSpPr>
+              <p:cNvPr id="139" name="Oval 138">
+                <a:extLst>
+                  <a:ext uri="{FF2B5EF4-FFF2-40B4-BE49-F238E27FC236}">
+                    <a16:creationId xmlns:a16="http://schemas.microsoft.com/office/drawing/2014/main" id="{5FA87330-D2D9-66EE-07BD-0515B5914064}"/>
+                  </a:ext>
+                </a:extLst>
+              </p:cNvPr>
+              <p:cNvSpPr/>
+              <p:nvPr/>
+            </p:nvSpPr>
+            <p:spPr>
+              <a:xfrm>
+                <a:off x="9052943" y="7246899"/>
+                <a:ext cx="876894" cy="876088"/>
+              </a:xfrm>
+              <a:prstGeom prst="ellipse">
+                <a:avLst/>
+              </a:prstGeom>
+              <a:ln>
+                <a:noFill/>
+              </a:ln>
+            </p:spPr>
+            <p:style>
+              <a:lnRef idx="2">
+                <a:schemeClr val="accent1">
+                  <a:shade val="15000"/>
+                </a:schemeClr>
+              </a:lnRef>
+              <a:fillRef idx="1">
+                <a:schemeClr val="accent1"/>
+              </a:fillRef>
+              <a:effectRef idx="0">
+                <a:schemeClr val="accent1"/>
+              </a:effectRef>
+              <a:fontRef idx="minor">
+                <a:schemeClr val="lt1"/>
+              </a:fontRef>
+            </p:style>
+            <p:txBody>
+              <a:bodyPr rtlCol="0" anchor="ctr"/>
+              <a:lstStyle/>
+              <a:p>
+                <a:pPr algn="ctr"/>
+                <a:r>
+                  <a:rPr lang="en-CN" sz="2400" dirty="0">
+                    <a:latin typeface="Bell MT" panose="02020503060305020303" pitchFamily="18" charset="77"/>
+                  </a:rPr>
+                  <a:t>X</a:t>
+                </a:r>
+                <a:r>
+                  <a:rPr lang="en-CN" sz="1000" dirty="0">
+                    <a:latin typeface="Bell MT" panose="02020503060305020303" pitchFamily="18" charset="77"/>
+                  </a:rPr>
+                  <a:t>T</a:t>
+                </a:r>
+                <a:r>
+                  <a:rPr lang="en-CN" sz="600" dirty="0">
+                    <a:latin typeface="Bell MT" panose="02020503060305020303" pitchFamily="18" charset="77"/>
+                  </a:rPr>
+                  <a:t>k</a:t>
+                </a:r>
+                <a:endParaRPr lang="en-CN" sz="2400" dirty="0">
+                  <a:latin typeface="Bell MT" panose="02020503060305020303" pitchFamily="18" charset="77"/>
+                </a:endParaRPr>
+              </a:p>
+            </p:txBody>
+          </p:sp>
+          <p:pic>
+            <p:nvPicPr>
+              <p:cNvPr id="140" name="Graphic 139" descr="Arrow Down with solid fill">
+                <a:extLst>
+                  <a:ext uri="{FF2B5EF4-FFF2-40B4-BE49-F238E27FC236}">
+                    <a16:creationId xmlns:a16="http://schemas.microsoft.com/office/drawing/2014/main" id="{894A5431-7C92-B7F5-8EE4-B6472F2C62E9}"/>
+                  </a:ext>
+                </a:extLst>
+              </p:cNvPr>
+              <p:cNvPicPr>
+                <a:picLocks noChangeAspect="1"/>
+              </p:cNvPicPr>
+              <p:nvPr/>
+            </p:nvPicPr>
+            <p:blipFill>
+              <a:blip r:embed="rId3">
+                <a:extLst>
+                  <a:ext uri="{96DAC541-7B7A-43D3-8B79-37D633B846F1}">
+                    <asvg:svgBlip xmlns:asvg="http://schemas.microsoft.com/office/drawing/2016/SVG/main" r:embed="rId4"/>
+                  </a:ext>
+                </a:extLst>
+              </a:blip>
+              <a:stretch>
+                <a:fillRect/>
+              </a:stretch>
+            </p:blipFill>
+            <p:spPr>
+              <a:xfrm rot="16200000">
+                <a:off x="3185728" y="7395383"/>
+                <a:ext cx="640080" cy="579120"/>
+              </a:xfrm>
+              <a:prstGeom prst="rect">
+                <a:avLst/>
+              </a:prstGeom>
+            </p:spPr>
+          </p:pic>
+          <p:pic>
+            <p:nvPicPr>
+              <p:cNvPr id="141" name="Graphic 140" descr="Arrow Down with solid fill">
+                <a:extLst>
+                  <a:ext uri="{FF2B5EF4-FFF2-40B4-BE49-F238E27FC236}">
+                    <a16:creationId xmlns:a16="http://schemas.microsoft.com/office/drawing/2014/main" id="{6163B5A0-3A3C-C89D-FBCA-30745B047E05}"/>
+                  </a:ext>
+                </a:extLst>
+              </p:cNvPr>
+              <p:cNvPicPr>
+                <a:picLocks noChangeAspect="1"/>
+              </p:cNvPicPr>
+              <p:nvPr/>
+            </p:nvPicPr>
+            <p:blipFill>
+              <a:blip r:embed="rId3">
+                <a:extLst>
+                  <a:ext uri="{96DAC541-7B7A-43D3-8B79-37D633B846F1}">
+                    <asvg:svgBlip xmlns:asvg="http://schemas.microsoft.com/office/drawing/2016/SVG/main" r:embed="rId4"/>
+                  </a:ext>
+                </a:extLst>
+              </a:blip>
+              <a:stretch>
+                <a:fillRect/>
+              </a:stretch>
+            </p:blipFill>
+            <p:spPr>
+              <a:xfrm rot="16200000">
+                <a:off x="4782809" y="7395383"/>
+                <a:ext cx="640080" cy="579120"/>
+              </a:xfrm>
+              <a:prstGeom prst="rect">
+                <a:avLst/>
+              </a:prstGeom>
+            </p:spPr>
+          </p:pic>
+          <p:grpSp>
+            <p:nvGrpSpPr>
+              <p:cNvPr id="142" name="Group 141">
+                <a:extLst>
+                  <a:ext uri="{FF2B5EF4-FFF2-40B4-BE49-F238E27FC236}">
+                    <a16:creationId xmlns:a16="http://schemas.microsoft.com/office/drawing/2014/main" id="{32018E83-728D-2DAB-C287-7B7F264B75DD}"/>
+                  </a:ext>
+                </a:extLst>
+              </p:cNvPr>
+              <p:cNvGrpSpPr/>
+              <p:nvPr/>
+            </p:nvGrpSpPr>
+            <p:grpSpPr>
+              <a:xfrm>
+                <a:off x="5567165" y="7587735"/>
+                <a:ext cx="868706" cy="194416"/>
+                <a:chOff x="5294904" y="3852850"/>
+                <a:chExt cx="868706" cy="194416"/>
+              </a:xfrm>
+            </p:grpSpPr>
+            <p:sp>
+              <p:nvSpPr>
+                <p:cNvPr id="152" name="Oval 151">
+                  <a:extLst>
+                    <a:ext uri="{FF2B5EF4-FFF2-40B4-BE49-F238E27FC236}">
+                      <a16:creationId xmlns:a16="http://schemas.microsoft.com/office/drawing/2014/main" id="{CEDCA9AF-E5A1-F2FC-0D3D-419760227860}"/>
+                    </a:ext>
+                  </a:extLst>
+                </p:cNvPr>
+                <p:cNvSpPr/>
+                <p:nvPr/>
+              </p:nvSpPr>
+              <p:spPr>
+                <a:xfrm flipV="1">
+                  <a:off x="5294904" y="3852850"/>
+                  <a:ext cx="198146" cy="194416"/>
+                </a:xfrm>
+                <a:prstGeom prst="ellipse">
+                  <a:avLst/>
+                </a:prstGeom>
+                <a:solidFill>
+                  <a:schemeClr val="tx2"/>
+                </a:solidFill>
+                <a:ln>
+                  <a:noFill/>
+                </a:ln>
+              </p:spPr>
+              <p:style>
+                <a:lnRef idx="2">
+                  <a:schemeClr val="accent1">
+                    <a:shade val="15000"/>
+                  </a:schemeClr>
+                </a:lnRef>
+                <a:fillRef idx="1">
+                  <a:schemeClr val="accent1"/>
+                </a:fillRef>
+                <a:effectRef idx="0">
+                  <a:schemeClr val="accent1"/>
+                </a:effectRef>
+                <a:fontRef idx="minor">
+                  <a:schemeClr val="lt1"/>
+                </a:fontRef>
+              </p:style>
+              <p:txBody>
+                <a:bodyPr rtlCol="0" anchor="ctr"/>
+                <a:lstStyle/>
+                <a:p>
+                  <a:pPr algn="ctr"/>
+                  <a:endParaRPr lang="en-CN" sz="2400" dirty="0"/>
+                </a:p>
+              </p:txBody>
+            </p:sp>
+            <p:sp>
+              <p:nvSpPr>
+                <p:cNvPr id="153" name="Oval 152">
+                  <a:extLst>
+                    <a:ext uri="{FF2B5EF4-FFF2-40B4-BE49-F238E27FC236}">
+                      <a16:creationId xmlns:a16="http://schemas.microsoft.com/office/drawing/2014/main" id="{65D305BE-3C36-9E7B-F95A-1F79D134ED6C}"/>
+                    </a:ext>
+                  </a:extLst>
+                </p:cNvPr>
+                <p:cNvSpPr/>
+                <p:nvPr/>
+              </p:nvSpPr>
+              <p:spPr>
+                <a:xfrm flipV="1">
+                  <a:off x="5630184" y="3852850"/>
+                  <a:ext cx="198146" cy="194416"/>
+                </a:xfrm>
+                <a:prstGeom prst="ellipse">
+                  <a:avLst/>
+                </a:prstGeom>
+                <a:solidFill>
+                  <a:schemeClr val="tx2"/>
+                </a:solidFill>
+                <a:ln>
+                  <a:noFill/>
+                </a:ln>
+              </p:spPr>
+              <p:style>
+                <a:lnRef idx="2">
+                  <a:schemeClr val="accent1">
+                    <a:shade val="15000"/>
+                  </a:schemeClr>
+                </a:lnRef>
+                <a:fillRef idx="1">
+                  <a:schemeClr val="accent1"/>
+                </a:fillRef>
+                <a:effectRef idx="0">
+                  <a:schemeClr val="accent1"/>
+                </a:effectRef>
+                <a:fontRef idx="minor">
+                  <a:schemeClr val="lt1"/>
+                </a:fontRef>
+              </p:style>
+              <p:txBody>
+                <a:bodyPr rtlCol="0" anchor="ctr"/>
+                <a:lstStyle/>
+                <a:p>
+                  <a:pPr algn="ctr"/>
+                  <a:endParaRPr lang="en-CN" sz="2400" dirty="0"/>
+                </a:p>
+              </p:txBody>
+            </p:sp>
+            <p:sp>
+              <p:nvSpPr>
+                <p:cNvPr id="154" name="Oval 153">
+                  <a:extLst>
+                    <a:ext uri="{FF2B5EF4-FFF2-40B4-BE49-F238E27FC236}">
+                      <a16:creationId xmlns:a16="http://schemas.microsoft.com/office/drawing/2014/main" id="{6E341E4A-54DB-6073-E307-54FDCD54D74D}"/>
+                    </a:ext>
+                  </a:extLst>
+                </p:cNvPr>
+                <p:cNvSpPr/>
+                <p:nvPr/>
+              </p:nvSpPr>
+              <p:spPr>
+                <a:xfrm flipV="1">
+                  <a:off x="5965464" y="3852850"/>
+                  <a:ext cx="198146" cy="194416"/>
+                </a:xfrm>
+                <a:prstGeom prst="ellipse">
+                  <a:avLst/>
+                </a:prstGeom>
+                <a:solidFill>
+                  <a:schemeClr val="tx2"/>
+                </a:solidFill>
+                <a:ln>
+                  <a:noFill/>
+                </a:ln>
+              </p:spPr>
+              <p:style>
+                <a:lnRef idx="2">
+                  <a:schemeClr val="accent1">
+                    <a:shade val="15000"/>
+                  </a:schemeClr>
+                </a:lnRef>
+                <a:fillRef idx="1">
+                  <a:schemeClr val="accent1"/>
+                </a:fillRef>
+                <a:effectRef idx="0">
+                  <a:schemeClr val="accent1"/>
+                </a:effectRef>
+                <a:fontRef idx="minor">
+                  <a:schemeClr val="lt1"/>
+                </a:fontRef>
+              </p:style>
+              <p:txBody>
+                <a:bodyPr rtlCol="0" anchor="ctr"/>
+                <a:lstStyle/>
+                <a:p>
+                  <a:pPr algn="ctr"/>
+                  <a:endParaRPr lang="en-CN" sz="2400" dirty="0"/>
+                </a:p>
+              </p:txBody>
+            </p:sp>
+          </p:grpSp>
+          <p:pic>
+            <p:nvPicPr>
+              <p:cNvPr id="143" name="Graphic 142" descr="Arrow Down with solid fill">
+                <a:extLst>
+                  <a:ext uri="{FF2B5EF4-FFF2-40B4-BE49-F238E27FC236}">
+                    <a16:creationId xmlns:a16="http://schemas.microsoft.com/office/drawing/2014/main" id="{F00EF9BC-D571-B137-AC46-115BE3A561FA}"/>
+                  </a:ext>
+                </a:extLst>
+              </p:cNvPr>
+              <p:cNvPicPr>
+                <a:picLocks noChangeAspect="1"/>
+              </p:cNvPicPr>
+              <p:nvPr/>
+            </p:nvPicPr>
+            <p:blipFill>
+              <a:blip r:embed="rId3">
+                <a:extLst>
+                  <a:ext uri="{96DAC541-7B7A-43D3-8B79-37D633B846F1}">
+                    <asvg:svgBlip xmlns:asvg="http://schemas.microsoft.com/office/drawing/2016/SVG/main" r:embed="rId4"/>
+                  </a:ext>
+                </a:extLst>
+              </a:blip>
+              <a:stretch>
+                <a:fillRect/>
+              </a:stretch>
+            </p:blipFill>
+            <p:spPr>
+              <a:xfrm rot="16200000">
+                <a:off x="6589047" y="7395383"/>
+                <a:ext cx="640080" cy="579120"/>
+              </a:xfrm>
+              <a:prstGeom prst="rect">
+                <a:avLst/>
+              </a:prstGeom>
+            </p:spPr>
+          </p:pic>
+          <p:pic>
+            <p:nvPicPr>
+              <p:cNvPr id="144" name="Graphic 143" descr="Arrow Down with solid fill">
+                <a:extLst>
+                  <a:ext uri="{FF2B5EF4-FFF2-40B4-BE49-F238E27FC236}">
+                    <a16:creationId xmlns:a16="http://schemas.microsoft.com/office/drawing/2014/main" id="{26ADBC33-0BB9-F1AF-30C1-73E2243874CC}"/>
+                  </a:ext>
+                </a:extLst>
+              </p:cNvPr>
+              <p:cNvPicPr>
+                <a:picLocks noChangeAspect="1"/>
+              </p:cNvPicPr>
+              <p:nvPr/>
+            </p:nvPicPr>
+            <p:blipFill>
+              <a:blip r:embed="rId3">
+                <a:extLst>
+                  <a:ext uri="{96DAC541-7B7A-43D3-8B79-37D633B846F1}">
+                    <asvg:svgBlip xmlns:asvg="http://schemas.microsoft.com/office/drawing/2016/SVG/main" r:embed="rId4"/>
+                  </a:ext>
+                </a:extLst>
+              </a:blip>
+              <a:stretch>
+                <a:fillRect/>
+              </a:stretch>
+            </p:blipFill>
+            <p:spPr>
+              <a:xfrm rot="16200000">
+                <a:off x="8380295" y="7395383"/>
+                <a:ext cx="640080" cy="579120"/>
+              </a:xfrm>
+              <a:prstGeom prst="rect">
+                <a:avLst/>
+              </a:prstGeom>
+            </p:spPr>
+          </p:pic>
+          <p:grpSp>
+            <p:nvGrpSpPr>
+              <p:cNvPr id="145" name="Group 144">
+                <a:extLst>
+                  <a:ext uri="{FF2B5EF4-FFF2-40B4-BE49-F238E27FC236}">
+                    <a16:creationId xmlns:a16="http://schemas.microsoft.com/office/drawing/2014/main" id="{5C68F156-0AC2-7C05-3B5E-8AFAF6105394}"/>
+                  </a:ext>
+                </a:extLst>
+              </p:cNvPr>
+              <p:cNvGrpSpPr/>
+              <p:nvPr/>
+            </p:nvGrpSpPr>
+            <p:grpSpPr>
+              <a:xfrm>
+                <a:off x="5519199" y="9078198"/>
+                <a:ext cx="1088100" cy="876088"/>
+                <a:chOff x="5519199" y="9078198"/>
+                <a:chExt cx="1088100" cy="876088"/>
+              </a:xfrm>
+            </p:grpSpPr>
+            <p:sp>
+              <p:nvSpPr>
+                <p:cNvPr id="150" name="Oval 149">
+                  <a:extLst>
+                    <a:ext uri="{FF2B5EF4-FFF2-40B4-BE49-F238E27FC236}">
+                      <a16:creationId xmlns:a16="http://schemas.microsoft.com/office/drawing/2014/main" id="{BED6E878-1A55-FC54-BF66-9114802A18E1}"/>
+                    </a:ext>
+                  </a:extLst>
+                </p:cNvPr>
+                <p:cNvSpPr/>
+                <p:nvPr/>
+              </p:nvSpPr>
+              <p:spPr>
+                <a:xfrm>
+                  <a:off x="5624802" y="9078198"/>
+                  <a:ext cx="876894" cy="876088"/>
+                </a:xfrm>
+                <a:prstGeom prst="ellipse">
+                  <a:avLst/>
+                </a:prstGeom>
+                <a:solidFill>
+                  <a:schemeClr val="accent2"/>
+                </a:solidFill>
+                <a:ln>
+                  <a:noFill/>
+                </a:ln>
+              </p:spPr>
+              <p:style>
+                <a:lnRef idx="2">
+                  <a:schemeClr val="accent1">
+                    <a:shade val="15000"/>
+                  </a:schemeClr>
+                </a:lnRef>
+                <a:fillRef idx="1">
+                  <a:schemeClr val="accent1"/>
+                </a:fillRef>
+                <a:effectRef idx="0">
+                  <a:schemeClr val="accent1"/>
+                </a:effectRef>
+                <a:fontRef idx="minor">
+                  <a:schemeClr val="lt1"/>
+                </a:fontRef>
+              </p:style>
+              <p:txBody>
+                <a:bodyPr rtlCol="0" anchor="ctr"/>
+                <a:lstStyle/>
+                <a:p>
+                  <a:pPr algn="ctr"/>
+                  <a:endParaRPr lang="en-CN" sz="1600" dirty="0">
+                    <a:latin typeface="Bell MT" panose="02020503060305020303" pitchFamily="18" charset="77"/>
+                  </a:endParaRPr>
+                </a:p>
+              </p:txBody>
+            </p:sp>
+            <p:sp>
+              <p:nvSpPr>
+                <p:cNvPr id="151" name="TextBox 150">
+                  <a:extLst>
+                    <a:ext uri="{FF2B5EF4-FFF2-40B4-BE49-F238E27FC236}">
+                      <a16:creationId xmlns:a16="http://schemas.microsoft.com/office/drawing/2014/main" id="{CEC29527-25B3-FA57-C073-F67A589A6795}"/>
+                    </a:ext>
+                  </a:extLst>
+                </p:cNvPr>
+                <p:cNvSpPr txBox="1"/>
+                <p:nvPr/>
+              </p:nvSpPr>
+              <p:spPr>
+                <a:xfrm>
+                  <a:off x="5519199" y="9285409"/>
+                  <a:ext cx="1088100" cy="461665"/>
+                </a:xfrm>
+                <a:prstGeom prst="rect">
+                  <a:avLst/>
+                </a:prstGeom>
+                <a:noFill/>
+              </p:spPr>
+              <p:txBody>
+                <a:bodyPr wrap="square" rtlCol="0">
+                  <a:spAutoFit/>
+                </a:bodyPr>
+                <a:lstStyle/>
+                <a:p>
+                  <a:pPr algn="ctr"/>
+                  <a:r>
+                    <a:rPr lang="en-CN" sz="2400" dirty="0">
+                      <a:solidFill>
+                        <a:schemeClr val="bg1"/>
+                      </a:solidFill>
+                      <a:latin typeface="Bell MT" panose="02020503060305020303" pitchFamily="18" charset="77"/>
+                    </a:rPr>
+                    <a:t>Text</a:t>
+                  </a:r>
+                  <a:endParaRPr lang="en-CN" dirty="0">
+                    <a:solidFill>
+                      <a:schemeClr val="bg1"/>
+                    </a:solidFill>
+                    <a:latin typeface="Bell MT" panose="02020503060305020303" pitchFamily="18" charset="77"/>
+                  </a:endParaRPr>
+                </a:p>
+              </p:txBody>
+            </p:sp>
+          </p:grpSp>
+          <p:cxnSp>
+            <p:nvCxnSpPr>
+              <p:cNvPr id="146" name="Straight Arrow Connector 145">
+                <a:extLst>
+                  <a:ext uri="{FF2B5EF4-FFF2-40B4-BE49-F238E27FC236}">
+                    <a16:creationId xmlns:a16="http://schemas.microsoft.com/office/drawing/2014/main" id="{8FFF7D38-1B54-6625-7D03-1BEA820E66F1}"/>
+                  </a:ext>
+                </a:extLst>
+              </p:cNvPr>
+              <p:cNvCxnSpPr>
+                <a:cxnSpLocks/>
+              </p:cNvCxnSpPr>
+              <p:nvPr/>
+            </p:nvCxnSpPr>
+            <p:spPr>
+              <a:xfrm flipH="1" flipV="1">
+                <a:off x="2923082" y="8201976"/>
+                <a:ext cx="2648919" cy="1203590"/>
+              </a:xfrm>
+              <a:prstGeom prst="straightConnector1">
+                <a:avLst/>
+              </a:prstGeom>
+              <a:ln w="44450">
+                <a:solidFill>
+                  <a:schemeClr val="tx1"/>
+                </a:solidFill>
+                <a:tailEnd type="triangle"/>
+              </a:ln>
+            </p:spPr>
+            <p:style>
+              <a:lnRef idx="2">
+                <a:schemeClr val="accent1"/>
+              </a:lnRef>
+              <a:fillRef idx="0">
+                <a:schemeClr val="accent1"/>
+              </a:fillRef>
+              <a:effectRef idx="1">
+                <a:schemeClr val="accent1"/>
+              </a:effectRef>
+              <a:fontRef idx="minor">
+                <a:schemeClr val="tx1"/>
+              </a:fontRef>
+            </p:style>
+          </p:cxnSp>
+          <p:cxnSp>
+            <p:nvCxnSpPr>
+              <p:cNvPr id="147" name="Straight Arrow Connector 146">
+                <a:extLst>
+                  <a:ext uri="{FF2B5EF4-FFF2-40B4-BE49-F238E27FC236}">
+                    <a16:creationId xmlns:a16="http://schemas.microsoft.com/office/drawing/2014/main" id="{9D4A1FAE-EB55-2CE7-10C2-7D91B51E6583}"/>
+                  </a:ext>
+                </a:extLst>
+              </p:cNvPr>
+              <p:cNvCxnSpPr>
+                <a:cxnSpLocks/>
+              </p:cNvCxnSpPr>
+              <p:nvPr/>
+            </p:nvCxnSpPr>
+            <p:spPr>
+              <a:xfrm flipH="1" flipV="1">
+                <a:off x="4551860" y="8169215"/>
+                <a:ext cx="1213451" cy="908982"/>
+              </a:xfrm>
+              <a:prstGeom prst="straightConnector1">
+                <a:avLst/>
+              </a:prstGeom>
+              <a:ln w="44450">
+                <a:solidFill>
+                  <a:schemeClr val="tx1"/>
+                </a:solidFill>
+                <a:tailEnd type="triangle"/>
+              </a:ln>
+            </p:spPr>
+            <p:style>
+              <a:lnRef idx="2">
+                <a:schemeClr val="accent1"/>
+              </a:lnRef>
+              <a:fillRef idx="0">
+                <a:schemeClr val="accent1"/>
+              </a:fillRef>
+              <a:effectRef idx="1">
+                <a:schemeClr val="accent1"/>
+              </a:effectRef>
+              <a:fontRef idx="minor">
+                <a:schemeClr val="tx1"/>
+              </a:fontRef>
+            </p:style>
+          </p:cxnSp>
+          <p:cxnSp>
+            <p:nvCxnSpPr>
+              <p:cNvPr id="148" name="Straight Arrow Connector 147">
+                <a:extLst>
+                  <a:ext uri="{FF2B5EF4-FFF2-40B4-BE49-F238E27FC236}">
+                    <a16:creationId xmlns:a16="http://schemas.microsoft.com/office/drawing/2014/main" id="{F3C04E80-89FA-BF5E-B6DB-BBD9F65D9599}"/>
+                  </a:ext>
+                </a:extLst>
+              </p:cNvPr>
+              <p:cNvCxnSpPr>
+                <a:cxnSpLocks/>
+              </p:cNvCxnSpPr>
+              <p:nvPr/>
+            </p:nvCxnSpPr>
+            <p:spPr>
+              <a:xfrm flipV="1">
+                <a:off x="6371534" y="8122987"/>
+                <a:ext cx="1273450" cy="955210"/>
+              </a:xfrm>
+              <a:prstGeom prst="straightConnector1">
+                <a:avLst/>
+              </a:prstGeom>
+              <a:ln w="44450">
+                <a:solidFill>
+                  <a:schemeClr val="tx1"/>
+                </a:solidFill>
+                <a:tailEnd type="triangle"/>
+              </a:ln>
+            </p:spPr>
+            <p:style>
+              <a:lnRef idx="2">
+                <a:schemeClr val="accent1"/>
+              </a:lnRef>
+              <a:fillRef idx="0">
+                <a:schemeClr val="accent1"/>
+              </a:fillRef>
+              <a:effectRef idx="1">
+                <a:schemeClr val="accent1"/>
+              </a:effectRef>
+              <a:fontRef idx="minor">
+                <a:schemeClr val="tx1"/>
+              </a:fontRef>
+            </p:style>
+          </p:cxnSp>
+          <p:cxnSp>
+            <p:nvCxnSpPr>
+              <p:cNvPr id="149" name="Straight Arrow Connector 148">
+                <a:extLst>
+                  <a:ext uri="{FF2B5EF4-FFF2-40B4-BE49-F238E27FC236}">
+                    <a16:creationId xmlns:a16="http://schemas.microsoft.com/office/drawing/2014/main" id="{7A919FD8-5797-3E25-C1AE-9967A8CB2547}"/>
+                  </a:ext>
+                </a:extLst>
+              </p:cNvPr>
+              <p:cNvCxnSpPr>
+                <a:cxnSpLocks/>
+              </p:cNvCxnSpPr>
+              <p:nvPr/>
+            </p:nvCxnSpPr>
+            <p:spPr>
+              <a:xfrm flipV="1">
+                <a:off x="6501696" y="8122986"/>
+                <a:ext cx="2701720" cy="1296047"/>
+              </a:xfrm>
+              <a:prstGeom prst="straightConnector1">
+                <a:avLst/>
+              </a:prstGeom>
+              <a:ln w="44450">
+                <a:solidFill>
+                  <a:schemeClr val="tx1"/>
+                </a:solidFill>
+                <a:tailEnd type="triangle"/>
+              </a:ln>
+            </p:spPr>
+            <p:style>
+              <a:lnRef idx="2">
+                <a:schemeClr val="accent1"/>
+              </a:lnRef>
+              <a:fillRef idx="0">
+                <a:schemeClr val="accent1"/>
+              </a:fillRef>
+              <a:effectRef idx="1">
+                <a:schemeClr val="accent1"/>
+              </a:effectRef>
+              <a:fontRef idx="minor">
+                <a:schemeClr val="tx1"/>
+              </a:fontRef>
+            </p:style>
+          </p:cxnSp>
+        </p:grpSp>
+        <p:sp>
+          <p:nvSpPr>
+            <p:cNvPr id="155" name="TextBox 154">
+              <a:extLst>
+                <a:ext uri="{FF2B5EF4-FFF2-40B4-BE49-F238E27FC236}">
+                  <a16:creationId xmlns:a16="http://schemas.microsoft.com/office/drawing/2014/main" id="{4E89DEFF-6B39-9351-0651-3C46F95FA615}"/>
+                </a:ext>
+              </a:extLst>
+            </p:cNvPr>
+            <p:cNvSpPr txBox="1"/>
+            <p:nvPr/>
+          </p:nvSpPr>
+          <p:spPr>
+            <a:xfrm>
+              <a:off x="995027" y="7191871"/>
+              <a:ext cx="7874573" cy="492443"/>
+            </a:xfrm>
+            <a:prstGeom prst="rect">
+              <a:avLst/>
+            </a:prstGeom>
+            <a:noFill/>
+          </p:spPr>
+          <p:txBody>
+            <a:bodyPr wrap="square">
+              <a:spAutoFit/>
+            </a:bodyPr>
+            <a:lstStyle/>
+            <a:p>
+              <a:r>
+                <a:rPr lang="en-US" sz="2600" b="1" dirty="0">
+                  <a:solidFill>
+                    <a:schemeClr val="tx2">
+                      <a:lumMod val="50000"/>
+                      <a:lumOff val="50000"/>
+                    </a:schemeClr>
+                  </a:solidFill>
+                  <a:latin typeface="Bell MT" panose="02020503060305020303" pitchFamily="18" charset="77"/>
+                </a:rPr>
+                <a:t>Math Model: Conditional Markov Chain</a:t>
+              </a:r>
+              <a:endParaRPr lang="en-CN" sz="2600" b="1" dirty="0">
+                <a:solidFill>
+                  <a:schemeClr val="tx2">
+                    <a:lumMod val="50000"/>
+                    <a:lumOff val="50000"/>
+                  </a:schemeClr>
+                </a:solidFill>
+                <a:latin typeface="Bell MT" panose="02020503060305020303" pitchFamily="18" charset="77"/>
+              </a:endParaRPr>
+            </a:p>
+          </p:txBody>
+        </p:sp>
+      </p:grpSp>
+      <p:grpSp>
+        <p:nvGrpSpPr>
+          <p:cNvPr id="327" name="Group 326">
+            <a:extLst>
+              <a:ext uri="{FF2B5EF4-FFF2-40B4-BE49-F238E27FC236}">
+                <a16:creationId xmlns:a16="http://schemas.microsoft.com/office/drawing/2014/main" id="{03ADA14C-ACA3-084F-2C3D-412A2808CCC5}"/>
+              </a:ext>
+            </a:extLst>
+          </p:cNvPr>
+          <p:cNvGrpSpPr/>
+          <p:nvPr/>
+        </p:nvGrpSpPr>
+        <p:grpSpPr>
+          <a:xfrm>
+            <a:off x="8910534" y="788234"/>
+            <a:ext cx="9621438" cy="6264831"/>
+            <a:chOff x="8910534" y="788234"/>
+            <a:chExt cx="9621438" cy="6264831"/>
+          </a:xfrm>
+        </p:grpSpPr>
+        <p:sp>
+          <p:nvSpPr>
+            <p:cNvPr id="239" name="TextBox 238">
+              <a:extLst>
+                <a:ext uri="{FF2B5EF4-FFF2-40B4-BE49-F238E27FC236}">
+                  <a16:creationId xmlns:a16="http://schemas.microsoft.com/office/drawing/2014/main" id="{23D0B3BE-4F23-C896-94C1-F3E63A84FA84}"/>
+                </a:ext>
+              </a:extLst>
+            </p:cNvPr>
+            <p:cNvSpPr txBox="1"/>
+            <p:nvPr/>
+          </p:nvSpPr>
+          <p:spPr>
+            <a:xfrm>
+              <a:off x="8910534" y="788234"/>
+              <a:ext cx="7874573" cy="492443"/>
+            </a:xfrm>
+            <a:prstGeom prst="rect">
+              <a:avLst/>
+            </a:prstGeom>
+            <a:noFill/>
+          </p:spPr>
+          <p:txBody>
+            <a:bodyPr wrap="square">
+              <a:spAutoFit/>
+            </a:bodyPr>
+            <a:lstStyle/>
+            <a:p>
+              <a:r>
+                <a:rPr lang="en-US" sz="2600" b="1" dirty="0">
+                  <a:solidFill>
+                    <a:schemeClr val="tx2">
+                      <a:lumMod val="50000"/>
+                      <a:lumOff val="50000"/>
+                    </a:schemeClr>
+                  </a:solidFill>
+                  <a:latin typeface="Bell MT" panose="02020503060305020303" pitchFamily="18" charset="77"/>
+                </a:rPr>
+                <a:t>Neural Network Model: GNSNet</a:t>
+              </a:r>
+              <a:endParaRPr lang="en-CN" sz="2600" b="1" dirty="0">
+                <a:solidFill>
+                  <a:schemeClr val="tx2">
+                    <a:lumMod val="50000"/>
+                    <a:lumOff val="50000"/>
+                  </a:schemeClr>
+                </a:solidFill>
+                <a:latin typeface="Bell MT" panose="02020503060305020303" pitchFamily="18" charset="77"/>
+              </a:endParaRPr>
+            </a:p>
+          </p:txBody>
+        </p:sp>
+        <p:grpSp>
+          <p:nvGrpSpPr>
+            <p:cNvPr id="326" name="Group 325">
+              <a:extLst>
+                <a:ext uri="{FF2B5EF4-FFF2-40B4-BE49-F238E27FC236}">
+                  <a16:creationId xmlns:a16="http://schemas.microsoft.com/office/drawing/2014/main" id="{242A378D-3B2F-E186-20F6-66822D1340C2}"/>
+                </a:ext>
+              </a:extLst>
+            </p:cNvPr>
+            <p:cNvGrpSpPr/>
+            <p:nvPr/>
+          </p:nvGrpSpPr>
+          <p:grpSpPr>
+            <a:xfrm>
+              <a:off x="9127196" y="1507007"/>
+              <a:ext cx="9404776" cy="5546058"/>
+              <a:chOff x="8822396" y="1507007"/>
+              <a:chExt cx="9404776" cy="5546058"/>
+            </a:xfrm>
+          </p:grpSpPr>
+          <p:grpSp>
+            <p:nvGrpSpPr>
+              <p:cNvPr id="240" name="Group 239">
+                <a:extLst>
+                  <a:ext uri="{FF2B5EF4-FFF2-40B4-BE49-F238E27FC236}">
+                    <a16:creationId xmlns:a16="http://schemas.microsoft.com/office/drawing/2014/main" id="{58197788-F575-CC59-CB09-5AAACFBD549B}"/>
+                  </a:ext>
+                </a:extLst>
+              </p:cNvPr>
+              <p:cNvGrpSpPr/>
+              <p:nvPr/>
+            </p:nvGrpSpPr>
+            <p:grpSpPr>
+              <a:xfrm>
+                <a:off x="13694362" y="2143747"/>
+                <a:ext cx="868706" cy="194416"/>
+                <a:chOff x="5294904" y="3852850"/>
+                <a:chExt cx="868706" cy="194416"/>
+              </a:xfrm>
+            </p:grpSpPr>
+            <p:sp>
+              <p:nvSpPr>
+                <p:cNvPr id="295" name="Oval 294">
+                  <a:extLst>
+                    <a:ext uri="{FF2B5EF4-FFF2-40B4-BE49-F238E27FC236}">
+                      <a16:creationId xmlns:a16="http://schemas.microsoft.com/office/drawing/2014/main" id="{67BFBCBF-AF97-9D91-20C5-476B0C7F45AA}"/>
+                    </a:ext>
+                  </a:extLst>
+                </p:cNvPr>
+                <p:cNvSpPr/>
+                <p:nvPr/>
+              </p:nvSpPr>
+              <p:spPr>
+                <a:xfrm flipV="1">
+                  <a:off x="5294904" y="3852850"/>
+                  <a:ext cx="198146" cy="194416"/>
+                </a:xfrm>
+                <a:prstGeom prst="ellipse">
+                  <a:avLst/>
+                </a:prstGeom>
+                <a:solidFill>
+                  <a:schemeClr val="tx2"/>
+                </a:solidFill>
+                <a:ln>
+                  <a:noFill/>
+                </a:ln>
+              </p:spPr>
+              <p:style>
+                <a:lnRef idx="2">
+                  <a:schemeClr val="accent1">
+                    <a:shade val="15000"/>
+                  </a:schemeClr>
+                </a:lnRef>
+                <a:fillRef idx="1">
+                  <a:schemeClr val="accent1"/>
+                </a:fillRef>
+                <a:effectRef idx="0">
+                  <a:schemeClr val="accent1"/>
+                </a:effectRef>
+                <a:fontRef idx="minor">
+                  <a:schemeClr val="lt1"/>
+                </a:fontRef>
+              </p:style>
+              <p:txBody>
+                <a:bodyPr rtlCol="0" anchor="ctr"/>
+                <a:lstStyle/>
+                <a:p>
+                  <a:pPr algn="ctr"/>
+                  <a:endParaRPr lang="en-CN" sz="2400" dirty="0"/>
+                </a:p>
+              </p:txBody>
+            </p:sp>
+            <p:sp>
+              <p:nvSpPr>
+                <p:cNvPr id="296" name="Oval 295">
+                  <a:extLst>
+                    <a:ext uri="{FF2B5EF4-FFF2-40B4-BE49-F238E27FC236}">
+                      <a16:creationId xmlns:a16="http://schemas.microsoft.com/office/drawing/2014/main" id="{997FECEA-AF9F-CD2F-E4F7-7C03A8C0B75F}"/>
+                    </a:ext>
+                  </a:extLst>
+                </p:cNvPr>
+                <p:cNvSpPr/>
+                <p:nvPr/>
+              </p:nvSpPr>
+              <p:spPr>
+                <a:xfrm flipV="1">
+                  <a:off x="5630184" y="3852850"/>
+                  <a:ext cx="198146" cy="194416"/>
+                </a:xfrm>
+                <a:prstGeom prst="ellipse">
+                  <a:avLst/>
+                </a:prstGeom>
+                <a:solidFill>
+                  <a:schemeClr val="tx2"/>
+                </a:solidFill>
+                <a:ln>
+                  <a:noFill/>
+                </a:ln>
+              </p:spPr>
+              <p:style>
+                <a:lnRef idx="2">
+                  <a:schemeClr val="accent1">
+                    <a:shade val="15000"/>
+                  </a:schemeClr>
+                </a:lnRef>
+                <a:fillRef idx="1">
+                  <a:schemeClr val="accent1"/>
+                </a:fillRef>
+                <a:effectRef idx="0">
+                  <a:schemeClr val="accent1"/>
+                </a:effectRef>
+                <a:fontRef idx="minor">
+                  <a:schemeClr val="lt1"/>
+                </a:fontRef>
+              </p:style>
+              <p:txBody>
+                <a:bodyPr rtlCol="0" anchor="ctr"/>
+                <a:lstStyle/>
+                <a:p>
+                  <a:pPr algn="ctr"/>
+                  <a:endParaRPr lang="en-CN" sz="2400" dirty="0"/>
+                </a:p>
+              </p:txBody>
+            </p:sp>
+            <p:sp>
+              <p:nvSpPr>
+                <p:cNvPr id="297" name="Oval 296">
+                  <a:extLst>
+                    <a:ext uri="{FF2B5EF4-FFF2-40B4-BE49-F238E27FC236}">
+                      <a16:creationId xmlns:a16="http://schemas.microsoft.com/office/drawing/2014/main" id="{4C87F8F0-31E5-B75E-8C0D-7C408FB2FC1D}"/>
+                    </a:ext>
+                  </a:extLst>
+                </p:cNvPr>
+                <p:cNvSpPr/>
+                <p:nvPr/>
+              </p:nvSpPr>
+              <p:spPr>
+                <a:xfrm flipV="1">
+                  <a:off x="5965464" y="3852850"/>
+                  <a:ext cx="198146" cy="194416"/>
+                </a:xfrm>
+                <a:prstGeom prst="ellipse">
+                  <a:avLst/>
+                </a:prstGeom>
+                <a:solidFill>
+                  <a:schemeClr val="tx2"/>
+                </a:solidFill>
+                <a:ln>
+                  <a:noFill/>
+                </a:ln>
+              </p:spPr>
+              <p:style>
+                <a:lnRef idx="2">
+                  <a:schemeClr val="accent1">
+                    <a:shade val="15000"/>
+                  </a:schemeClr>
+                </a:lnRef>
+                <a:fillRef idx="1">
+                  <a:schemeClr val="accent1"/>
+                </a:fillRef>
+                <a:effectRef idx="0">
+                  <a:schemeClr val="accent1"/>
+                </a:effectRef>
+                <a:fontRef idx="minor">
+                  <a:schemeClr val="lt1"/>
+                </a:fontRef>
+              </p:style>
+              <p:txBody>
+                <a:bodyPr rtlCol="0" anchor="ctr"/>
+                <a:lstStyle/>
+                <a:p>
+                  <a:pPr algn="ctr"/>
+                  <a:endParaRPr lang="en-CN" sz="2400" dirty="0"/>
+                </a:p>
+              </p:txBody>
+            </p:sp>
+          </p:grpSp>
+          <p:cxnSp>
+            <p:nvCxnSpPr>
+              <p:cNvPr id="241" name="Straight Arrow Connector 240">
+                <a:extLst>
+                  <a:ext uri="{FF2B5EF4-FFF2-40B4-BE49-F238E27FC236}">
+                    <a16:creationId xmlns:a16="http://schemas.microsoft.com/office/drawing/2014/main" id="{4D5A49E6-9C02-7283-BE93-11266E09EB90}"/>
+                  </a:ext>
+                </a:extLst>
+              </p:cNvPr>
+              <p:cNvCxnSpPr>
+                <a:cxnSpLocks/>
+              </p:cNvCxnSpPr>
+              <p:nvPr/>
+            </p:nvCxnSpPr>
+            <p:spPr>
+              <a:xfrm flipH="1" flipV="1">
+                <a:off x="11050279" y="4597935"/>
+                <a:ext cx="2648919" cy="1203590"/>
+              </a:xfrm>
+              <a:prstGeom prst="straightConnector1">
+                <a:avLst/>
+              </a:prstGeom>
+              <a:ln w="44450">
+                <a:solidFill>
+                  <a:schemeClr val="tx1"/>
+                </a:solidFill>
+                <a:tailEnd type="triangle"/>
+              </a:ln>
+            </p:spPr>
+            <p:style>
+              <a:lnRef idx="2">
+                <a:schemeClr val="accent1"/>
+              </a:lnRef>
+              <a:fillRef idx="0">
+                <a:schemeClr val="accent1"/>
+              </a:fillRef>
+              <a:effectRef idx="1">
+                <a:schemeClr val="accent1"/>
+              </a:effectRef>
+              <a:fontRef idx="minor">
+                <a:schemeClr val="tx1"/>
+              </a:fontRef>
+            </p:style>
+          </p:cxnSp>
+          <p:cxnSp>
+            <p:nvCxnSpPr>
+              <p:cNvPr id="242" name="Straight Arrow Connector 241">
+                <a:extLst>
+                  <a:ext uri="{FF2B5EF4-FFF2-40B4-BE49-F238E27FC236}">
+                    <a16:creationId xmlns:a16="http://schemas.microsoft.com/office/drawing/2014/main" id="{475563F4-58BC-8D13-207A-CF640E20C6EF}"/>
+                  </a:ext>
+                </a:extLst>
+              </p:cNvPr>
+              <p:cNvCxnSpPr>
+                <a:cxnSpLocks/>
+              </p:cNvCxnSpPr>
+              <p:nvPr/>
+            </p:nvCxnSpPr>
+            <p:spPr>
+              <a:xfrm flipH="1" flipV="1">
+                <a:off x="12679057" y="4565174"/>
+                <a:ext cx="1213451" cy="908982"/>
+              </a:xfrm>
+              <a:prstGeom prst="straightConnector1">
+                <a:avLst/>
+              </a:prstGeom>
+              <a:ln w="44450">
+                <a:solidFill>
+                  <a:schemeClr val="tx1"/>
+                </a:solidFill>
+                <a:tailEnd type="triangle"/>
+              </a:ln>
+            </p:spPr>
+            <p:style>
+              <a:lnRef idx="2">
+                <a:schemeClr val="accent1"/>
+              </a:lnRef>
+              <a:fillRef idx="0">
+                <a:schemeClr val="accent1"/>
+              </a:fillRef>
+              <a:effectRef idx="1">
+                <a:schemeClr val="accent1"/>
+              </a:effectRef>
+              <a:fontRef idx="minor">
+                <a:schemeClr val="tx1"/>
+              </a:fontRef>
+            </p:style>
+          </p:cxnSp>
+          <p:cxnSp>
+            <p:nvCxnSpPr>
+              <p:cNvPr id="243" name="Straight Arrow Connector 242">
+                <a:extLst>
+                  <a:ext uri="{FF2B5EF4-FFF2-40B4-BE49-F238E27FC236}">
+                    <a16:creationId xmlns:a16="http://schemas.microsoft.com/office/drawing/2014/main" id="{27F0E22E-30C0-1D2C-DA96-B3B3EEF75014}"/>
+                  </a:ext>
+                </a:extLst>
+              </p:cNvPr>
+              <p:cNvCxnSpPr>
+                <a:cxnSpLocks/>
+              </p:cNvCxnSpPr>
+              <p:nvPr/>
+            </p:nvCxnSpPr>
+            <p:spPr>
+              <a:xfrm flipV="1">
+                <a:off x="14498731" y="4518946"/>
+                <a:ext cx="1273450" cy="955210"/>
+              </a:xfrm>
+              <a:prstGeom prst="straightConnector1">
+                <a:avLst/>
+              </a:prstGeom>
+              <a:ln w="44450">
+                <a:solidFill>
+                  <a:schemeClr val="tx1"/>
+                </a:solidFill>
+                <a:tailEnd type="triangle"/>
+              </a:ln>
+            </p:spPr>
+            <p:style>
+              <a:lnRef idx="2">
+                <a:schemeClr val="accent1"/>
+              </a:lnRef>
+              <a:fillRef idx="0">
+                <a:schemeClr val="accent1"/>
+              </a:fillRef>
+              <a:effectRef idx="1">
+                <a:schemeClr val="accent1"/>
+              </a:effectRef>
+              <a:fontRef idx="minor">
+                <a:schemeClr val="tx1"/>
+              </a:fontRef>
+            </p:style>
+          </p:cxnSp>
+          <p:cxnSp>
+            <p:nvCxnSpPr>
+              <p:cNvPr id="244" name="Straight Arrow Connector 243">
+                <a:extLst>
+                  <a:ext uri="{FF2B5EF4-FFF2-40B4-BE49-F238E27FC236}">
+                    <a16:creationId xmlns:a16="http://schemas.microsoft.com/office/drawing/2014/main" id="{394C70ED-7E8E-2014-277D-9E904F6688F1}"/>
+                  </a:ext>
+                </a:extLst>
+              </p:cNvPr>
+              <p:cNvCxnSpPr>
+                <a:cxnSpLocks/>
+              </p:cNvCxnSpPr>
+              <p:nvPr/>
+            </p:nvCxnSpPr>
+            <p:spPr>
+              <a:xfrm flipV="1">
+                <a:off x="14628893" y="4518945"/>
+                <a:ext cx="2701720" cy="1296047"/>
+              </a:xfrm>
+              <a:prstGeom prst="straightConnector1">
+                <a:avLst/>
+              </a:prstGeom>
+              <a:ln w="44450">
+                <a:solidFill>
+                  <a:schemeClr val="tx1"/>
+                </a:solidFill>
+                <a:tailEnd type="triangle"/>
+              </a:ln>
+            </p:spPr>
+            <p:style>
+              <a:lnRef idx="2">
+                <a:schemeClr val="accent1"/>
+              </a:lnRef>
+              <a:fillRef idx="0">
+                <a:schemeClr val="accent1"/>
+              </a:fillRef>
+              <a:effectRef idx="1">
+                <a:schemeClr val="accent1"/>
+              </a:effectRef>
+              <a:fontRef idx="minor">
+                <a:schemeClr val="tx1"/>
+              </a:fontRef>
+            </p:style>
+          </p:cxnSp>
+          <p:sp>
+            <p:nvSpPr>
+              <p:cNvPr id="245" name="Oval 244">
+                <a:extLst>
+                  <a:ext uri="{FF2B5EF4-FFF2-40B4-BE49-F238E27FC236}">
+                    <a16:creationId xmlns:a16="http://schemas.microsoft.com/office/drawing/2014/main" id="{C72D3E4F-847D-C2DA-A1E8-78492FA660C6}"/>
+                  </a:ext>
+                </a:extLst>
+              </p:cNvPr>
+              <p:cNvSpPr/>
+              <p:nvPr/>
+            </p:nvSpPr>
+            <p:spPr>
+              <a:xfrm>
+                <a:off x="10395978" y="3371499"/>
+                <a:ext cx="876894" cy="876088"/>
+              </a:xfrm>
+              <a:prstGeom prst="ellipse">
+                <a:avLst/>
+              </a:prstGeom>
+              <a:ln>
+                <a:noFill/>
+              </a:ln>
+            </p:spPr>
+            <p:style>
+              <a:lnRef idx="2">
+                <a:schemeClr val="accent1">
+                  <a:shade val="15000"/>
+                </a:schemeClr>
+              </a:lnRef>
+              <a:fillRef idx="1">
+                <a:schemeClr val="accent1"/>
+              </a:fillRef>
+              <a:effectRef idx="0">
+                <a:schemeClr val="accent1"/>
+              </a:effectRef>
+              <a:fontRef idx="minor">
+                <a:schemeClr val="lt1"/>
+              </a:fontRef>
+            </p:style>
+            <p:txBody>
+              <a:bodyPr rtlCol="0" anchor="ctr"/>
+              <a:lstStyle/>
+              <a:p>
+                <a:pPr algn="ctr"/>
+                <a:r>
+                  <a:rPr lang="en-CN" sz="2400" dirty="0">
+                    <a:latin typeface="Bell MT" panose="02020503060305020303" pitchFamily="18" charset="77"/>
+                  </a:rPr>
+                  <a:t>H</a:t>
+                </a:r>
+                <a:r>
+                  <a:rPr lang="en-CN" sz="1000" dirty="0">
+                    <a:latin typeface="Bell MT" panose="02020503060305020303" pitchFamily="18" charset="77"/>
+                  </a:rPr>
+                  <a:t>T</a:t>
+                </a:r>
+                <a:r>
+                  <a:rPr lang="en-CN" sz="700" dirty="0">
+                    <a:latin typeface="Bell MT" panose="02020503060305020303" pitchFamily="18" charset="77"/>
+                  </a:rPr>
+                  <a:t>0</a:t>
+                </a:r>
+                <a:endParaRPr lang="en-CN" sz="2400" dirty="0">
+                  <a:latin typeface="Bell MT" panose="02020503060305020303" pitchFamily="18" charset="77"/>
+                </a:endParaRPr>
+              </a:p>
+            </p:txBody>
+          </p:sp>
+          <p:sp>
+            <p:nvSpPr>
+              <p:cNvPr id="246" name="Oval 245">
+                <a:extLst>
+                  <a:ext uri="{FF2B5EF4-FFF2-40B4-BE49-F238E27FC236}">
+                    <a16:creationId xmlns:a16="http://schemas.microsoft.com/office/drawing/2014/main" id="{9476C851-1301-F336-1B2A-A2D2A4DFEBAA}"/>
+                  </a:ext>
+                </a:extLst>
+              </p:cNvPr>
+              <p:cNvSpPr/>
+              <p:nvPr/>
+            </p:nvSpPr>
+            <p:spPr>
+              <a:xfrm>
+                <a:off x="11993059" y="3371499"/>
+                <a:ext cx="876894" cy="876088"/>
+              </a:xfrm>
+              <a:prstGeom prst="ellipse">
+                <a:avLst/>
+              </a:prstGeom>
+              <a:ln>
+                <a:noFill/>
+              </a:ln>
+            </p:spPr>
+            <p:style>
+              <a:lnRef idx="2">
+                <a:schemeClr val="accent1">
+                  <a:shade val="15000"/>
+                </a:schemeClr>
+              </a:lnRef>
+              <a:fillRef idx="1">
+                <a:schemeClr val="accent1"/>
+              </a:fillRef>
+              <a:effectRef idx="0">
+                <a:schemeClr val="accent1"/>
+              </a:effectRef>
+              <a:fontRef idx="minor">
+                <a:schemeClr val="lt1"/>
+              </a:fontRef>
+            </p:style>
+            <p:txBody>
+              <a:bodyPr rtlCol="0" anchor="ctr"/>
+              <a:lstStyle/>
+              <a:p>
+                <a:pPr algn="ctr"/>
+                <a:r>
+                  <a:rPr lang="en-CN" sz="2400" dirty="0">
+                    <a:latin typeface="Bell MT" panose="02020503060305020303" pitchFamily="18" charset="77"/>
+                  </a:rPr>
+                  <a:t>H</a:t>
+                </a:r>
+                <a:r>
+                  <a:rPr lang="en-CN" sz="1000" dirty="0">
+                    <a:latin typeface="Bell MT" panose="02020503060305020303" pitchFamily="18" charset="77"/>
+                  </a:rPr>
+                  <a:t>T</a:t>
+                </a:r>
+                <a:r>
+                  <a:rPr lang="en-CN" sz="700" dirty="0">
+                    <a:latin typeface="Bell MT" panose="02020503060305020303" pitchFamily="18" charset="77"/>
+                  </a:rPr>
+                  <a:t>1</a:t>
+                </a:r>
+                <a:endParaRPr lang="en-CN" sz="2400" dirty="0">
+                  <a:latin typeface="Bell MT" panose="02020503060305020303" pitchFamily="18" charset="77"/>
+                </a:endParaRPr>
+              </a:p>
+            </p:txBody>
+          </p:sp>
+          <p:sp>
+            <p:nvSpPr>
+              <p:cNvPr id="247" name="Oval 246">
+                <a:extLst>
+                  <a:ext uri="{FF2B5EF4-FFF2-40B4-BE49-F238E27FC236}">
+                    <a16:creationId xmlns:a16="http://schemas.microsoft.com/office/drawing/2014/main" id="{01FB7208-1D33-900C-136C-7E38DE362282}"/>
+                  </a:ext>
+                </a:extLst>
+              </p:cNvPr>
+              <p:cNvSpPr/>
+              <p:nvPr/>
+            </p:nvSpPr>
+            <p:spPr>
+              <a:xfrm>
+                <a:off x="15583059" y="3362688"/>
+                <a:ext cx="876894" cy="876088"/>
+              </a:xfrm>
+              <a:prstGeom prst="ellipse">
+                <a:avLst/>
+              </a:prstGeom>
+              <a:ln>
+                <a:noFill/>
+              </a:ln>
+            </p:spPr>
+            <p:style>
+              <a:lnRef idx="2">
+                <a:schemeClr val="accent1">
+                  <a:shade val="15000"/>
+                </a:schemeClr>
+              </a:lnRef>
+              <a:fillRef idx="1">
+                <a:schemeClr val="accent1"/>
+              </a:fillRef>
+              <a:effectRef idx="0">
+                <a:schemeClr val="accent1"/>
+              </a:effectRef>
+              <a:fontRef idx="minor">
+                <a:schemeClr val="lt1"/>
+              </a:fontRef>
+            </p:style>
+            <p:txBody>
+              <a:bodyPr rtlCol="0" anchor="ctr"/>
+              <a:lstStyle/>
+              <a:p>
+                <a:pPr algn="ctr"/>
+                <a:r>
+                  <a:rPr lang="en-CN" sz="2400" dirty="0">
+                    <a:latin typeface="Bell MT" panose="02020503060305020303" pitchFamily="18" charset="77"/>
+                  </a:rPr>
+                  <a:t>H</a:t>
+                </a:r>
+                <a:r>
+                  <a:rPr lang="en-CN" sz="1000" dirty="0">
+                    <a:latin typeface="Bell MT" panose="02020503060305020303" pitchFamily="18" charset="77"/>
+                  </a:rPr>
+                  <a:t>T</a:t>
+                </a:r>
+                <a:r>
+                  <a:rPr lang="en-CN" sz="600" dirty="0">
+                    <a:latin typeface="Bell MT" panose="02020503060305020303" pitchFamily="18" charset="77"/>
+                  </a:rPr>
+                  <a:t>k-1</a:t>
+                </a:r>
+                <a:endParaRPr lang="en-CN" sz="2400" dirty="0">
+                  <a:latin typeface="Bell MT" panose="02020503060305020303" pitchFamily="18" charset="77"/>
+                </a:endParaRPr>
+              </a:p>
+            </p:txBody>
+          </p:sp>
+          <p:sp>
+            <p:nvSpPr>
+              <p:cNvPr id="248" name="Oval 247">
+                <a:extLst>
+                  <a:ext uri="{FF2B5EF4-FFF2-40B4-BE49-F238E27FC236}">
+                    <a16:creationId xmlns:a16="http://schemas.microsoft.com/office/drawing/2014/main" id="{D068E65D-EE85-2678-1F86-E37633FD6043}"/>
+                  </a:ext>
+                </a:extLst>
+              </p:cNvPr>
+              <p:cNvSpPr/>
+              <p:nvPr/>
+            </p:nvSpPr>
+            <p:spPr>
+              <a:xfrm>
+                <a:off x="17180140" y="3371499"/>
+                <a:ext cx="876894" cy="876088"/>
+              </a:xfrm>
+              <a:prstGeom prst="ellipse">
+                <a:avLst/>
+              </a:prstGeom>
+              <a:ln>
+                <a:noFill/>
+              </a:ln>
+            </p:spPr>
+            <p:style>
+              <a:lnRef idx="2">
+                <a:schemeClr val="accent1">
+                  <a:shade val="15000"/>
+                </a:schemeClr>
+              </a:lnRef>
+              <a:fillRef idx="1">
+                <a:schemeClr val="accent1"/>
+              </a:fillRef>
+              <a:effectRef idx="0">
+                <a:schemeClr val="accent1"/>
+              </a:effectRef>
+              <a:fontRef idx="minor">
+                <a:schemeClr val="lt1"/>
+              </a:fontRef>
+            </p:style>
+            <p:txBody>
+              <a:bodyPr rtlCol="0" anchor="ctr"/>
+              <a:lstStyle/>
+              <a:p>
+                <a:pPr algn="ctr"/>
+                <a:r>
+                  <a:rPr lang="en-CN" sz="2400" dirty="0">
+                    <a:latin typeface="Bell MT" panose="02020503060305020303" pitchFamily="18" charset="77"/>
+                  </a:rPr>
+                  <a:t>H</a:t>
+                </a:r>
+                <a:r>
+                  <a:rPr lang="en-CN" sz="1000" dirty="0">
+                    <a:latin typeface="Bell MT" panose="02020503060305020303" pitchFamily="18" charset="77"/>
+                  </a:rPr>
+                  <a:t>T</a:t>
+                </a:r>
+                <a:r>
+                  <a:rPr lang="en-CN" sz="600" dirty="0">
+                    <a:latin typeface="Bell MT" panose="02020503060305020303" pitchFamily="18" charset="77"/>
+                  </a:rPr>
+                  <a:t>k</a:t>
+                </a:r>
+                <a:endParaRPr lang="en-CN" sz="2400" dirty="0">
+                  <a:latin typeface="Bell MT" panose="02020503060305020303" pitchFamily="18" charset="77"/>
+                </a:endParaRPr>
+              </a:p>
+            </p:txBody>
+          </p:sp>
+          <p:pic>
+            <p:nvPicPr>
+              <p:cNvPr id="249" name="Graphic 248" descr="Arrow Down with solid fill">
+                <a:extLst>
+                  <a:ext uri="{FF2B5EF4-FFF2-40B4-BE49-F238E27FC236}">
+                    <a16:creationId xmlns:a16="http://schemas.microsoft.com/office/drawing/2014/main" id="{D909970F-2116-6359-21BC-DB8A19AE3557}"/>
+                  </a:ext>
+                </a:extLst>
+              </p:cNvPr>
+              <p:cNvPicPr>
+                <a:picLocks noChangeAspect="1"/>
+              </p:cNvPicPr>
+              <p:nvPr/>
+            </p:nvPicPr>
+            <p:blipFill>
+              <a:blip r:embed="rId3">
+                <a:extLst>
+                  <a:ext uri="{96DAC541-7B7A-43D3-8B79-37D633B846F1}">
+                    <asvg:svgBlip xmlns:asvg="http://schemas.microsoft.com/office/drawing/2016/SVG/main" r:embed="rId4"/>
+                  </a:ext>
+                </a:extLst>
+              </a:blip>
+              <a:stretch>
+                <a:fillRect/>
+              </a:stretch>
+            </p:blipFill>
+            <p:spPr>
+              <a:xfrm rot="16200000">
+                <a:off x="11312925" y="3519983"/>
+                <a:ext cx="640080" cy="579120"/>
+              </a:xfrm>
+              <a:prstGeom prst="rect">
+                <a:avLst/>
+              </a:prstGeom>
+            </p:spPr>
+          </p:pic>
+          <p:pic>
+            <p:nvPicPr>
+              <p:cNvPr id="250" name="Graphic 249" descr="Arrow Down with solid fill">
+                <a:extLst>
+                  <a:ext uri="{FF2B5EF4-FFF2-40B4-BE49-F238E27FC236}">
+                    <a16:creationId xmlns:a16="http://schemas.microsoft.com/office/drawing/2014/main" id="{27425D95-52F8-C6C4-46D2-FFC54C3883ED}"/>
+                  </a:ext>
+                </a:extLst>
+              </p:cNvPr>
+              <p:cNvPicPr>
+                <a:picLocks noChangeAspect="1"/>
+              </p:cNvPicPr>
+              <p:nvPr/>
+            </p:nvPicPr>
+            <p:blipFill>
+              <a:blip r:embed="rId3">
+                <a:extLst>
+                  <a:ext uri="{96DAC541-7B7A-43D3-8B79-37D633B846F1}">
+                    <asvg:svgBlip xmlns:asvg="http://schemas.microsoft.com/office/drawing/2016/SVG/main" r:embed="rId4"/>
+                  </a:ext>
+                </a:extLst>
+              </a:blip>
+              <a:stretch>
+                <a:fillRect/>
+              </a:stretch>
+            </p:blipFill>
+            <p:spPr>
+              <a:xfrm rot="16200000">
+                <a:off x="12910006" y="3519983"/>
+                <a:ext cx="640080" cy="579120"/>
+              </a:xfrm>
+              <a:prstGeom prst="rect">
+                <a:avLst/>
+              </a:prstGeom>
+            </p:spPr>
+          </p:pic>
+          <p:grpSp>
+            <p:nvGrpSpPr>
+              <p:cNvPr id="251" name="Group 250">
+                <a:extLst>
+                  <a:ext uri="{FF2B5EF4-FFF2-40B4-BE49-F238E27FC236}">
+                    <a16:creationId xmlns:a16="http://schemas.microsoft.com/office/drawing/2014/main" id="{6837F2CA-1675-5EF2-CCDB-3B0AB014B124}"/>
+                  </a:ext>
+                </a:extLst>
+              </p:cNvPr>
+              <p:cNvGrpSpPr/>
+              <p:nvPr/>
+            </p:nvGrpSpPr>
+            <p:grpSpPr>
+              <a:xfrm>
+                <a:off x="13694362" y="3712335"/>
+                <a:ext cx="868706" cy="194416"/>
+                <a:chOff x="5294904" y="3852850"/>
+                <a:chExt cx="868706" cy="194416"/>
+              </a:xfrm>
+            </p:grpSpPr>
+            <p:sp>
+              <p:nvSpPr>
+                <p:cNvPr id="292" name="Oval 291">
+                  <a:extLst>
+                    <a:ext uri="{FF2B5EF4-FFF2-40B4-BE49-F238E27FC236}">
+                      <a16:creationId xmlns:a16="http://schemas.microsoft.com/office/drawing/2014/main" id="{D9225714-E44A-7545-7DB5-331366E4179A}"/>
+                    </a:ext>
+                  </a:extLst>
+                </p:cNvPr>
+                <p:cNvSpPr/>
+                <p:nvPr/>
+              </p:nvSpPr>
+              <p:spPr>
+                <a:xfrm flipV="1">
+                  <a:off x="5294904" y="3852850"/>
+                  <a:ext cx="198146" cy="194416"/>
+                </a:xfrm>
+                <a:prstGeom prst="ellipse">
+                  <a:avLst/>
+                </a:prstGeom>
+                <a:solidFill>
+                  <a:schemeClr val="tx2"/>
+                </a:solidFill>
+                <a:ln>
+                  <a:noFill/>
+                </a:ln>
+              </p:spPr>
+              <p:style>
+                <a:lnRef idx="2">
+                  <a:schemeClr val="accent1">
+                    <a:shade val="15000"/>
+                  </a:schemeClr>
+                </a:lnRef>
+                <a:fillRef idx="1">
+                  <a:schemeClr val="accent1"/>
+                </a:fillRef>
+                <a:effectRef idx="0">
+                  <a:schemeClr val="accent1"/>
+                </a:effectRef>
+                <a:fontRef idx="minor">
+                  <a:schemeClr val="lt1"/>
+                </a:fontRef>
+              </p:style>
+              <p:txBody>
+                <a:bodyPr rtlCol="0" anchor="ctr"/>
+                <a:lstStyle/>
+                <a:p>
+                  <a:pPr algn="ctr"/>
+                  <a:endParaRPr lang="en-CN" sz="2400" dirty="0"/>
+                </a:p>
+              </p:txBody>
+            </p:sp>
+            <p:sp>
+              <p:nvSpPr>
+                <p:cNvPr id="293" name="Oval 292">
+                  <a:extLst>
+                    <a:ext uri="{FF2B5EF4-FFF2-40B4-BE49-F238E27FC236}">
+                      <a16:creationId xmlns:a16="http://schemas.microsoft.com/office/drawing/2014/main" id="{F48ADAC4-A2ED-BE82-A5C4-F02282F1E887}"/>
+                    </a:ext>
+                  </a:extLst>
+                </p:cNvPr>
+                <p:cNvSpPr/>
+                <p:nvPr/>
+              </p:nvSpPr>
+              <p:spPr>
+                <a:xfrm flipV="1">
+                  <a:off x="5630184" y="3852850"/>
+                  <a:ext cx="198146" cy="194416"/>
+                </a:xfrm>
+                <a:prstGeom prst="ellipse">
+                  <a:avLst/>
+                </a:prstGeom>
+                <a:solidFill>
+                  <a:schemeClr val="tx2"/>
+                </a:solidFill>
+                <a:ln>
+                  <a:noFill/>
+                </a:ln>
+              </p:spPr>
+              <p:style>
+                <a:lnRef idx="2">
+                  <a:schemeClr val="accent1">
+                    <a:shade val="15000"/>
+                  </a:schemeClr>
+                </a:lnRef>
+                <a:fillRef idx="1">
+                  <a:schemeClr val="accent1"/>
+                </a:fillRef>
+                <a:effectRef idx="0">
+                  <a:schemeClr val="accent1"/>
+                </a:effectRef>
+                <a:fontRef idx="minor">
+                  <a:schemeClr val="lt1"/>
+                </a:fontRef>
+              </p:style>
+              <p:txBody>
+                <a:bodyPr rtlCol="0" anchor="ctr"/>
+                <a:lstStyle/>
+                <a:p>
+                  <a:pPr algn="ctr"/>
+                  <a:endParaRPr lang="en-CN" sz="2400" dirty="0"/>
+                </a:p>
+              </p:txBody>
+            </p:sp>
+            <p:sp>
+              <p:nvSpPr>
+                <p:cNvPr id="294" name="Oval 293">
+                  <a:extLst>
+                    <a:ext uri="{FF2B5EF4-FFF2-40B4-BE49-F238E27FC236}">
+                      <a16:creationId xmlns:a16="http://schemas.microsoft.com/office/drawing/2014/main" id="{72E9CE09-3AAB-C096-9BAB-6995E7B15221}"/>
+                    </a:ext>
+                  </a:extLst>
+                </p:cNvPr>
+                <p:cNvSpPr/>
+                <p:nvPr/>
+              </p:nvSpPr>
+              <p:spPr>
+                <a:xfrm flipV="1">
+                  <a:off x="5965464" y="3852850"/>
+                  <a:ext cx="198146" cy="194416"/>
+                </a:xfrm>
+                <a:prstGeom prst="ellipse">
+                  <a:avLst/>
+                </a:prstGeom>
+                <a:solidFill>
+                  <a:schemeClr val="tx2"/>
+                </a:solidFill>
+                <a:ln>
+                  <a:noFill/>
+                </a:ln>
+              </p:spPr>
+              <p:style>
+                <a:lnRef idx="2">
+                  <a:schemeClr val="accent1">
+                    <a:shade val="15000"/>
+                  </a:schemeClr>
+                </a:lnRef>
+                <a:fillRef idx="1">
+                  <a:schemeClr val="accent1"/>
+                </a:fillRef>
+                <a:effectRef idx="0">
+                  <a:schemeClr val="accent1"/>
+                </a:effectRef>
+                <a:fontRef idx="minor">
+                  <a:schemeClr val="lt1"/>
+                </a:fontRef>
+              </p:style>
+              <p:txBody>
+                <a:bodyPr rtlCol="0" anchor="ctr"/>
+                <a:lstStyle/>
+                <a:p>
+                  <a:pPr algn="ctr"/>
+                  <a:endParaRPr lang="en-CN" sz="2400" dirty="0"/>
+                </a:p>
+              </p:txBody>
+            </p:sp>
+          </p:grpSp>
+          <p:pic>
+            <p:nvPicPr>
+              <p:cNvPr id="252" name="Graphic 251" descr="Arrow Down with solid fill">
+                <a:extLst>
+                  <a:ext uri="{FF2B5EF4-FFF2-40B4-BE49-F238E27FC236}">
+                    <a16:creationId xmlns:a16="http://schemas.microsoft.com/office/drawing/2014/main" id="{69648FFC-FB50-6992-4766-0A0F63198D37}"/>
+                  </a:ext>
+                </a:extLst>
+              </p:cNvPr>
+              <p:cNvPicPr>
+                <a:picLocks noChangeAspect="1"/>
+              </p:cNvPicPr>
+              <p:nvPr/>
+            </p:nvPicPr>
+            <p:blipFill>
+              <a:blip r:embed="rId3">
+                <a:extLst>
+                  <a:ext uri="{96DAC541-7B7A-43D3-8B79-37D633B846F1}">
+                    <asvg:svgBlip xmlns:asvg="http://schemas.microsoft.com/office/drawing/2016/SVG/main" r:embed="rId4"/>
+                  </a:ext>
+                </a:extLst>
+              </a:blip>
+              <a:stretch>
+                <a:fillRect/>
+              </a:stretch>
+            </p:blipFill>
+            <p:spPr>
+              <a:xfrm rot="16200000">
+                <a:off x="14716244" y="3519983"/>
+                <a:ext cx="640080" cy="579120"/>
+              </a:xfrm>
+              <a:prstGeom prst="rect">
+                <a:avLst/>
+              </a:prstGeom>
+            </p:spPr>
+          </p:pic>
+          <p:pic>
+            <p:nvPicPr>
+              <p:cNvPr id="253" name="Graphic 252" descr="Arrow Down with solid fill">
+                <a:extLst>
+                  <a:ext uri="{FF2B5EF4-FFF2-40B4-BE49-F238E27FC236}">
+                    <a16:creationId xmlns:a16="http://schemas.microsoft.com/office/drawing/2014/main" id="{195F982E-8BF4-8B99-6913-32915CF6E0DE}"/>
+                  </a:ext>
+                </a:extLst>
+              </p:cNvPr>
+              <p:cNvPicPr>
+                <a:picLocks noChangeAspect="1"/>
+              </p:cNvPicPr>
+              <p:nvPr/>
+            </p:nvPicPr>
+            <p:blipFill>
+              <a:blip r:embed="rId3">
+                <a:extLst>
+                  <a:ext uri="{96DAC541-7B7A-43D3-8B79-37D633B846F1}">
+                    <asvg:svgBlip xmlns:asvg="http://schemas.microsoft.com/office/drawing/2016/SVG/main" r:embed="rId4"/>
+                  </a:ext>
+                </a:extLst>
+              </a:blip>
+              <a:stretch>
+                <a:fillRect/>
+              </a:stretch>
+            </p:blipFill>
+            <p:spPr>
+              <a:xfrm rot="16200000">
+                <a:off x="16507492" y="3519983"/>
+                <a:ext cx="640080" cy="579120"/>
+              </a:xfrm>
+              <a:prstGeom prst="rect">
+                <a:avLst/>
+              </a:prstGeom>
+            </p:spPr>
+          </p:pic>
+          <p:grpSp>
+            <p:nvGrpSpPr>
+              <p:cNvPr id="254" name="Group 253">
+                <a:extLst>
+                  <a:ext uri="{FF2B5EF4-FFF2-40B4-BE49-F238E27FC236}">
+                    <a16:creationId xmlns:a16="http://schemas.microsoft.com/office/drawing/2014/main" id="{F213090F-E161-FEF3-E0F4-C062E2D06914}"/>
+                  </a:ext>
+                </a:extLst>
+              </p:cNvPr>
+              <p:cNvGrpSpPr/>
+              <p:nvPr/>
+            </p:nvGrpSpPr>
+            <p:grpSpPr>
+              <a:xfrm>
+                <a:off x="10225840" y="1947691"/>
+                <a:ext cx="1217170" cy="586528"/>
+                <a:chOff x="4535659" y="5223092"/>
+                <a:chExt cx="1217170" cy="586528"/>
+              </a:xfrm>
+            </p:grpSpPr>
+            <p:sp>
+              <p:nvSpPr>
+                <p:cNvPr id="290" name="Oval 289">
+                  <a:extLst>
+                    <a:ext uri="{FF2B5EF4-FFF2-40B4-BE49-F238E27FC236}">
+                      <a16:creationId xmlns:a16="http://schemas.microsoft.com/office/drawing/2014/main" id="{6FC37907-882B-52F9-A54E-5620F5DAB60A}"/>
+                    </a:ext>
+                  </a:extLst>
+                </p:cNvPr>
+                <p:cNvSpPr/>
+                <p:nvPr/>
+              </p:nvSpPr>
+              <p:spPr>
+                <a:xfrm>
+                  <a:off x="4535659" y="5223092"/>
+                  <a:ext cx="577090" cy="586528"/>
+                </a:xfrm>
+                <a:prstGeom prst="ellipse">
+                  <a:avLst/>
+                </a:prstGeom>
+                <a:ln>
+                  <a:noFill/>
+                </a:ln>
+              </p:spPr>
+              <p:style>
+                <a:lnRef idx="2">
+                  <a:schemeClr val="accent1">
+                    <a:shade val="15000"/>
+                  </a:schemeClr>
+                </a:lnRef>
+                <a:fillRef idx="1">
+                  <a:schemeClr val="accent1"/>
+                </a:fillRef>
+                <a:effectRef idx="0">
+                  <a:schemeClr val="accent1"/>
+                </a:effectRef>
+                <a:fontRef idx="minor">
+                  <a:schemeClr val="lt1"/>
+                </a:fontRef>
+              </p:style>
+              <p:txBody>
+                <a:bodyPr rtlCol="0" anchor="ctr"/>
+                <a:lstStyle/>
+                <a:p>
+                  <a:pPr algn="ctr"/>
+                  <a:r>
+                    <a:rPr lang="en-CN" sz="1400" dirty="0">
+                      <a:latin typeface="Bell MT" panose="02020503060305020303" pitchFamily="18" charset="77"/>
+                    </a:rPr>
+                    <a:t>X</a:t>
+                  </a:r>
+                  <a:r>
+                    <a:rPr lang="en-CN" sz="600" dirty="0">
+                      <a:latin typeface="Bell MT" panose="02020503060305020303" pitchFamily="18" charset="77"/>
+                    </a:rPr>
+                    <a:t>T</a:t>
+                  </a:r>
+                  <a:r>
+                    <a:rPr lang="en-CN" sz="500" dirty="0">
+                      <a:latin typeface="Bell MT" panose="02020503060305020303" pitchFamily="18" charset="77"/>
+                    </a:rPr>
+                    <a:t>0</a:t>
+                  </a:r>
+                  <a:endParaRPr lang="en-CN" sz="1400" dirty="0">
+                    <a:latin typeface="Bell MT" panose="02020503060305020303" pitchFamily="18" charset="77"/>
+                  </a:endParaRPr>
+                </a:p>
+              </p:txBody>
+            </p:sp>
+            <p:sp>
+              <p:nvSpPr>
+                <p:cNvPr id="291" name="Oval 290">
+                  <a:extLst>
+                    <a:ext uri="{FF2B5EF4-FFF2-40B4-BE49-F238E27FC236}">
+                      <a16:creationId xmlns:a16="http://schemas.microsoft.com/office/drawing/2014/main" id="{459B38AA-E417-B739-C668-33CA66BF699D}"/>
+                    </a:ext>
+                  </a:extLst>
+                </p:cNvPr>
+                <p:cNvSpPr/>
+                <p:nvPr/>
+              </p:nvSpPr>
+              <p:spPr>
+                <a:xfrm>
+                  <a:off x="5175739" y="5223092"/>
+                  <a:ext cx="577090" cy="586528"/>
+                </a:xfrm>
+                <a:prstGeom prst="ellipse">
+                  <a:avLst/>
+                </a:prstGeom>
+                <a:ln>
+                  <a:noFill/>
+                </a:ln>
+              </p:spPr>
+              <p:style>
+                <a:lnRef idx="2">
+                  <a:schemeClr val="accent1">
+                    <a:shade val="15000"/>
+                  </a:schemeClr>
+                </a:lnRef>
+                <a:fillRef idx="1">
+                  <a:schemeClr val="accent1"/>
+                </a:fillRef>
+                <a:effectRef idx="0">
+                  <a:schemeClr val="accent1"/>
+                </a:effectRef>
+                <a:fontRef idx="minor">
+                  <a:schemeClr val="lt1"/>
+                </a:fontRef>
+              </p:style>
+              <p:txBody>
+                <a:bodyPr rtlCol="0" anchor="ctr"/>
+                <a:lstStyle/>
+                <a:p>
+                  <a:pPr algn="ctr"/>
+                  <a:r>
+                    <a:rPr lang="en-CN" sz="1400" dirty="0">
+                      <a:latin typeface="Bell MT" panose="02020503060305020303" pitchFamily="18" charset="77"/>
+                    </a:rPr>
+                    <a:t>N</a:t>
+                  </a:r>
+                  <a:r>
+                    <a:rPr lang="en-CN" sz="600" dirty="0">
+                      <a:latin typeface="Bell MT" panose="02020503060305020303" pitchFamily="18" charset="77"/>
+                    </a:rPr>
+                    <a:t>T</a:t>
+                  </a:r>
+                  <a:r>
+                    <a:rPr lang="en-CN" sz="500" dirty="0">
+                      <a:latin typeface="Bell MT" panose="02020503060305020303" pitchFamily="18" charset="77"/>
+                    </a:rPr>
+                    <a:t>0</a:t>
+                  </a:r>
+                  <a:endParaRPr lang="en-CN" sz="1400" dirty="0">
+                    <a:latin typeface="Bell MT" panose="02020503060305020303" pitchFamily="18" charset="77"/>
+                  </a:endParaRPr>
+                </a:p>
+              </p:txBody>
+            </p:sp>
+          </p:grpSp>
+          <p:grpSp>
+            <p:nvGrpSpPr>
+              <p:cNvPr id="255" name="Group 254">
+                <a:extLst>
+                  <a:ext uri="{FF2B5EF4-FFF2-40B4-BE49-F238E27FC236}">
+                    <a16:creationId xmlns:a16="http://schemas.microsoft.com/office/drawing/2014/main" id="{A25D5DD3-D02F-5D59-E3C6-5A3D9E18B3ED}"/>
+                  </a:ext>
+                </a:extLst>
+              </p:cNvPr>
+              <p:cNvGrpSpPr/>
+              <p:nvPr/>
+            </p:nvGrpSpPr>
+            <p:grpSpPr>
+              <a:xfrm>
+                <a:off x="10378587" y="2676206"/>
+                <a:ext cx="974666" cy="579120"/>
+                <a:chOff x="4626707" y="5938700"/>
+                <a:chExt cx="974666" cy="579120"/>
+              </a:xfrm>
+            </p:grpSpPr>
+            <p:pic>
+              <p:nvPicPr>
+                <p:cNvPr id="288" name="Graphic 287" descr="Arrow Down with solid fill">
+                  <a:extLst>
+                    <a:ext uri="{FF2B5EF4-FFF2-40B4-BE49-F238E27FC236}">
+                      <a16:creationId xmlns:a16="http://schemas.microsoft.com/office/drawing/2014/main" id="{50E5BCD0-C8A6-371F-FD07-1AF7AA405ED9}"/>
+                    </a:ext>
+                  </a:extLst>
+                </p:cNvPr>
+                <p:cNvPicPr>
+                  <a:picLocks noChangeAspect="1"/>
+                </p:cNvPicPr>
+                <p:nvPr/>
+              </p:nvPicPr>
+              <p:blipFill>
+                <a:blip r:embed="rId5">
+                  <a:extLst>
+                    <a:ext uri="{96DAC541-7B7A-43D3-8B79-37D633B846F1}">
+                      <asvg:svgBlip xmlns:asvg="http://schemas.microsoft.com/office/drawing/2016/SVG/main" r:embed="rId6"/>
+                    </a:ext>
+                  </a:extLst>
+                </a:blip>
+                <a:stretch>
+                  <a:fillRect/>
+                </a:stretch>
+              </p:blipFill>
+              <p:spPr>
+                <a:xfrm>
+                  <a:off x="4626707" y="5938700"/>
+                  <a:ext cx="640080" cy="579120"/>
+                </a:xfrm>
+                <a:prstGeom prst="rect">
+                  <a:avLst/>
+                </a:prstGeom>
+              </p:spPr>
+            </p:pic>
+            <p:pic>
+              <p:nvPicPr>
+                <p:cNvPr id="289" name="Graphic 288" descr="Arrow Down with solid fill">
+                  <a:extLst>
+                    <a:ext uri="{FF2B5EF4-FFF2-40B4-BE49-F238E27FC236}">
+                      <a16:creationId xmlns:a16="http://schemas.microsoft.com/office/drawing/2014/main" id="{F5598EFE-6609-67A0-8D5D-DEE5CFF7E12C}"/>
+                    </a:ext>
+                  </a:extLst>
+                </p:cNvPr>
+                <p:cNvPicPr>
+                  <a:picLocks noChangeAspect="1"/>
+                </p:cNvPicPr>
+                <p:nvPr/>
+              </p:nvPicPr>
+              <p:blipFill>
+                <a:blip r:embed="rId7">
+                  <a:extLst>
+                    <a:ext uri="{96DAC541-7B7A-43D3-8B79-37D633B846F1}">
+                      <asvg:svgBlip xmlns:asvg="http://schemas.microsoft.com/office/drawing/2016/SVG/main" r:embed="rId8"/>
+                    </a:ext>
+                  </a:extLst>
+                </a:blip>
+                <a:stretch>
+                  <a:fillRect/>
+                </a:stretch>
+              </p:blipFill>
+              <p:spPr>
+                <a:xfrm rot="10800000">
+                  <a:off x="4961293" y="5938700"/>
+                  <a:ext cx="640080" cy="579120"/>
+                </a:xfrm>
+                <a:prstGeom prst="rect">
+                  <a:avLst/>
+                </a:prstGeom>
+              </p:spPr>
+            </p:pic>
+          </p:grpSp>
+          <p:grpSp>
+            <p:nvGrpSpPr>
+              <p:cNvPr id="256" name="Group 255">
+                <a:extLst>
+                  <a:ext uri="{FF2B5EF4-FFF2-40B4-BE49-F238E27FC236}">
+                    <a16:creationId xmlns:a16="http://schemas.microsoft.com/office/drawing/2014/main" id="{A3969169-5ED1-6B76-E942-56377A74674E}"/>
+                  </a:ext>
+                </a:extLst>
+              </p:cNvPr>
+              <p:cNvGrpSpPr/>
+              <p:nvPr/>
+            </p:nvGrpSpPr>
+            <p:grpSpPr>
+              <a:xfrm>
+                <a:off x="11822921" y="1947691"/>
+                <a:ext cx="1217170" cy="586528"/>
+                <a:chOff x="4535659" y="5223092"/>
+                <a:chExt cx="1217170" cy="586528"/>
+              </a:xfrm>
+            </p:grpSpPr>
+            <p:sp>
+              <p:nvSpPr>
+                <p:cNvPr id="286" name="Oval 285">
+                  <a:extLst>
+                    <a:ext uri="{FF2B5EF4-FFF2-40B4-BE49-F238E27FC236}">
+                      <a16:creationId xmlns:a16="http://schemas.microsoft.com/office/drawing/2014/main" id="{81F390F2-B802-4EA6-2633-3594D9C53459}"/>
+                    </a:ext>
+                  </a:extLst>
+                </p:cNvPr>
+                <p:cNvSpPr/>
+                <p:nvPr/>
+              </p:nvSpPr>
+              <p:spPr>
+                <a:xfrm>
+                  <a:off x="4535659" y="5223092"/>
+                  <a:ext cx="577090" cy="586528"/>
+                </a:xfrm>
+                <a:prstGeom prst="ellipse">
+                  <a:avLst/>
+                </a:prstGeom>
+                <a:ln>
+                  <a:noFill/>
+                </a:ln>
+              </p:spPr>
+              <p:style>
+                <a:lnRef idx="2">
+                  <a:schemeClr val="accent1">
+                    <a:shade val="15000"/>
+                  </a:schemeClr>
+                </a:lnRef>
+                <a:fillRef idx="1">
+                  <a:schemeClr val="accent1"/>
+                </a:fillRef>
+                <a:effectRef idx="0">
+                  <a:schemeClr val="accent1"/>
+                </a:effectRef>
+                <a:fontRef idx="minor">
+                  <a:schemeClr val="lt1"/>
+                </a:fontRef>
+              </p:style>
+              <p:txBody>
+                <a:bodyPr rtlCol="0" anchor="ctr"/>
+                <a:lstStyle/>
+                <a:p>
+                  <a:pPr algn="ctr"/>
+                  <a:r>
+                    <a:rPr lang="en-CN" sz="1400" dirty="0">
+                      <a:latin typeface="Bell MT" panose="02020503060305020303" pitchFamily="18" charset="77"/>
+                    </a:rPr>
+                    <a:t>X</a:t>
+                  </a:r>
+                  <a:r>
+                    <a:rPr lang="en-CN" sz="600" dirty="0">
+                      <a:latin typeface="Bell MT" panose="02020503060305020303" pitchFamily="18" charset="77"/>
+                    </a:rPr>
+                    <a:t>T</a:t>
+                  </a:r>
+                  <a:r>
+                    <a:rPr lang="en-CN" sz="500" dirty="0">
+                      <a:latin typeface="Bell MT" panose="02020503060305020303" pitchFamily="18" charset="77"/>
+                    </a:rPr>
+                    <a:t>1</a:t>
+                  </a:r>
+                  <a:endParaRPr lang="en-CN" sz="1400" dirty="0">
+                    <a:latin typeface="Bell MT" panose="02020503060305020303" pitchFamily="18" charset="77"/>
+                  </a:endParaRPr>
+                </a:p>
+              </p:txBody>
+            </p:sp>
+            <p:sp>
+              <p:nvSpPr>
+                <p:cNvPr id="287" name="Oval 286">
+                  <a:extLst>
+                    <a:ext uri="{FF2B5EF4-FFF2-40B4-BE49-F238E27FC236}">
+                      <a16:creationId xmlns:a16="http://schemas.microsoft.com/office/drawing/2014/main" id="{017152FE-4FBF-AE50-4E0C-AB95A1E861C1}"/>
+                    </a:ext>
+                  </a:extLst>
+                </p:cNvPr>
+                <p:cNvSpPr/>
+                <p:nvPr/>
+              </p:nvSpPr>
+              <p:spPr>
+                <a:xfrm>
+                  <a:off x="5175739" y="5223092"/>
+                  <a:ext cx="577090" cy="586528"/>
+                </a:xfrm>
+                <a:prstGeom prst="ellipse">
+                  <a:avLst/>
+                </a:prstGeom>
+                <a:ln>
+                  <a:noFill/>
+                </a:ln>
+              </p:spPr>
+              <p:style>
+                <a:lnRef idx="2">
+                  <a:schemeClr val="accent1">
+                    <a:shade val="15000"/>
+                  </a:schemeClr>
+                </a:lnRef>
+                <a:fillRef idx="1">
+                  <a:schemeClr val="accent1"/>
+                </a:fillRef>
+                <a:effectRef idx="0">
+                  <a:schemeClr val="accent1"/>
+                </a:effectRef>
+                <a:fontRef idx="minor">
+                  <a:schemeClr val="lt1"/>
+                </a:fontRef>
+              </p:style>
+              <p:txBody>
+                <a:bodyPr rtlCol="0" anchor="ctr"/>
+                <a:lstStyle/>
+                <a:p>
+                  <a:pPr algn="ctr"/>
+                  <a:r>
+                    <a:rPr lang="en-CN" sz="1400" dirty="0">
+                      <a:latin typeface="Bell MT" panose="02020503060305020303" pitchFamily="18" charset="77"/>
+                    </a:rPr>
+                    <a:t>N</a:t>
+                  </a:r>
+                  <a:r>
+                    <a:rPr lang="en-CN" sz="600" dirty="0">
+                      <a:latin typeface="Bell MT" panose="02020503060305020303" pitchFamily="18" charset="77"/>
+                    </a:rPr>
+                    <a:t>T</a:t>
+                  </a:r>
+                  <a:r>
+                    <a:rPr lang="en-CN" sz="500" dirty="0">
+                      <a:latin typeface="Bell MT" panose="02020503060305020303" pitchFamily="18" charset="77"/>
+                    </a:rPr>
+                    <a:t>1</a:t>
+                  </a:r>
+                  <a:endParaRPr lang="en-CN" sz="1400" dirty="0">
+                    <a:latin typeface="Bell MT" panose="02020503060305020303" pitchFamily="18" charset="77"/>
+                  </a:endParaRPr>
+                </a:p>
+              </p:txBody>
+            </p:sp>
+          </p:grpSp>
+          <p:grpSp>
+            <p:nvGrpSpPr>
+              <p:cNvPr id="257" name="Group 256">
+                <a:extLst>
+                  <a:ext uri="{FF2B5EF4-FFF2-40B4-BE49-F238E27FC236}">
+                    <a16:creationId xmlns:a16="http://schemas.microsoft.com/office/drawing/2014/main" id="{C38C9785-81AF-49C3-F19F-6B6EBC99C505}"/>
+                  </a:ext>
+                </a:extLst>
+              </p:cNvPr>
+              <p:cNvGrpSpPr/>
+              <p:nvPr/>
+            </p:nvGrpSpPr>
+            <p:grpSpPr>
+              <a:xfrm>
+                <a:off x="15412921" y="1947691"/>
+                <a:ext cx="1217170" cy="586528"/>
+                <a:chOff x="4535659" y="5223092"/>
+                <a:chExt cx="1217170" cy="586528"/>
+              </a:xfrm>
+            </p:grpSpPr>
+            <p:sp>
+              <p:nvSpPr>
+                <p:cNvPr id="284" name="Oval 283">
+                  <a:extLst>
+                    <a:ext uri="{FF2B5EF4-FFF2-40B4-BE49-F238E27FC236}">
+                      <a16:creationId xmlns:a16="http://schemas.microsoft.com/office/drawing/2014/main" id="{944D4508-1F8E-C1B3-A474-01005EB3EC11}"/>
+                    </a:ext>
+                  </a:extLst>
+                </p:cNvPr>
+                <p:cNvSpPr/>
+                <p:nvPr/>
+              </p:nvSpPr>
+              <p:spPr>
+                <a:xfrm>
+                  <a:off x="4535659" y="5223092"/>
+                  <a:ext cx="577090" cy="586528"/>
+                </a:xfrm>
+                <a:prstGeom prst="ellipse">
+                  <a:avLst/>
+                </a:prstGeom>
+                <a:ln>
+                  <a:noFill/>
+                </a:ln>
+              </p:spPr>
+              <p:style>
+                <a:lnRef idx="2">
+                  <a:schemeClr val="accent1">
+                    <a:shade val="15000"/>
+                  </a:schemeClr>
+                </a:lnRef>
+                <a:fillRef idx="1">
+                  <a:schemeClr val="accent1"/>
+                </a:fillRef>
+                <a:effectRef idx="0">
+                  <a:schemeClr val="accent1"/>
+                </a:effectRef>
+                <a:fontRef idx="minor">
+                  <a:schemeClr val="lt1"/>
+                </a:fontRef>
+              </p:style>
+              <p:txBody>
+                <a:bodyPr rtlCol="0" anchor="ctr"/>
+                <a:lstStyle/>
+                <a:p>
+                  <a:pPr algn="ctr"/>
+                  <a:endParaRPr lang="en-CN" sz="1400" dirty="0">
+                    <a:latin typeface="Bell MT" panose="02020503060305020303" pitchFamily="18" charset="77"/>
+                  </a:endParaRPr>
+                </a:p>
+              </p:txBody>
+            </p:sp>
+            <p:sp>
+              <p:nvSpPr>
+                <p:cNvPr id="285" name="Oval 284">
+                  <a:extLst>
+                    <a:ext uri="{FF2B5EF4-FFF2-40B4-BE49-F238E27FC236}">
+                      <a16:creationId xmlns:a16="http://schemas.microsoft.com/office/drawing/2014/main" id="{890AF7AE-1FA0-505F-C6F5-596876900A43}"/>
+                    </a:ext>
+                  </a:extLst>
+                </p:cNvPr>
+                <p:cNvSpPr/>
+                <p:nvPr/>
+              </p:nvSpPr>
+              <p:spPr>
+                <a:xfrm>
+                  <a:off x="5175739" y="5223092"/>
+                  <a:ext cx="577090" cy="586528"/>
+                </a:xfrm>
+                <a:prstGeom prst="ellipse">
+                  <a:avLst/>
+                </a:prstGeom>
+                <a:ln>
+                  <a:noFill/>
+                </a:ln>
+              </p:spPr>
+              <p:style>
+                <a:lnRef idx="2">
+                  <a:schemeClr val="accent1">
+                    <a:shade val="15000"/>
+                  </a:schemeClr>
+                </a:lnRef>
+                <a:fillRef idx="1">
+                  <a:schemeClr val="accent1"/>
+                </a:fillRef>
+                <a:effectRef idx="0">
+                  <a:schemeClr val="accent1"/>
+                </a:effectRef>
+                <a:fontRef idx="minor">
+                  <a:schemeClr val="lt1"/>
+                </a:fontRef>
+              </p:style>
+              <p:txBody>
+                <a:bodyPr rtlCol="0" anchor="ctr"/>
+                <a:lstStyle/>
+                <a:p>
+                  <a:pPr algn="ctr"/>
+                  <a:endParaRPr lang="en-CN" sz="1400" dirty="0">
+                    <a:latin typeface="Bell MT" panose="02020503060305020303" pitchFamily="18" charset="77"/>
+                  </a:endParaRPr>
+                </a:p>
+              </p:txBody>
+            </p:sp>
+          </p:grpSp>
+          <p:grpSp>
+            <p:nvGrpSpPr>
+              <p:cNvPr id="258" name="Group 257">
+                <a:extLst>
+                  <a:ext uri="{FF2B5EF4-FFF2-40B4-BE49-F238E27FC236}">
+                    <a16:creationId xmlns:a16="http://schemas.microsoft.com/office/drawing/2014/main" id="{CE6E0D51-6F87-1F62-1136-7C264D7D6280}"/>
+                  </a:ext>
+                </a:extLst>
+              </p:cNvPr>
+              <p:cNvGrpSpPr/>
+              <p:nvPr/>
+            </p:nvGrpSpPr>
+            <p:grpSpPr>
+              <a:xfrm>
+                <a:off x="17010002" y="1947691"/>
+                <a:ext cx="1217170" cy="586528"/>
+                <a:chOff x="4535659" y="5223092"/>
+                <a:chExt cx="1217170" cy="586528"/>
+              </a:xfrm>
+            </p:grpSpPr>
+            <p:sp>
+              <p:nvSpPr>
+                <p:cNvPr id="282" name="Oval 281">
+                  <a:extLst>
+                    <a:ext uri="{FF2B5EF4-FFF2-40B4-BE49-F238E27FC236}">
+                      <a16:creationId xmlns:a16="http://schemas.microsoft.com/office/drawing/2014/main" id="{22DF642C-6672-76A8-BA96-417AA3E293B9}"/>
+                    </a:ext>
+                  </a:extLst>
+                </p:cNvPr>
+                <p:cNvSpPr/>
+                <p:nvPr/>
+              </p:nvSpPr>
+              <p:spPr>
+                <a:xfrm>
+                  <a:off x="4535659" y="5223092"/>
+                  <a:ext cx="577090" cy="586528"/>
+                </a:xfrm>
+                <a:prstGeom prst="ellipse">
+                  <a:avLst/>
+                </a:prstGeom>
+                <a:ln>
+                  <a:noFill/>
+                </a:ln>
+              </p:spPr>
+              <p:style>
+                <a:lnRef idx="2">
+                  <a:schemeClr val="accent1">
+                    <a:shade val="15000"/>
+                  </a:schemeClr>
+                </a:lnRef>
+                <a:fillRef idx="1">
+                  <a:schemeClr val="accent1"/>
+                </a:fillRef>
+                <a:effectRef idx="0">
+                  <a:schemeClr val="accent1"/>
+                </a:effectRef>
+                <a:fontRef idx="minor">
+                  <a:schemeClr val="lt1"/>
+                </a:fontRef>
+              </p:style>
+              <p:txBody>
+                <a:bodyPr rtlCol="0" anchor="ctr"/>
+                <a:lstStyle/>
+                <a:p>
+                  <a:pPr algn="ctr"/>
+                  <a:r>
+                    <a:rPr lang="en-CN" sz="1400" dirty="0">
+                      <a:latin typeface="Bell MT" panose="02020503060305020303" pitchFamily="18" charset="77"/>
+                    </a:rPr>
+                    <a:t>X</a:t>
+                  </a:r>
+                  <a:r>
+                    <a:rPr lang="en-CN" sz="600" dirty="0">
+                      <a:latin typeface="Bell MT" panose="02020503060305020303" pitchFamily="18" charset="77"/>
+                    </a:rPr>
+                    <a:t>T</a:t>
+                  </a:r>
+                  <a:r>
+                    <a:rPr lang="en-CN" sz="500" dirty="0">
+                      <a:latin typeface="Bell MT" panose="02020503060305020303" pitchFamily="18" charset="77"/>
+                    </a:rPr>
+                    <a:t>k</a:t>
+                  </a:r>
+                  <a:endParaRPr lang="en-CN" sz="1400" dirty="0">
+                    <a:latin typeface="Bell MT" panose="02020503060305020303" pitchFamily="18" charset="77"/>
+                  </a:endParaRPr>
+                </a:p>
+              </p:txBody>
+            </p:sp>
+            <p:sp>
+              <p:nvSpPr>
+                <p:cNvPr id="283" name="Oval 282">
+                  <a:extLst>
+                    <a:ext uri="{FF2B5EF4-FFF2-40B4-BE49-F238E27FC236}">
+                      <a16:creationId xmlns:a16="http://schemas.microsoft.com/office/drawing/2014/main" id="{CE5EF775-A378-7228-60A7-149C10E118AE}"/>
+                    </a:ext>
+                  </a:extLst>
+                </p:cNvPr>
+                <p:cNvSpPr/>
+                <p:nvPr/>
+              </p:nvSpPr>
+              <p:spPr>
+                <a:xfrm>
+                  <a:off x="5175739" y="5223092"/>
+                  <a:ext cx="577090" cy="586528"/>
+                </a:xfrm>
+                <a:prstGeom prst="ellipse">
+                  <a:avLst/>
+                </a:prstGeom>
+                <a:ln>
+                  <a:noFill/>
+                </a:ln>
+              </p:spPr>
+              <p:style>
+                <a:lnRef idx="2">
+                  <a:schemeClr val="accent1">
+                    <a:shade val="15000"/>
+                  </a:schemeClr>
+                </a:lnRef>
+                <a:fillRef idx="1">
+                  <a:schemeClr val="accent1"/>
+                </a:fillRef>
+                <a:effectRef idx="0">
+                  <a:schemeClr val="accent1"/>
+                </a:effectRef>
+                <a:fontRef idx="minor">
+                  <a:schemeClr val="lt1"/>
+                </a:fontRef>
+              </p:style>
+              <p:txBody>
+                <a:bodyPr rtlCol="0" anchor="ctr"/>
+                <a:lstStyle/>
+                <a:p>
+                  <a:pPr algn="ctr"/>
+                  <a:r>
+                    <a:rPr lang="en-CN" sz="1400" dirty="0">
+                      <a:latin typeface="Bell MT" panose="02020503060305020303" pitchFamily="18" charset="77"/>
+                    </a:rPr>
+                    <a:t>N</a:t>
+                  </a:r>
+                  <a:r>
+                    <a:rPr lang="en-CN" sz="600" dirty="0">
+                      <a:latin typeface="Bell MT" panose="02020503060305020303" pitchFamily="18" charset="77"/>
+                    </a:rPr>
+                    <a:t>T</a:t>
+                  </a:r>
+                  <a:r>
+                    <a:rPr lang="en-CN" sz="500" dirty="0">
+                      <a:latin typeface="Bell MT" panose="02020503060305020303" pitchFamily="18" charset="77"/>
+                    </a:rPr>
+                    <a:t>k</a:t>
+                  </a:r>
+                  <a:endParaRPr lang="en-CN" sz="1400" dirty="0">
+                    <a:latin typeface="Bell MT" panose="02020503060305020303" pitchFamily="18" charset="77"/>
+                  </a:endParaRPr>
+                </a:p>
+              </p:txBody>
+            </p:sp>
+          </p:grpSp>
+          <p:grpSp>
+            <p:nvGrpSpPr>
+              <p:cNvPr id="259" name="Group 258">
+                <a:extLst>
+                  <a:ext uri="{FF2B5EF4-FFF2-40B4-BE49-F238E27FC236}">
+                    <a16:creationId xmlns:a16="http://schemas.microsoft.com/office/drawing/2014/main" id="{33528D12-4AE9-D676-BF8B-44B039479188}"/>
+                  </a:ext>
+                </a:extLst>
+              </p:cNvPr>
+              <p:cNvGrpSpPr/>
+              <p:nvPr/>
+            </p:nvGrpSpPr>
+            <p:grpSpPr>
+              <a:xfrm>
+                <a:off x="11948784" y="2672355"/>
+                <a:ext cx="974666" cy="579120"/>
+                <a:chOff x="4626707" y="5938700"/>
+                <a:chExt cx="974666" cy="579120"/>
+              </a:xfrm>
+            </p:grpSpPr>
+            <p:pic>
+              <p:nvPicPr>
+                <p:cNvPr id="280" name="Graphic 279" descr="Arrow Down with solid fill">
+                  <a:extLst>
+                    <a:ext uri="{FF2B5EF4-FFF2-40B4-BE49-F238E27FC236}">
+                      <a16:creationId xmlns:a16="http://schemas.microsoft.com/office/drawing/2014/main" id="{65686013-ADF9-EA53-7E19-713BF402B309}"/>
+                    </a:ext>
+                  </a:extLst>
+                </p:cNvPr>
+                <p:cNvPicPr>
+                  <a:picLocks noChangeAspect="1"/>
+                </p:cNvPicPr>
+                <p:nvPr/>
+              </p:nvPicPr>
+              <p:blipFill>
+                <a:blip r:embed="rId5">
+                  <a:extLst>
+                    <a:ext uri="{96DAC541-7B7A-43D3-8B79-37D633B846F1}">
+                      <asvg:svgBlip xmlns:asvg="http://schemas.microsoft.com/office/drawing/2016/SVG/main" r:embed="rId6"/>
+                    </a:ext>
+                  </a:extLst>
+                </a:blip>
+                <a:stretch>
+                  <a:fillRect/>
+                </a:stretch>
+              </p:blipFill>
+              <p:spPr>
+                <a:xfrm>
+                  <a:off x="4626707" y="5938700"/>
+                  <a:ext cx="640080" cy="579120"/>
+                </a:xfrm>
+                <a:prstGeom prst="rect">
+                  <a:avLst/>
+                </a:prstGeom>
+              </p:spPr>
+            </p:pic>
+            <p:pic>
+              <p:nvPicPr>
+                <p:cNvPr id="281" name="Graphic 280" descr="Arrow Down with solid fill">
+                  <a:extLst>
+                    <a:ext uri="{FF2B5EF4-FFF2-40B4-BE49-F238E27FC236}">
+                      <a16:creationId xmlns:a16="http://schemas.microsoft.com/office/drawing/2014/main" id="{3DF0F870-C754-12AE-90D1-FD2C7537FE17}"/>
+                    </a:ext>
+                  </a:extLst>
+                </p:cNvPr>
+                <p:cNvPicPr>
+                  <a:picLocks noChangeAspect="1"/>
+                </p:cNvPicPr>
+                <p:nvPr/>
+              </p:nvPicPr>
+              <p:blipFill>
+                <a:blip r:embed="rId7">
+                  <a:extLst>
+                    <a:ext uri="{96DAC541-7B7A-43D3-8B79-37D633B846F1}">
+                      <asvg:svgBlip xmlns:asvg="http://schemas.microsoft.com/office/drawing/2016/SVG/main" r:embed="rId8"/>
+                    </a:ext>
+                  </a:extLst>
+                </a:blip>
+                <a:stretch>
+                  <a:fillRect/>
+                </a:stretch>
+              </p:blipFill>
+              <p:spPr>
+                <a:xfrm rot="10800000">
+                  <a:off x="4961293" y="5938700"/>
+                  <a:ext cx="640080" cy="579120"/>
+                </a:xfrm>
+                <a:prstGeom prst="rect">
+                  <a:avLst/>
+                </a:prstGeom>
+              </p:spPr>
+            </p:pic>
+          </p:grpSp>
+          <p:grpSp>
+            <p:nvGrpSpPr>
+              <p:cNvPr id="260" name="Group 259">
+                <a:extLst>
+                  <a:ext uri="{FF2B5EF4-FFF2-40B4-BE49-F238E27FC236}">
+                    <a16:creationId xmlns:a16="http://schemas.microsoft.com/office/drawing/2014/main" id="{487016DE-B864-9B5B-EFB3-73957B83511E}"/>
+                  </a:ext>
+                </a:extLst>
+              </p:cNvPr>
+              <p:cNvGrpSpPr/>
+              <p:nvPr/>
+            </p:nvGrpSpPr>
+            <p:grpSpPr>
+              <a:xfrm>
+                <a:off x="15534173" y="2672355"/>
+                <a:ext cx="974666" cy="579120"/>
+                <a:chOff x="4626707" y="5938700"/>
+                <a:chExt cx="974666" cy="579120"/>
+              </a:xfrm>
+            </p:grpSpPr>
+            <p:pic>
+              <p:nvPicPr>
+                <p:cNvPr id="278" name="Graphic 277" descr="Arrow Down with solid fill">
+                  <a:extLst>
+                    <a:ext uri="{FF2B5EF4-FFF2-40B4-BE49-F238E27FC236}">
+                      <a16:creationId xmlns:a16="http://schemas.microsoft.com/office/drawing/2014/main" id="{C7617608-A92A-43B8-ECD1-10A9FCBA2258}"/>
+                    </a:ext>
+                  </a:extLst>
+                </p:cNvPr>
+                <p:cNvPicPr>
+                  <a:picLocks noChangeAspect="1"/>
+                </p:cNvPicPr>
+                <p:nvPr/>
+              </p:nvPicPr>
+              <p:blipFill>
+                <a:blip r:embed="rId5">
+                  <a:extLst>
+                    <a:ext uri="{96DAC541-7B7A-43D3-8B79-37D633B846F1}">
+                      <asvg:svgBlip xmlns:asvg="http://schemas.microsoft.com/office/drawing/2016/SVG/main" r:embed="rId6"/>
+                    </a:ext>
+                  </a:extLst>
+                </a:blip>
+                <a:stretch>
+                  <a:fillRect/>
+                </a:stretch>
+              </p:blipFill>
+              <p:spPr>
+                <a:xfrm>
+                  <a:off x="4626707" y="5938700"/>
+                  <a:ext cx="640080" cy="579120"/>
+                </a:xfrm>
+                <a:prstGeom prst="rect">
+                  <a:avLst/>
+                </a:prstGeom>
+              </p:spPr>
+            </p:pic>
+            <p:pic>
+              <p:nvPicPr>
+                <p:cNvPr id="279" name="Graphic 278" descr="Arrow Down with solid fill">
+                  <a:extLst>
+                    <a:ext uri="{FF2B5EF4-FFF2-40B4-BE49-F238E27FC236}">
+                      <a16:creationId xmlns:a16="http://schemas.microsoft.com/office/drawing/2014/main" id="{3C0FC18C-58D0-F868-B584-35791353F239}"/>
+                    </a:ext>
+                  </a:extLst>
+                </p:cNvPr>
+                <p:cNvPicPr>
+                  <a:picLocks noChangeAspect="1"/>
+                </p:cNvPicPr>
+                <p:nvPr/>
+              </p:nvPicPr>
+              <p:blipFill>
+                <a:blip r:embed="rId7">
+                  <a:extLst>
+                    <a:ext uri="{96DAC541-7B7A-43D3-8B79-37D633B846F1}">
+                      <asvg:svgBlip xmlns:asvg="http://schemas.microsoft.com/office/drawing/2016/SVG/main" r:embed="rId8"/>
+                    </a:ext>
+                  </a:extLst>
+                </a:blip>
+                <a:stretch>
+                  <a:fillRect/>
+                </a:stretch>
+              </p:blipFill>
+              <p:spPr>
+                <a:xfrm rot="10800000">
+                  <a:off x="4961293" y="5938700"/>
+                  <a:ext cx="640080" cy="579120"/>
+                </a:xfrm>
+                <a:prstGeom prst="rect">
+                  <a:avLst/>
+                </a:prstGeom>
+              </p:spPr>
+            </p:pic>
+          </p:grpSp>
+          <p:grpSp>
+            <p:nvGrpSpPr>
+              <p:cNvPr id="261" name="Group 260">
+                <a:extLst>
+                  <a:ext uri="{FF2B5EF4-FFF2-40B4-BE49-F238E27FC236}">
+                    <a16:creationId xmlns:a16="http://schemas.microsoft.com/office/drawing/2014/main" id="{F5804788-0BFE-DD82-F83F-2FBF93259AD2}"/>
+                  </a:ext>
+                </a:extLst>
+              </p:cNvPr>
+              <p:cNvGrpSpPr/>
+              <p:nvPr/>
+            </p:nvGrpSpPr>
+            <p:grpSpPr>
+              <a:xfrm>
+                <a:off x="17130954" y="2663299"/>
+                <a:ext cx="974666" cy="579120"/>
+                <a:chOff x="4626707" y="5938700"/>
+                <a:chExt cx="974666" cy="579120"/>
+              </a:xfrm>
+            </p:grpSpPr>
+            <p:pic>
+              <p:nvPicPr>
+                <p:cNvPr id="276" name="Graphic 275" descr="Arrow Down with solid fill">
+                  <a:extLst>
+                    <a:ext uri="{FF2B5EF4-FFF2-40B4-BE49-F238E27FC236}">
+                      <a16:creationId xmlns:a16="http://schemas.microsoft.com/office/drawing/2014/main" id="{8E5156DA-6761-87DB-6C9D-EAF21E7996B7}"/>
+                    </a:ext>
+                  </a:extLst>
+                </p:cNvPr>
+                <p:cNvPicPr>
+                  <a:picLocks noChangeAspect="1"/>
+                </p:cNvPicPr>
+                <p:nvPr/>
+              </p:nvPicPr>
+              <p:blipFill>
+                <a:blip r:embed="rId5">
+                  <a:extLst>
+                    <a:ext uri="{96DAC541-7B7A-43D3-8B79-37D633B846F1}">
+                      <asvg:svgBlip xmlns:asvg="http://schemas.microsoft.com/office/drawing/2016/SVG/main" r:embed="rId6"/>
+                    </a:ext>
+                  </a:extLst>
+                </a:blip>
+                <a:stretch>
+                  <a:fillRect/>
+                </a:stretch>
+              </p:blipFill>
+              <p:spPr>
+                <a:xfrm>
+                  <a:off x="4626707" y="5938700"/>
+                  <a:ext cx="640080" cy="579120"/>
+                </a:xfrm>
+                <a:prstGeom prst="rect">
+                  <a:avLst/>
+                </a:prstGeom>
+              </p:spPr>
+            </p:pic>
+            <p:pic>
+              <p:nvPicPr>
+                <p:cNvPr id="277" name="Graphic 276" descr="Arrow Down with solid fill">
+                  <a:extLst>
+                    <a:ext uri="{FF2B5EF4-FFF2-40B4-BE49-F238E27FC236}">
+                      <a16:creationId xmlns:a16="http://schemas.microsoft.com/office/drawing/2014/main" id="{3A524ADE-AF0F-96A0-5978-A82D18AC4176}"/>
+                    </a:ext>
+                  </a:extLst>
+                </p:cNvPr>
+                <p:cNvPicPr>
+                  <a:picLocks noChangeAspect="1"/>
+                </p:cNvPicPr>
+                <p:nvPr/>
+              </p:nvPicPr>
+              <p:blipFill>
+                <a:blip r:embed="rId7">
+                  <a:extLst>
+                    <a:ext uri="{96DAC541-7B7A-43D3-8B79-37D633B846F1}">
+                      <asvg:svgBlip xmlns:asvg="http://schemas.microsoft.com/office/drawing/2016/SVG/main" r:embed="rId8"/>
+                    </a:ext>
+                  </a:extLst>
+                </a:blip>
+                <a:stretch>
+                  <a:fillRect/>
+                </a:stretch>
+              </p:blipFill>
+              <p:spPr>
+                <a:xfrm rot="10800000">
+                  <a:off x="4961293" y="5938700"/>
+                  <a:ext cx="640080" cy="579120"/>
+                </a:xfrm>
+                <a:prstGeom prst="rect">
+                  <a:avLst/>
+                </a:prstGeom>
+              </p:spPr>
+            </p:pic>
+          </p:grpSp>
+          <p:sp>
+            <p:nvSpPr>
+              <p:cNvPr id="262" name="Curved Left Arrow 261">
+                <a:extLst>
+                  <a:ext uri="{FF2B5EF4-FFF2-40B4-BE49-F238E27FC236}">
+                    <a16:creationId xmlns:a16="http://schemas.microsoft.com/office/drawing/2014/main" id="{92B7E898-DBFA-C5FB-4FBE-8B6A5339F90D}"/>
+                  </a:ext>
+                </a:extLst>
+              </p:cNvPr>
+              <p:cNvSpPr/>
+              <p:nvPr/>
+            </p:nvSpPr>
+            <p:spPr>
+              <a:xfrm rot="16200000">
+                <a:off x="10683974" y="1300703"/>
+                <a:ext cx="300903" cy="876894"/>
+              </a:xfrm>
+              <a:prstGeom prst="curvedLeftArrow">
+                <a:avLst>
+                  <a:gd name="adj1" fmla="val 25000"/>
+                  <a:gd name="adj2" fmla="val 87976"/>
+                  <a:gd name="adj3" fmla="val 25000"/>
+                </a:avLst>
+              </a:prstGeom>
+              <a:solidFill>
+                <a:schemeClr val="accent2"/>
+              </a:solidFill>
+              <a:ln>
+                <a:noFill/>
+              </a:ln>
+            </p:spPr>
+            <p:style>
+              <a:lnRef idx="2">
+                <a:schemeClr val="accent1">
+                  <a:shade val="15000"/>
+                </a:schemeClr>
+              </a:lnRef>
+              <a:fillRef idx="1">
+                <a:schemeClr val="accent1"/>
+              </a:fillRef>
+              <a:effectRef idx="0">
+                <a:schemeClr val="accent1"/>
+              </a:effectRef>
+              <a:fontRef idx="minor">
+                <a:schemeClr val="lt1"/>
+              </a:fontRef>
+            </p:style>
+            <p:txBody>
+              <a:bodyPr rtlCol="0" anchor="ctr"/>
+              <a:lstStyle/>
+              <a:p>
+                <a:pPr algn="ctr"/>
+                <a:endParaRPr lang="en-CN">
+                  <a:solidFill>
+                    <a:schemeClr val="tx1"/>
+                  </a:solidFill>
+                </a:endParaRPr>
+              </a:p>
+            </p:txBody>
+          </p:sp>
+          <p:sp>
+            <p:nvSpPr>
+              <p:cNvPr id="263" name="Curved Left Arrow 262">
+                <a:extLst>
+                  <a:ext uri="{FF2B5EF4-FFF2-40B4-BE49-F238E27FC236}">
+                    <a16:creationId xmlns:a16="http://schemas.microsoft.com/office/drawing/2014/main" id="{BAB033B8-6CBA-4222-715F-CEF22E73E786}"/>
+                  </a:ext>
+                </a:extLst>
+              </p:cNvPr>
+              <p:cNvSpPr/>
+              <p:nvPr/>
+            </p:nvSpPr>
+            <p:spPr>
+              <a:xfrm rot="16200000">
+                <a:off x="12281055" y="1298780"/>
+                <a:ext cx="300903" cy="876894"/>
+              </a:xfrm>
+              <a:prstGeom prst="curvedLeftArrow">
+                <a:avLst>
+                  <a:gd name="adj1" fmla="val 25000"/>
+                  <a:gd name="adj2" fmla="val 87976"/>
+                  <a:gd name="adj3" fmla="val 25000"/>
+                </a:avLst>
+              </a:prstGeom>
+              <a:solidFill>
+                <a:schemeClr val="accent2"/>
+              </a:solidFill>
+              <a:ln>
+                <a:noFill/>
+              </a:ln>
+            </p:spPr>
+            <p:style>
+              <a:lnRef idx="2">
+                <a:schemeClr val="accent1">
+                  <a:shade val="15000"/>
+                </a:schemeClr>
+              </a:lnRef>
+              <a:fillRef idx="1">
+                <a:schemeClr val="accent1"/>
+              </a:fillRef>
+              <a:effectRef idx="0">
+                <a:schemeClr val="accent1"/>
+              </a:effectRef>
+              <a:fontRef idx="minor">
+                <a:schemeClr val="lt1"/>
+              </a:fontRef>
+            </p:style>
+            <p:txBody>
+              <a:bodyPr rtlCol="0" anchor="ctr"/>
+              <a:lstStyle/>
+              <a:p>
+                <a:pPr algn="ctr"/>
+                <a:endParaRPr lang="en-CN">
+                  <a:solidFill>
+                    <a:schemeClr val="tx1"/>
+                  </a:solidFill>
+                </a:endParaRPr>
+              </a:p>
+            </p:txBody>
+          </p:sp>
+          <p:sp>
+            <p:nvSpPr>
+              <p:cNvPr id="264" name="Curved Left Arrow 263">
+                <a:extLst>
+                  <a:ext uri="{FF2B5EF4-FFF2-40B4-BE49-F238E27FC236}">
+                    <a16:creationId xmlns:a16="http://schemas.microsoft.com/office/drawing/2014/main" id="{7F0BE7B6-854F-2249-F11D-8FFF81F5765B}"/>
+                  </a:ext>
+                </a:extLst>
+              </p:cNvPr>
+              <p:cNvSpPr/>
+              <p:nvPr/>
+            </p:nvSpPr>
+            <p:spPr>
+              <a:xfrm rot="16200000">
+                <a:off x="15901045" y="1294742"/>
+                <a:ext cx="300903" cy="876894"/>
+              </a:xfrm>
+              <a:prstGeom prst="curvedLeftArrow">
+                <a:avLst>
+                  <a:gd name="adj1" fmla="val 25000"/>
+                  <a:gd name="adj2" fmla="val 87976"/>
+                  <a:gd name="adj3" fmla="val 25000"/>
+                </a:avLst>
+              </a:prstGeom>
+              <a:solidFill>
+                <a:schemeClr val="accent2"/>
+              </a:solidFill>
+              <a:ln>
+                <a:noFill/>
+              </a:ln>
+            </p:spPr>
+            <p:style>
+              <a:lnRef idx="2">
+                <a:schemeClr val="accent1">
+                  <a:shade val="15000"/>
+                </a:schemeClr>
+              </a:lnRef>
+              <a:fillRef idx="1">
+                <a:schemeClr val="accent1"/>
+              </a:fillRef>
+              <a:effectRef idx="0">
+                <a:schemeClr val="accent1"/>
+              </a:effectRef>
+              <a:fontRef idx="minor">
+                <a:schemeClr val="lt1"/>
+              </a:fontRef>
+            </p:style>
+            <p:txBody>
+              <a:bodyPr rtlCol="0" anchor="ctr"/>
+              <a:lstStyle/>
+              <a:p>
+                <a:pPr algn="ctr"/>
+                <a:endParaRPr lang="en-CN">
+                  <a:solidFill>
+                    <a:schemeClr val="tx1"/>
+                  </a:solidFill>
+                </a:endParaRPr>
+              </a:p>
+            </p:txBody>
+          </p:sp>
+          <p:sp>
+            <p:nvSpPr>
+              <p:cNvPr id="265" name="Curved Left Arrow 264">
+                <a:extLst>
+                  <a:ext uri="{FF2B5EF4-FFF2-40B4-BE49-F238E27FC236}">
+                    <a16:creationId xmlns:a16="http://schemas.microsoft.com/office/drawing/2014/main" id="{5F28E283-DE31-4CFA-8AED-F43D8F544B19}"/>
+                  </a:ext>
+                </a:extLst>
+              </p:cNvPr>
+              <p:cNvSpPr/>
+              <p:nvPr/>
+            </p:nvSpPr>
+            <p:spPr>
+              <a:xfrm rot="16200000">
+                <a:off x="17498126" y="1294743"/>
+                <a:ext cx="300903" cy="876894"/>
+              </a:xfrm>
+              <a:prstGeom prst="curvedLeftArrow">
+                <a:avLst>
+                  <a:gd name="adj1" fmla="val 25000"/>
+                  <a:gd name="adj2" fmla="val 87976"/>
+                  <a:gd name="adj3" fmla="val 25000"/>
+                </a:avLst>
+              </a:prstGeom>
+              <a:solidFill>
+                <a:schemeClr val="accent2"/>
+              </a:solidFill>
+              <a:ln>
+                <a:noFill/>
+              </a:ln>
+            </p:spPr>
+            <p:style>
+              <a:lnRef idx="2">
+                <a:schemeClr val="accent1">
+                  <a:shade val="15000"/>
+                </a:schemeClr>
+              </a:lnRef>
+              <a:fillRef idx="1">
+                <a:schemeClr val="accent1"/>
+              </a:fillRef>
+              <a:effectRef idx="0">
+                <a:schemeClr val="accent1"/>
+              </a:effectRef>
+              <a:fontRef idx="minor">
+                <a:schemeClr val="lt1"/>
+              </a:fontRef>
+            </p:style>
+            <p:txBody>
+              <a:bodyPr rtlCol="0" anchor="ctr"/>
+              <a:lstStyle/>
+              <a:p>
+                <a:pPr algn="ctr"/>
+                <a:endParaRPr lang="en-CN">
+                  <a:solidFill>
+                    <a:schemeClr val="tx1"/>
+                  </a:solidFill>
+                </a:endParaRPr>
+              </a:p>
+            </p:txBody>
+          </p:sp>
+          <p:sp>
+            <p:nvSpPr>
+              <p:cNvPr id="266" name="TextBox 265">
+                <a:extLst>
+                  <a:ext uri="{FF2B5EF4-FFF2-40B4-BE49-F238E27FC236}">
+                    <a16:creationId xmlns:a16="http://schemas.microsoft.com/office/drawing/2014/main" id="{557EFA6B-F11C-4E35-7218-58FD391C27BC}"/>
+                  </a:ext>
+                </a:extLst>
+              </p:cNvPr>
+              <p:cNvSpPr txBox="1"/>
+              <p:nvPr/>
+            </p:nvSpPr>
+            <p:spPr>
+              <a:xfrm>
+                <a:off x="9089224" y="1507007"/>
+                <a:ext cx="1088100" cy="461665"/>
+              </a:xfrm>
+              <a:prstGeom prst="rect">
+                <a:avLst/>
+              </a:prstGeom>
+              <a:noFill/>
+            </p:spPr>
+            <p:txBody>
+              <a:bodyPr wrap="square" rtlCol="0">
+                <a:spAutoFit/>
+              </a:bodyPr>
+              <a:lstStyle/>
+              <a:p>
+                <a:pPr algn="ctr"/>
+                <a:r>
+                  <a:rPr lang="en-CN" sz="2400" dirty="0">
+                    <a:solidFill>
+                      <a:schemeClr val="accent2"/>
+                    </a:solidFill>
+                    <a:latin typeface="Bell MT" panose="02020503060305020303" pitchFamily="18" charset="77"/>
+                  </a:rPr>
+                  <a:t>Loss</a:t>
+                </a:r>
+                <a:endParaRPr lang="en-CN" dirty="0">
+                  <a:solidFill>
+                    <a:schemeClr val="accent2"/>
+                  </a:solidFill>
+                  <a:latin typeface="Bell MT" panose="02020503060305020303" pitchFamily="18" charset="77"/>
+                </a:endParaRPr>
+              </a:p>
+            </p:txBody>
+          </p:sp>
+          <p:sp>
+            <p:nvSpPr>
+              <p:cNvPr id="267" name="TextBox 266">
+                <a:extLst>
+                  <a:ext uri="{FF2B5EF4-FFF2-40B4-BE49-F238E27FC236}">
+                    <a16:creationId xmlns:a16="http://schemas.microsoft.com/office/drawing/2014/main" id="{6FB2D13F-DD4D-E84D-5A2B-DF79DC629AE8}"/>
+                  </a:ext>
+                </a:extLst>
+              </p:cNvPr>
+              <p:cNvSpPr txBox="1"/>
+              <p:nvPr/>
+            </p:nvSpPr>
+            <p:spPr>
+              <a:xfrm>
+                <a:off x="8836401" y="2545561"/>
+                <a:ext cx="1374893" cy="461665"/>
+              </a:xfrm>
+              <a:prstGeom prst="rect">
+                <a:avLst/>
+              </a:prstGeom>
+              <a:noFill/>
+            </p:spPr>
+            <p:txBody>
+              <a:bodyPr wrap="square" rtlCol="0">
+                <a:spAutoFit/>
+              </a:bodyPr>
+              <a:lstStyle/>
+              <a:p>
+                <a:pPr algn="ctr"/>
+                <a:r>
+                  <a:rPr lang="en-CN" sz="2400" dirty="0">
+                    <a:solidFill>
+                      <a:schemeClr val="accent6">
+                        <a:lumMod val="60000"/>
+                        <a:lumOff val="40000"/>
+                      </a:schemeClr>
+                    </a:solidFill>
+                    <a:latin typeface="Bell MT" panose="02020503060305020303" pitchFamily="18" charset="77"/>
+                  </a:rPr>
+                  <a:t>Encode</a:t>
+                </a:r>
+                <a:endParaRPr lang="en-CN" dirty="0">
+                  <a:solidFill>
+                    <a:schemeClr val="accent6">
+                      <a:lumMod val="60000"/>
+                      <a:lumOff val="40000"/>
+                    </a:schemeClr>
+                  </a:solidFill>
+                  <a:latin typeface="Bell MT" panose="02020503060305020303" pitchFamily="18" charset="77"/>
+                </a:endParaRPr>
+              </a:p>
+            </p:txBody>
+          </p:sp>
+          <p:sp>
+            <p:nvSpPr>
+              <p:cNvPr id="268" name="TextBox 267">
+                <a:extLst>
+                  <a:ext uri="{FF2B5EF4-FFF2-40B4-BE49-F238E27FC236}">
+                    <a16:creationId xmlns:a16="http://schemas.microsoft.com/office/drawing/2014/main" id="{8CDAC442-C388-73B5-E927-A17C33A7A623}"/>
+                  </a:ext>
+                </a:extLst>
+              </p:cNvPr>
+              <p:cNvSpPr txBox="1"/>
+              <p:nvPr/>
+            </p:nvSpPr>
+            <p:spPr>
+              <a:xfrm>
+                <a:off x="8822396" y="2882534"/>
+                <a:ext cx="1374893" cy="461665"/>
+              </a:xfrm>
+              <a:prstGeom prst="rect">
+                <a:avLst/>
+              </a:prstGeom>
+              <a:noFill/>
+            </p:spPr>
+            <p:txBody>
+              <a:bodyPr wrap="square" rtlCol="0">
+                <a:spAutoFit/>
+              </a:bodyPr>
+              <a:lstStyle/>
+              <a:p>
+                <a:pPr algn="ctr"/>
+                <a:r>
+                  <a:rPr lang="en-CN" sz="2400" dirty="0">
+                    <a:solidFill>
+                      <a:schemeClr val="accent2">
+                        <a:lumMod val="60000"/>
+                        <a:lumOff val="40000"/>
+                      </a:schemeClr>
+                    </a:solidFill>
+                    <a:latin typeface="Bell MT" panose="02020503060305020303" pitchFamily="18" charset="77"/>
+                  </a:rPr>
+                  <a:t>Decode</a:t>
+                </a:r>
+                <a:endParaRPr lang="en-CN" dirty="0">
+                  <a:solidFill>
+                    <a:schemeClr val="accent2">
+                      <a:lumMod val="60000"/>
+                      <a:lumOff val="40000"/>
+                    </a:schemeClr>
+                  </a:solidFill>
+                  <a:latin typeface="Bell MT" panose="02020503060305020303" pitchFamily="18" charset="77"/>
+                </a:endParaRPr>
+              </a:p>
+            </p:txBody>
+          </p:sp>
+          <p:grpSp>
+            <p:nvGrpSpPr>
+              <p:cNvPr id="269" name="Group 268">
+                <a:extLst>
+                  <a:ext uri="{FF2B5EF4-FFF2-40B4-BE49-F238E27FC236}">
+                    <a16:creationId xmlns:a16="http://schemas.microsoft.com/office/drawing/2014/main" id="{75D28756-2522-19AF-7283-A0162711FD65}"/>
+                  </a:ext>
+                </a:extLst>
+              </p:cNvPr>
+              <p:cNvGrpSpPr/>
+              <p:nvPr/>
+            </p:nvGrpSpPr>
+            <p:grpSpPr>
+              <a:xfrm>
+                <a:off x="11753808" y="5706401"/>
+                <a:ext cx="1836773" cy="876088"/>
+                <a:chOff x="13144533" y="6915022"/>
+                <a:chExt cx="1836773" cy="876088"/>
+              </a:xfrm>
+            </p:grpSpPr>
+            <p:grpSp>
+              <p:nvGrpSpPr>
+                <p:cNvPr id="272" name="Group 271">
+                  <a:extLst>
+                    <a:ext uri="{FF2B5EF4-FFF2-40B4-BE49-F238E27FC236}">
+                      <a16:creationId xmlns:a16="http://schemas.microsoft.com/office/drawing/2014/main" id="{F8C9ED98-FF06-B8D6-390B-45966914FA2F}"/>
+                    </a:ext>
+                  </a:extLst>
+                </p:cNvPr>
+                <p:cNvGrpSpPr/>
+                <p:nvPr/>
+              </p:nvGrpSpPr>
+              <p:grpSpPr>
+                <a:xfrm>
+                  <a:off x="13144533" y="6915022"/>
+                  <a:ext cx="1088100" cy="876088"/>
+                  <a:chOff x="5519199" y="9078198"/>
+                  <a:chExt cx="1088100" cy="876088"/>
+                </a:xfrm>
+              </p:grpSpPr>
+              <p:sp>
+                <p:nvSpPr>
+                  <p:cNvPr id="274" name="Oval 273">
+                    <a:extLst>
+                      <a:ext uri="{FF2B5EF4-FFF2-40B4-BE49-F238E27FC236}">
+                        <a16:creationId xmlns:a16="http://schemas.microsoft.com/office/drawing/2014/main" id="{4FBDE913-6B3B-4ADB-4145-BE7D83CCB5D3}"/>
+                      </a:ext>
+                    </a:extLst>
+                  </p:cNvPr>
+                  <p:cNvSpPr/>
+                  <p:nvPr/>
+                </p:nvSpPr>
+                <p:spPr>
+                  <a:xfrm>
+                    <a:off x="5624802" y="9078198"/>
+                    <a:ext cx="876894" cy="876088"/>
+                  </a:xfrm>
+                  <a:prstGeom prst="ellipse">
+                    <a:avLst/>
+                  </a:prstGeom>
+                  <a:solidFill>
+                    <a:schemeClr val="accent2"/>
+                  </a:solidFill>
+                  <a:ln>
+                    <a:noFill/>
+                  </a:ln>
+                </p:spPr>
+                <p:style>
+                  <a:lnRef idx="2">
+                    <a:schemeClr val="accent1">
+                      <a:shade val="15000"/>
+                    </a:schemeClr>
+                  </a:lnRef>
+                  <a:fillRef idx="1">
+                    <a:schemeClr val="accent1"/>
+                  </a:fillRef>
+                  <a:effectRef idx="0">
+                    <a:schemeClr val="accent1"/>
+                  </a:effectRef>
+                  <a:fontRef idx="minor">
+                    <a:schemeClr val="lt1"/>
+                  </a:fontRef>
+                </p:style>
+                <p:txBody>
+                  <a:bodyPr rtlCol="0" anchor="ctr"/>
+                  <a:lstStyle/>
+                  <a:p>
+                    <a:pPr algn="ctr"/>
+                    <a:endParaRPr lang="en-CN" sz="1600" dirty="0">
+                      <a:latin typeface="Bell MT" panose="02020503060305020303" pitchFamily="18" charset="77"/>
+                    </a:endParaRPr>
+                  </a:p>
+                </p:txBody>
+              </p:sp>
+              <p:sp>
+                <p:nvSpPr>
+                  <p:cNvPr id="275" name="TextBox 274">
+                    <a:extLst>
+                      <a:ext uri="{FF2B5EF4-FFF2-40B4-BE49-F238E27FC236}">
+                        <a16:creationId xmlns:a16="http://schemas.microsoft.com/office/drawing/2014/main" id="{BA732CCE-9755-4CF2-30DB-12F632C337EF}"/>
+                      </a:ext>
+                    </a:extLst>
+                  </p:cNvPr>
+                  <p:cNvSpPr txBox="1"/>
+                  <p:nvPr/>
+                </p:nvSpPr>
+                <p:spPr>
+                  <a:xfrm>
+                    <a:off x="5519199" y="9285409"/>
+                    <a:ext cx="1088100" cy="461665"/>
+                  </a:xfrm>
+                  <a:prstGeom prst="rect">
+                    <a:avLst/>
+                  </a:prstGeom>
+                  <a:noFill/>
+                </p:spPr>
+                <p:txBody>
+                  <a:bodyPr wrap="square" rtlCol="0">
+                    <a:spAutoFit/>
+                  </a:bodyPr>
+                  <a:lstStyle/>
+                  <a:p>
+                    <a:pPr algn="ctr"/>
+                    <a:r>
+                      <a:rPr lang="en-CN" sz="2400" dirty="0">
+                        <a:solidFill>
+                          <a:schemeClr val="bg1"/>
+                        </a:solidFill>
+                        <a:latin typeface="Bell MT" panose="02020503060305020303" pitchFamily="18" charset="77"/>
+                      </a:rPr>
+                      <a:t>Text</a:t>
+                    </a:r>
+                    <a:endParaRPr lang="en-CN" dirty="0">
+                      <a:solidFill>
+                        <a:schemeClr val="bg1"/>
+                      </a:solidFill>
+                      <a:latin typeface="Bell MT" panose="02020503060305020303" pitchFamily="18" charset="77"/>
+                    </a:endParaRPr>
+                  </a:p>
+                </p:txBody>
+              </p:sp>
+            </p:grpSp>
+            <p:pic>
+              <p:nvPicPr>
+                <p:cNvPr id="273" name="Graphic 272" descr="Arrow Down with solid fill">
+                  <a:extLst>
+                    <a:ext uri="{FF2B5EF4-FFF2-40B4-BE49-F238E27FC236}">
+                      <a16:creationId xmlns:a16="http://schemas.microsoft.com/office/drawing/2014/main" id="{EF5720D9-4D9F-73F9-596D-A1FD453F7296}"/>
+                    </a:ext>
+                  </a:extLst>
+                </p:cNvPr>
+                <p:cNvPicPr>
+                  <a:picLocks noChangeAspect="1"/>
+                </p:cNvPicPr>
+                <p:nvPr/>
+              </p:nvPicPr>
+              <p:blipFill>
+                <a:blip r:embed="rId3">
+                  <a:extLst>
+                    <a:ext uri="{96DAC541-7B7A-43D3-8B79-37D633B846F1}">
+                      <asvg:svgBlip xmlns:asvg="http://schemas.microsoft.com/office/drawing/2016/SVG/main" r:embed="rId4"/>
+                    </a:ext>
+                  </a:extLst>
+                </a:blip>
+                <a:stretch>
+                  <a:fillRect/>
+                </a:stretch>
+              </p:blipFill>
+              <p:spPr>
+                <a:xfrm rot="16200000">
+                  <a:off x="14371706" y="7036401"/>
+                  <a:ext cx="640080" cy="579120"/>
+                </a:xfrm>
+                <a:prstGeom prst="rect">
+                  <a:avLst/>
+                </a:prstGeom>
+              </p:spPr>
+            </p:pic>
+          </p:grpSp>
+          <p:pic>
+            <p:nvPicPr>
+              <p:cNvPr id="270" name="Graphic 269" descr="Document with solid fill">
+                <a:extLst>
+                  <a:ext uri="{FF2B5EF4-FFF2-40B4-BE49-F238E27FC236}">
+                    <a16:creationId xmlns:a16="http://schemas.microsoft.com/office/drawing/2014/main" id="{C3933A2D-1E0A-0E0D-4C91-54FAF643E3D8}"/>
+                  </a:ext>
+                </a:extLst>
+              </p:cNvPr>
+              <p:cNvPicPr>
+                <a:picLocks noChangeAspect="1"/>
+              </p:cNvPicPr>
+              <p:nvPr/>
+            </p:nvPicPr>
+            <p:blipFill>
+              <a:blip r:embed="rId9">
+                <a:extLst>
+                  <a:ext uri="{96DAC541-7B7A-43D3-8B79-37D633B846F1}">
+                    <asvg:svgBlip xmlns:asvg="http://schemas.microsoft.com/office/drawing/2016/SVG/main" r:embed="rId10"/>
+                  </a:ext>
+                </a:extLst>
+              </a:blip>
+              <a:stretch>
+                <a:fillRect/>
+              </a:stretch>
+            </p:blipFill>
+            <p:spPr>
+              <a:xfrm>
+                <a:off x="13758277" y="5576432"/>
+                <a:ext cx="914400" cy="914400"/>
+              </a:xfrm>
+              <a:prstGeom prst="rect">
+                <a:avLst/>
+              </a:prstGeom>
+            </p:spPr>
+          </p:pic>
+          <p:sp>
+            <p:nvSpPr>
+              <p:cNvPr id="271" name="TextBox 270">
+                <a:extLst>
+                  <a:ext uri="{FF2B5EF4-FFF2-40B4-BE49-F238E27FC236}">
+                    <a16:creationId xmlns:a16="http://schemas.microsoft.com/office/drawing/2014/main" id="{58C0CEB1-9B7A-7574-2AC0-38970906BAD8}"/>
+                  </a:ext>
+                </a:extLst>
+              </p:cNvPr>
+              <p:cNvSpPr txBox="1"/>
+              <p:nvPr/>
+            </p:nvSpPr>
+            <p:spPr>
+              <a:xfrm>
+                <a:off x="12976375" y="6591400"/>
+                <a:ext cx="2502826" cy="461665"/>
+              </a:xfrm>
+              <a:prstGeom prst="rect">
+                <a:avLst/>
+              </a:prstGeom>
+              <a:noFill/>
+            </p:spPr>
+            <p:txBody>
+              <a:bodyPr wrap="square" rtlCol="0">
+                <a:spAutoFit/>
+              </a:bodyPr>
+              <a:lstStyle/>
+              <a:p>
+                <a:pPr algn="ctr"/>
+                <a:r>
+                  <a:rPr lang="en-CN" sz="2400" dirty="0">
+                    <a:solidFill>
+                      <a:schemeClr val="accent2"/>
+                    </a:solidFill>
+                    <a:latin typeface="Bell MT" panose="02020503060305020303" pitchFamily="18" charset="77"/>
+                  </a:rPr>
+                  <a:t>Text Embedding</a:t>
+                </a:r>
+                <a:endParaRPr lang="en-CN" dirty="0">
+                  <a:solidFill>
+                    <a:schemeClr val="accent2"/>
+                  </a:solidFill>
+                  <a:latin typeface="Bell MT" panose="02020503060305020303" pitchFamily="18" charset="77"/>
+                </a:endParaRPr>
+              </a:p>
+            </p:txBody>
+          </p:sp>
+          <p:sp>
+            <p:nvSpPr>
+              <p:cNvPr id="301" name="TextBox 300">
+                <a:extLst>
+                  <a:ext uri="{FF2B5EF4-FFF2-40B4-BE49-F238E27FC236}">
+                    <a16:creationId xmlns:a16="http://schemas.microsoft.com/office/drawing/2014/main" id="{EC548D0B-B07C-4C66-5ACB-9CAA4B4E5D1A}"/>
+                  </a:ext>
+                </a:extLst>
+              </p:cNvPr>
+              <p:cNvSpPr txBox="1"/>
+              <p:nvPr/>
+            </p:nvSpPr>
+            <p:spPr>
+              <a:xfrm>
+                <a:off x="15381426" y="2087066"/>
+                <a:ext cx="640080" cy="307777"/>
+              </a:xfrm>
+              <a:prstGeom prst="rect">
+                <a:avLst/>
+              </a:prstGeom>
+              <a:noFill/>
+            </p:spPr>
+            <p:txBody>
+              <a:bodyPr wrap="square">
+                <a:spAutoFit/>
+              </a:bodyPr>
+              <a:lstStyle/>
+              <a:p>
+                <a:pPr algn="ctr"/>
+                <a:r>
+                  <a:rPr lang="en-CN" sz="1400" dirty="0">
+                    <a:solidFill>
+                      <a:schemeClr val="bg1"/>
+                    </a:solidFill>
+                    <a:latin typeface="Bell MT" panose="02020503060305020303" pitchFamily="18" charset="77"/>
+                  </a:rPr>
+                  <a:t>X</a:t>
+                </a:r>
+                <a:r>
+                  <a:rPr lang="en-CN" sz="900" dirty="0">
+                    <a:solidFill>
+                      <a:schemeClr val="bg1"/>
+                    </a:solidFill>
+                    <a:latin typeface="Bell MT" panose="02020503060305020303" pitchFamily="18" charset="77"/>
+                  </a:rPr>
+                  <a:t>T</a:t>
+                </a:r>
+                <a:r>
+                  <a:rPr lang="en-CN" sz="700" dirty="0">
+                    <a:solidFill>
+                      <a:schemeClr val="bg1"/>
+                    </a:solidFill>
+                    <a:latin typeface="Bell MT" panose="02020503060305020303" pitchFamily="18" charset="77"/>
+                  </a:rPr>
+                  <a:t>k-1</a:t>
+                </a:r>
+                <a:endParaRPr lang="en-CN" sz="1400" dirty="0">
+                  <a:solidFill>
+                    <a:schemeClr val="bg1"/>
+                  </a:solidFill>
+                  <a:latin typeface="Bell MT" panose="02020503060305020303" pitchFamily="18" charset="77"/>
+                </a:endParaRPr>
+              </a:p>
+            </p:txBody>
+          </p:sp>
+          <p:sp>
+            <p:nvSpPr>
+              <p:cNvPr id="302" name="TextBox 301">
+                <a:extLst>
+                  <a:ext uri="{FF2B5EF4-FFF2-40B4-BE49-F238E27FC236}">
+                    <a16:creationId xmlns:a16="http://schemas.microsoft.com/office/drawing/2014/main" id="{E2F7566D-2061-3B61-2FA1-2A7B0EF5A465}"/>
+                  </a:ext>
+                </a:extLst>
+              </p:cNvPr>
+              <p:cNvSpPr txBox="1"/>
+              <p:nvPr/>
+            </p:nvSpPr>
+            <p:spPr>
+              <a:xfrm>
+                <a:off x="16044876" y="2087066"/>
+                <a:ext cx="640080" cy="307777"/>
+              </a:xfrm>
+              <a:prstGeom prst="rect">
+                <a:avLst/>
+              </a:prstGeom>
+              <a:noFill/>
+            </p:spPr>
+            <p:txBody>
+              <a:bodyPr wrap="square">
+                <a:spAutoFit/>
+              </a:bodyPr>
+              <a:lstStyle/>
+              <a:p>
+                <a:pPr algn="ctr"/>
+                <a:r>
+                  <a:rPr lang="en-CN" sz="1400" dirty="0">
+                    <a:solidFill>
+                      <a:schemeClr val="bg1"/>
+                    </a:solidFill>
+                    <a:latin typeface="Bell MT" panose="02020503060305020303" pitchFamily="18" charset="77"/>
+                  </a:rPr>
+                  <a:t>N</a:t>
+                </a:r>
+                <a:r>
+                  <a:rPr lang="en-CN" sz="900" dirty="0">
+                    <a:solidFill>
+                      <a:schemeClr val="bg1"/>
+                    </a:solidFill>
+                    <a:latin typeface="Bell MT" panose="02020503060305020303" pitchFamily="18" charset="77"/>
+                  </a:rPr>
+                  <a:t>T</a:t>
+                </a:r>
+                <a:r>
+                  <a:rPr lang="en-CN" sz="700" dirty="0">
+                    <a:solidFill>
+                      <a:schemeClr val="bg1"/>
+                    </a:solidFill>
+                    <a:latin typeface="Bell MT" panose="02020503060305020303" pitchFamily="18" charset="77"/>
+                  </a:rPr>
+                  <a:t>k-1</a:t>
+                </a:r>
+                <a:endParaRPr lang="en-CN" sz="1400" dirty="0">
+                  <a:solidFill>
+                    <a:schemeClr val="bg1"/>
+                  </a:solidFill>
+                  <a:latin typeface="Bell MT" panose="02020503060305020303" pitchFamily="18" charset="77"/>
+                </a:endParaRPr>
+              </a:p>
+            </p:txBody>
+          </p:sp>
+        </p:grpSp>
+      </p:grpSp>
+      <p:sp>
+        <p:nvSpPr>
+          <p:cNvPr id="304" name="TextBox 303">
+            <a:extLst>
+              <a:ext uri="{FF2B5EF4-FFF2-40B4-BE49-F238E27FC236}">
+                <a16:creationId xmlns:a16="http://schemas.microsoft.com/office/drawing/2014/main" id="{1DF8EA79-968B-0013-92F3-B43AF5C736DF}"/>
+              </a:ext>
+            </a:extLst>
+          </p:cNvPr>
+          <p:cNvSpPr txBox="1"/>
+          <p:nvPr/>
+        </p:nvSpPr>
+        <p:spPr>
+          <a:xfrm>
+            <a:off x="8965558" y="7058937"/>
+            <a:ext cx="7874573" cy="492443"/>
+          </a:xfrm>
+          <a:prstGeom prst="rect">
+            <a:avLst/>
+          </a:prstGeom>
+          <a:noFill/>
+        </p:spPr>
+        <p:txBody>
+          <a:bodyPr wrap="square">
+            <a:spAutoFit/>
+          </a:bodyPr>
+          <a:lstStyle/>
+          <a:p>
+            <a:r>
+              <a:rPr lang="en-CN" sz="2600" b="1" dirty="0">
+                <a:solidFill>
+                  <a:schemeClr val="tx2">
+                    <a:lumMod val="50000"/>
+                    <a:lumOff val="50000"/>
+                  </a:schemeClr>
+                </a:solidFill>
+                <a:latin typeface="Bell MT" panose="02020503060305020303" pitchFamily="18" charset="77"/>
+              </a:rPr>
+              <a:t>Inference: Using Golden Noise Replace Initial Noise</a:t>
+            </a:r>
+          </a:p>
+        </p:txBody>
+      </p:sp>
+      <p:grpSp>
+        <p:nvGrpSpPr>
+          <p:cNvPr id="305" name="Group 304">
+            <a:extLst>
+              <a:ext uri="{FF2B5EF4-FFF2-40B4-BE49-F238E27FC236}">
+                <a16:creationId xmlns:a16="http://schemas.microsoft.com/office/drawing/2014/main" id="{85B62BE0-5546-3D51-AF53-AEFB4DE5DCC9}"/>
+              </a:ext>
+            </a:extLst>
+          </p:cNvPr>
+          <p:cNvGrpSpPr/>
+          <p:nvPr/>
+        </p:nvGrpSpPr>
+        <p:grpSpPr>
+          <a:xfrm>
+            <a:off x="9444531" y="7907658"/>
+            <a:ext cx="4697286" cy="2263577"/>
+            <a:chOff x="3973980" y="5148802"/>
+            <a:chExt cx="4697286" cy="2263577"/>
+          </a:xfrm>
+        </p:grpSpPr>
+        <p:grpSp>
+          <p:nvGrpSpPr>
+            <p:cNvPr id="311" name="Group 310">
+              <a:extLst>
+                <a:ext uri="{FF2B5EF4-FFF2-40B4-BE49-F238E27FC236}">
+                  <a16:creationId xmlns:a16="http://schemas.microsoft.com/office/drawing/2014/main" id="{DB9ABDEA-9ED9-57DF-7F43-591661DD2206}"/>
+                </a:ext>
+              </a:extLst>
+            </p:cNvPr>
+            <p:cNvGrpSpPr/>
+            <p:nvPr/>
+          </p:nvGrpSpPr>
+          <p:grpSpPr>
+            <a:xfrm>
+              <a:off x="5819396" y="5148802"/>
+              <a:ext cx="1088100" cy="876088"/>
+              <a:chOff x="7956215" y="8749558"/>
+              <a:chExt cx="1088100" cy="876088"/>
+            </a:xfrm>
+          </p:grpSpPr>
+          <p:sp>
+            <p:nvSpPr>
+              <p:cNvPr id="319" name="Oval 318">
+                <a:extLst>
+                  <a:ext uri="{FF2B5EF4-FFF2-40B4-BE49-F238E27FC236}">
+                    <a16:creationId xmlns:a16="http://schemas.microsoft.com/office/drawing/2014/main" id="{9EFB06A1-D3E9-D214-8B9B-9EF8F8B83ADD}"/>
+                  </a:ext>
+                </a:extLst>
+              </p:cNvPr>
+              <p:cNvSpPr/>
+              <p:nvPr/>
+            </p:nvSpPr>
+            <p:spPr>
+              <a:xfrm>
+                <a:off x="8061818" y="8749558"/>
+                <a:ext cx="876894" cy="876088"/>
+              </a:xfrm>
+              <a:prstGeom prst="ellipse">
+                <a:avLst/>
+              </a:prstGeom>
+              <a:solidFill>
+                <a:schemeClr val="accent2"/>
+              </a:solidFill>
+              <a:ln>
+                <a:noFill/>
+              </a:ln>
+            </p:spPr>
+            <p:style>
+              <a:lnRef idx="2">
+                <a:schemeClr val="accent1">
+                  <a:shade val="15000"/>
+                </a:schemeClr>
+              </a:lnRef>
+              <a:fillRef idx="1">
+                <a:schemeClr val="accent1"/>
+              </a:fillRef>
+              <a:effectRef idx="0">
+                <a:schemeClr val="accent1"/>
+              </a:effectRef>
+              <a:fontRef idx="minor">
+                <a:schemeClr val="lt1"/>
+              </a:fontRef>
+            </p:style>
+            <p:txBody>
+              <a:bodyPr rtlCol="0" anchor="ctr"/>
+              <a:lstStyle/>
+              <a:p>
+                <a:pPr algn="ctr"/>
+                <a:endParaRPr lang="en-CN" sz="1600" dirty="0">
+                  <a:latin typeface="Bell MT" panose="02020503060305020303" pitchFamily="18" charset="77"/>
+                </a:endParaRPr>
+              </a:p>
+            </p:txBody>
+          </p:sp>
+          <p:sp>
+            <p:nvSpPr>
+              <p:cNvPr id="320" name="TextBox 319">
+                <a:extLst>
+                  <a:ext uri="{FF2B5EF4-FFF2-40B4-BE49-F238E27FC236}">
+                    <a16:creationId xmlns:a16="http://schemas.microsoft.com/office/drawing/2014/main" id="{21F2AC53-CA95-4B72-E9C6-15DD5BED58E6}"/>
+                  </a:ext>
+                </a:extLst>
+              </p:cNvPr>
+              <p:cNvSpPr txBox="1"/>
+              <p:nvPr/>
+            </p:nvSpPr>
+            <p:spPr>
+              <a:xfrm>
+                <a:off x="7956215" y="8956769"/>
+                <a:ext cx="1088100" cy="461665"/>
+              </a:xfrm>
+              <a:prstGeom prst="rect">
+                <a:avLst/>
+              </a:prstGeom>
+              <a:noFill/>
+            </p:spPr>
+            <p:txBody>
+              <a:bodyPr wrap="square" rtlCol="0">
+                <a:spAutoFit/>
+              </a:bodyPr>
+              <a:lstStyle/>
+              <a:p>
+                <a:pPr algn="ctr"/>
+                <a:r>
+                  <a:rPr lang="en-CN" sz="2400" dirty="0">
+                    <a:solidFill>
+                      <a:schemeClr val="bg1"/>
+                    </a:solidFill>
+                    <a:latin typeface="Bell MT" panose="02020503060305020303" pitchFamily="18" charset="77"/>
+                  </a:rPr>
+                  <a:t>Text</a:t>
+                </a:r>
+                <a:endParaRPr lang="en-CN" dirty="0">
+                  <a:solidFill>
+                    <a:schemeClr val="bg1"/>
+                  </a:solidFill>
+                  <a:latin typeface="Bell MT" panose="02020503060305020303" pitchFamily="18" charset="77"/>
+                </a:endParaRPr>
+              </a:p>
+            </p:txBody>
+          </p:sp>
+        </p:grpSp>
+        <p:grpSp>
+          <p:nvGrpSpPr>
+            <p:cNvPr id="312" name="Group 311">
+              <a:extLst>
+                <a:ext uri="{FF2B5EF4-FFF2-40B4-BE49-F238E27FC236}">
+                  <a16:creationId xmlns:a16="http://schemas.microsoft.com/office/drawing/2014/main" id="{72085BF9-24AF-D422-6E6E-582BCA866382}"/>
+                </a:ext>
+              </a:extLst>
+            </p:cNvPr>
+            <p:cNvGrpSpPr/>
+            <p:nvPr/>
+          </p:nvGrpSpPr>
+          <p:grpSpPr>
+            <a:xfrm>
+              <a:off x="3973980" y="6536291"/>
+              <a:ext cx="4697286" cy="876088"/>
+              <a:chOff x="3933157" y="5372777"/>
+              <a:chExt cx="4697286" cy="876088"/>
+            </a:xfrm>
+          </p:grpSpPr>
+          <p:sp>
+            <p:nvSpPr>
+              <p:cNvPr id="314" name="Oval 313">
+                <a:extLst>
+                  <a:ext uri="{FF2B5EF4-FFF2-40B4-BE49-F238E27FC236}">
+                    <a16:creationId xmlns:a16="http://schemas.microsoft.com/office/drawing/2014/main" id="{9E736C08-BB9B-5F5B-466B-6DD24E6C17E1}"/>
+                  </a:ext>
+                </a:extLst>
+              </p:cNvPr>
+              <p:cNvSpPr/>
+              <p:nvPr/>
+            </p:nvSpPr>
+            <p:spPr>
+              <a:xfrm>
+                <a:off x="3933157" y="5372777"/>
+                <a:ext cx="876894" cy="876088"/>
+              </a:xfrm>
+              <a:prstGeom prst="ellipse">
+                <a:avLst/>
+              </a:prstGeom>
+              <a:ln>
+                <a:noFill/>
+              </a:ln>
+            </p:spPr>
+            <p:style>
+              <a:lnRef idx="2">
+                <a:schemeClr val="accent1">
+                  <a:shade val="15000"/>
+                </a:schemeClr>
+              </a:lnRef>
+              <a:fillRef idx="1">
+                <a:schemeClr val="accent1"/>
+              </a:fillRef>
+              <a:effectRef idx="0">
+                <a:schemeClr val="accent1"/>
+              </a:effectRef>
+              <a:fontRef idx="minor">
+                <a:schemeClr val="lt1"/>
+              </a:fontRef>
+            </p:style>
+            <p:txBody>
+              <a:bodyPr rtlCol="0" anchor="ctr"/>
+              <a:lstStyle/>
+              <a:p>
+                <a:pPr algn="ctr"/>
+                <a:r>
+                  <a:rPr lang="en-CN" sz="2400" dirty="0">
+                    <a:latin typeface="Bell MT" panose="02020503060305020303" pitchFamily="18" charset="77"/>
+                  </a:rPr>
+                  <a:t>X</a:t>
+                </a:r>
+                <a:r>
+                  <a:rPr lang="en-CN" sz="1000" dirty="0">
+                    <a:latin typeface="Bell MT" panose="02020503060305020303" pitchFamily="18" charset="77"/>
+                  </a:rPr>
+                  <a:t>T</a:t>
+                </a:r>
+                <a:r>
+                  <a:rPr lang="en-CN" sz="700" dirty="0">
+                    <a:latin typeface="Bell MT" panose="02020503060305020303" pitchFamily="18" charset="77"/>
+                  </a:rPr>
+                  <a:t>0</a:t>
+                </a:r>
+                <a:endParaRPr lang="en-CN" sz="2400" dirty="0">
+                  <a:latin typeface="Bell MT" panose="02020503060305020303" pitchFamily="18" charset="77"/>
+                </a:endParaRPr>
+              </a:p>
+            </p:txBody>
+          </p:sp>
+          <p:sp>
+            <p:nvSpPr>
+              <p:cNvPr id="315" name="Oval 314">
+                <a:extLst>
+                  <a:ext uri="{FF2B5EF4-FFF2-40B4-BE49-F238E27FC236}">
+                    <a16:creationId xmlns:a16="http://schemas.microsoft.com/office/drawing/2014/main" id="{53AD5A97-3786-5F0F-84FF-B29A1F6A0572}"/>
+                  </a:ext>
+                </a:extLst>
+              </p:cNvPr>
+              <p:cNvSpPr/>
+              <p:nvPr/>
+            </p:nvSpPr>
+            <p:spPr>
+              <a:xfrm>
+                <a:off x="7753549" y="5372777"/>
+                <a:ext cx="876894" cy="876088"/>
+              </a:xfrm>
+              <a:prstGeom prst="ellipse">
+                <a:avLst/>
+              </a:prstGeom>
+              <a:ln>
+                <a:noFill/>
+              </a:ln>
+            </p:spPr>
+            <p:style>
+              <a:lnRef idx="2">
+                <a:schemeClr val="accent1">
+                  <a:shade val="15000"/>
+                </a:schemeClr>
+              </a:lnRef>
+              <a:fillRef idx="1">
+                <a:schemeClr val="accent1"/>
+              </a:fillRef>
+              <a:effectRef idx="0">
+                <a:schemeClr val="accent1"/>
+              </a:effectRef>
+              <a:fontRef idx="minor">
+                <a:schemeClr val="lt1"/>
+              </a:fontRef>
+            </p:style>
+            <p:txBody>
+              <a:bodyPr rtlCol="0" anchor="ctr"/>
+              <a:lstStyle/>
+              <a:p>
+                <a:pPr algn="ctr"/>
+                <a:r>
+                  <a:rPr lang="en-CN" sz="2400" dirty="0">
+                    <a:latin typeface="Bell MT" panose="02020503060305020303" pitchFamily="18" charset="77"/>
+                  </a:rPr>
+                  <a:t>N</a:t>
+                </a:r>
+                <a:r>
+                  <a:rPr lang="en-CN" sz="1000" dirty="0">
+                    <a:latin typeface="Bell MT" panose="02020503060305020303" pitchFamily="18" charset="77"/>
+                  </a:rPr>
+                  <a:t>T</a:t>
+                </a:r>
+                <a:r>
+                  <a:rPr lang="en-CN" sz="700" dirty="0">
+                    <a:latin typeface="Bell MT" panose="02020503060305020303" pitchFamily="18" charset="77"/>
+                  </a:rPr>
+                  <a:t>k</a:t>
+                </a:r>
+                <a:endParaRPr lang="en-CN" sz="2400" dirty="0">
+                  <a:latin typeface="Bell MT" panose="02020503060305020303" pitchFamily="18" charset="77"/>
+                </a:endParaRPr>
+              </a:p>
+            </p:txBody>
+          </p:sp>
+          <p:sp>
+            <p:nvSpPr>
+              <p:cNvPr id="316" name="TextBox 315">
+                <a:extLst>
+                  <a:ext uri="{FF2B5EF4-FFF2-40B4-BE49-F238E27FC236}">
+                    <a16:creationId xmlns:a16="http://schemas.microsoft.com/office/drawing/2014/main" id="{8D72DA6A-65CB-EC1B-C1EA-4085A2E2B5C4}"/>
+                  </a:ext>
+                </a:extLst>
+              </p:cNvPr>
+              <p:cNvSpPr txBox="1"/>
+              <p:nvPr/>
+            </p:nvSpPr>
+            <p:spPr>
+              <a:xfrm>
+                <a:off x="5310629" y="5549211"/>
+                <a:ext cx="2023989" cy="523220"/>
+              </a:xfrm>
+              <a:prstGeom prst="rect">
+                <a:avLst/>
+              </a:prstGeom>
+              <a:noFill/>
+            </p:spPr>
+            <p:txBody>
+              <a:bodyPr wrap="square">
+                <a:spAutoFit/>
+              </a:bodyPr>
+              <a:lstStyle/>
+              <a:p>
+                <a:pPr algn="ctr"/>
+                <a:r>
+                  <a:rPr lang="en-US" sz="2800" b="1" u="sng" dirty="0">
+                    <a:latin typeface="Bell MT" panose="02020503060305020303" pitchFamily="18" charset="77"/>
+                  </a:rPr>
+                  <a:t>GNSNet</a:t>
+                </a:r>
+                <a:endParaRPr lang="en-CN" u="sng" dirty="0"/>
+              </a:p>
+            </p:txBody>
+          </p:sp>
+          <p:cxnSp>
+            <p:nvCxnSpPr>
+              <p:cNvPr id="317" name="Straight Arrow Connector 316">
+                <a:extLst>
+                  <a:ext uri="{FF2B5EF4-FFF2-40B4-BE49-F238E27FC236}">
+                    <a16:creationId xmlns:a16="http://schemas.microsoft.com/office/drawing/2014/main" id="{3FF47664-7CEA-824A-06E1-272E97002177}"/>
+                  </a:ext>
+                </a:extLst>
+              </p:cNvPr>
+              <p:cNvCxnSpPr/>
+              <p:nvPr/>
+            </p:nvCxnSpPr>
+            <p:spPr>
+              <a:xfrm>
+                <a:off x="4910578" y="5810821"/>
+                <a:ext cx="636814" cy="0"/>
+              </a:xfrm>
+              <a:prstGeom prst="straightConnector1">
+                <a:avLst/>
+              </a:prstGeom>
+              <a:ln w="47625">
+                <a:solidFill>
+                  <a:schemeClr val="tx1"/>
+                </a:solidFill>
+                <a:tailEnd type="triangle"/>
+              </a:ln>
+            </p:spPr>
+            <p:style>
+              <a:lnRef idx="2">
+                <a:schemeClr val="accent1"/>
+              </a:lnRef>
+              <a:fillRef idx="0">
+                <a:schemeClr val="accent1"/>
+              </a:fillRef>
+              <a:effectRef idx="1">
+                <a:schemeClr val="accent1"/>
+              </a:effectRef>
+              <a:fontRef idx="minor">
+                <a:schemeClr val="tx1"/>
+              </a:fontRef>
+            </p:style>
+          </p:cxnSp>
+          <p:cxnSp>
+            <p:nvCxnSpPr>
+              <p:cNvPr id="318" name="Straight Arrow Connector 317">
+                <a:extLst>
+                  <a:ext uri="{FF2B5EF4-FFF2-40B4-BE49-F238E27FC236}">
+                    <a16:creationId xmlns:a16="http://schemas.microsoft.com/office/drawing/2014/main" id="{9FD61ED0-954C-3038-D715-8C31C7D687DC}"/>
+                  </a:ext>
+                </a:extLst>
+              </p:cNvPr>
+              <p:cNvCxnSpPr/>
+              <p:nvPr/>
+            </p:nvCxnSpPr>
+            <p:spPr>
+              <a:xfrm>
+                <a:off x="7116735" y="5814113"/>
+                <a:ext cx="636814" cy="0"/>
+              </a:xfrm>
+              <a:prstGeom prst="straightConnector1">
+                <a:avLst/>
+              </a:prstGeom>
+              <a:ln w="47625">
+                <a:solidFill>
+                  <a:schemeClr val="tx1"/>
+                </a:solidFill>
+                <a:tailEnd type="triangle"/>
+              </a:ln>
+            </p:spPr>
+            <p:style>
+              <a:lnRef idx="2">
+                <a:schemeClr val="accent1"/>
+              </a:lnRef>
+              <a:fillRef idx="0">
+                <a:schemeClr val="accent1"/>
+              </a:fillRef>
+              <a:effectRef idx="1">
+                <a:schemeClr val="accent1"/>
+              </a:effectRef>
+              <a:fontRef idx="minor">
+                <a:schemeClr val="tx1"/>
+              </a:fontRef>
+            </p:style>
+          </p:cxnSp>
+        </p:grpSp>
+        <p:cxnSp>
+          <p:nvCxnSpPr>
+            <p:cNvPr id="313" name="Straight Arrow Connector 312">
+              <a:extLst>
+                <a:ext uri="{FF2B5EF4-FFF2-40B4-BE49-F238E27FC236}">
+                  <a16:creationId xmlns:a16="http://schemas.microsoft.com/office/drawing/2014/main" id="{5AFF2E79-0917-5F70-4131-D80AF6990946}"/>
+                </a:ext>
+              </a:extLst>
+            </p:cNvPr>
+            <p:cNvCxnSpPr>
+              <a:cxnSpLocks/>
+            </p:cNvCxnSpPr>
+            <p:nvPr/>
+          </p:nvCxnSpPr>
+          <p:spPr>
+            <a:xfrm>
+              <a:off x="6363446" y="6081470"/>
+              <a:ext cx="0" cy="631255"/>
+            </a:xfrm>
+            <a:prstGeom prst="straightConnector1">
+              <a:avLst/>
+            </a:prstGeom>
+            <a:ln w="47625">
+              <a:solidFill>
+                <a:schemeClr val="tx1"/>
+              </a:solidFill>
+              <a:tailEnd type="triangle"/>
+            </a:ln>
+          </p:spPr>
+          <p:style>
+            <a:lnRef idx="2">
+              <a:schemeClr val="accent1"/>
+            </a:lnRef>
+            <a:fillRef idx="0">
+              <a:schemeClr val="accent1"/>
+            </a:fillRef>
+            <a:effectRef idx="1">
+              <a:schemeClr val="accent1"/>
+            </a:effectRef>
+            <a:fontRef idx="minor">
+              <a:schemeClr val="tx1"/>
+            </a:fontRef>
+          </p:style>
+        </p:cxnSp>
+      </p:grpSp>
+      <p:sp>
+        <p:nvSpPr>
+          <p:cNvPr id="306" name="Rounded Rectangle 305">
+            <a:extLst>
+              <a:ext uri="{FF2B5EF4-FFF2-40B4-BE49-F238E27FC236}">
+                <a16:creationId xmlns:a16="http://schemas.microsoft.com/office/drawing/2014/main" id="{B3BF013B-8CBF-DB2D-C49C-7356EF473AD2}"/>
+              </a:ext>
+            </a:extLst>
+          </p:cNvPr>
+          <p:cNvSpPr/>
+          <p:nvPr/>
+        </p:nvSpPr>
+        <p:spPr>
+          <a:xfrm>
+            <a:off x="14746724" y="8113296"/>
+            <a:ext cx="2375438" cy="1879929"/>
+          </a:xfrm>
+          <a:prstGeom prst="roundRect">
+            <a:avLst/>
+          </a:prstGeom>
+          <a:ln>
+            <a:noFill/>
+          </a:ln>
+        </p:spPr>
+        <p:style>
+          <a:lnRef idx="2">
+            <a:schemeClr val="accent1">
+              <a:shade val="15000"/>
+            </a:schemeClr>
+          </a:lnRef>
+          <a:fillRef idx="1">
+            <a:schemeClr val="accent1"/>
+          </a:fillRef>
+          <a:effectRef idx="0">
+            <a:schemeClr val="accent1"/>
+          </a:effectRef>
+          <a:fontRef idx="minor">
+            <a:schemeClr val="lt1"/>
+          </a:fontRef>
+        </p:style>
+        <p:txBody>
+          <a:bodyPr rtlCol="0" anchor="ctr"/>
+          <a:lstStyle/>
+          <a:p>
+            <a:pPr algn="ctr"/>
+            <a:r>
+              <a:rPr lang="en-CN" sz="2400" dirty="0">
+                <a:latin typeface="Bell MT" panose="02020503060305020303" pitchFamily="18" charset="77"/>
+              </a:rPr>
+              <a:t>Text-to-Image Model</a:t>
+            </a:r>
+          </a:p>
+        </p:txBody>
+      </p:sp>
+      <p:cxnSp>
+        <p:nvCxnSpPr>
+          <p:cNvPr id="307" name="Straight Arrow Connector 306">
+            <a:extLst>
+              <a:ext uri="{FF2B5EF4-FFF2-40B4-BE49-F238E27FC236}">
+                <a16:creationId xmlns:a16="http://schemas.microsoft.com/office/drawing/2014/main" id="{4C68A7C5-F7BA-2D1A-99DF-14DD87FF3409}"/>
+              </a:ext>
+            </a:extLst>
+          </p:cNvPr>
+          <p:cNvCxnSpPr>
+            <a:cxnSpLocks/>
+          </p:cNvCxnSpPr>
+          <p:nvPr/>
+        </p:nvCxnSpPr>
+        <p:spPr>
+          <a:xfrm>
+            <a:off x="12527585" y="8313240"/>
+            <a:ext cx="2101308" cy="0"/>
+          </a:xfrm>
+          <a:prstGeom prst="straightConnector1">
+            <a:avLst/>
+          </a:prstGeom>
+          <a:ln w="47625">
+            <a:solidFill>
+              <a:schemeClr val="tx1"/>
+            </a:solidFill>
+            <a:tailEnd type="triangle"/>
+          </a:ln>
+        </p:spPr>
+        <p:style>
+          <a:lnRef idx="2">
+            <a:schemeClr val="accent1"/>
+          </a:lnRef>
+          <a:fillRef idx="0">
+            <a:schemeClr val="accent1"/>
+          </a:fillRef>
+          <a:effectRef idx="1">
+            <a:schemeClr val="accent1"/>
+          </a:effectRef>
+          <a:fontRef idx="minor">
+            <a:schemeClr val="tx1"/>
+          </a:fontRef>
+        </p:style>
+      </p:cxnSp>
+      <p:cxnSp>
+        <p:nvCxnSpPr>
+          <p:cNvPr id="308" name="Straight Arrow Connector 307">
+            <a:extLst>
+              <a:ext uri="{FF2B5EF4-FFF2-40B4-BE49-F238E27FC236}">
+                <a16:creationId xmlns:a16="http://schemas.microsoft.com/office/drawing/2014/main" id="{CF7961B2-12F4-5DE8-89EF-338BE1AEA4E1}"/>
+              </a:ext>
+            </a:extLst>
+          </p:cNvPr>
+          <p:cNvCxnSpPr>
+            <a:cxnSpLocks/>
+          </p:cNvCxnSpPr>
+          <p:nvPr/>
+        </p:nvCxnSpPr>
+        <p:spPr>
+          <a:xfrm>
+            <a:off x="14224607" y="9733191"/>
+            <a:ext cx="404286" cy="0"/>
+          </a:xfrm>
+          <a:prstGeom prst="straightConnector1">
+            <a:avLst/>
+          </a:prstGeom>
+          <a:ln w="47625">
+            <a:solidFill>
+              <a:schemeClr val="tx1"/>
+            </a:solidFill>
+            <a:tailEnd type="triangle"/>
+          </a:ln>
+        </p:spPr>
+        <p:style>
+          <a:lnRef idx="2">
+            <a:schemeClr val="accent1"/>
+          </a:lnRef>
+          <a:fillRef idx="0">
+            <a:schemeClr val="accent1"/>
+          </a:fillRef>
+          <a:effectRef idx="1">
+            <a:schemeClr val="accent1"/>
+          </a:effectRef>
+          <a:fontRef idx="minor">
+            <a:schemeClr val="tx1"/>
+          </a:fontRef>
+        </p:style>
+      </p:cxnSp>
+      <p:cxnSp>
+        <p:nvCxnSpPr>
+          <p:cNvPr id="309" name="Straight Arrow Connector 308">
+            <a:extLst>
+              <a:ext uri="{FF2B5EF4-FFF2-40B4-BE49-F238E27FC236}">
+                <a16:creationId xmlns:a16="http://schemas.microsoft.com/office/drawing/2014/main" id="{DABA9BEC-2199-F100-CF85-4D7116E7B7F2}"/>
+              </a:ext>
+            </a:extLst>
+          </p:cNvPr>
+          <p:cNvCxnSpPr>
+            <a:cxnSpLocks/>
+          </p:cNvCxnSpPr>
+          <p:nvPr/>
+        </p:nvCxnSpPr>
+        <p:spPr>
+          <a:xfrm>
+            <a:off x="17193274" y="9053260"/>
+            <a:ext cx="863760" cy="0"/>
+          </a:xfrm>
+          <a:prstGeom prst="straightConnector1">
+            <a:avLst/>
+          </a:prstGeom>
+          <a:ln w="47625">
+            <a:solidFill>
+              <a:schemeClr val="tx1"/>
+            </a:solidFill>
+            <a:tailEnd type="triangle"/>
+          </a:ln>
+        </p:spPr>
+        <p:style>
+          <a:lnRef idx="2">
+            <a:schemeClr val="accent1"/>
+          </a:lnRef>
+          <a:fillRef idx="0">
+            <a:schemeClr val="accent1"/>
+          </a:fillRef>
+          <a:effectRef idx="1">
+            <a:schemeClr val="accent1"/>
+          </a:effectRef>
+          <a:fontRef idx="minor">
+            <a:schemeClr val="tx1"/>
+          </a:fontRef>
+        </p:style>
+      </p:cxnSp>
+      <p:sp>
+        <p:nvSpPr>
+          <p:cNvPr id="330" name="TextBox 329">
+            <a:extLst>
+              <a:ext uri="{FF2B5EF4-FFF2-40B4-BE49-F238E27FC236}">
+                <a16:creationId xmlns:a16="http://schemas.microsoft.com/office/drawing/2014/main" id="{FA560ED6-6FB8-42A4-408B-459D2CE2227A}"/>
+              </a:ext>
+            </a:extLst>
+          </p:cNvPr>
+          <p:cNvSpPr txBox="1"/>
+          <p:nvPr/>
+        </p:nvSpPr>
+        <p:spPr>
+          <a:xfrm>
+            <a:off x="6163245" y="5335591"/>
+            <a:ext cx="1060355" cy="461665"/>
+          </a:xfrm>
+          <a:prstGeom prst="rect">
+            <a:avLst/>
+          </a:prstGeom>
+          <a:noFill/>
+        </p:spPr>
+        <p:txBody>
+          <a:bodyPr wrap="square">
+            <a:spAutoFit/>
+          </a:bodyPr>
+          <a:lstStyle/>
+          <a:p>
+            <a:pPr algn="ctr"/>
+            <a:r>
+              <a:rPr lang="en-CN" sz="2400" dirty="0">
+                <a:solidFill>
+                  <a:schemeClr val="bg1"/>
+                </a:solidFill>
+                <a:latin typeface="Bell MT" panose="02020503060305020303" pitchFamily="18" charset="77"/>
+              </a:rPr>
+              <a:t>X</a:t>
+            </a:r>
+            <a:r>
+              <a:rPr lang="zh-CN" altLang="en-US" sz="2400" dirty="0">
+                <a:solidFill>
+                  <a:schemeClr val="bg1"/>
+                </a:solidFill>
+                <a:latin typeface="Bell MT" panose="02020503060305020303" pitchFamily="18" charset="77"/>
+              </a:rPr>
+              <a:t>’</a:t>
+            </a:r>
+            <a:r>
+              <a:rPr lang="en-CN" sz="1000" dirty="0">
+                <a:solidFill>
+                  <a:schemeClr val="bg1"/>
+                </a:solidFill>
+                <a:latin typeface="Bell MT" panose="02020503060305020303" pitchFamily="18" charset="77"/>
+              </a:rPr>
+              <a:t>T</a:t>
+            </a:r>
+            <a:r>
+              <a:rPr lang="en-US" sz="700" dirty="0">
+                <a:solidFill>
+                  <a:schemeClr val="bg1"/>
+                </a:solidFill>
+                <a:latin typeface="Bell MT" panose="02020503060305020303" pitchFamily="18" charset="77"/>
+              </a:rPr>
+              <a:t>k</a:t>
+            </a:r>
+            <a:r>
+              <a:rPr lang="en-US" altLang="zh-CN" sz="700" dirty="0">
+                <a:solidFill>
+                  <a:schemeClr val="bg1"/>
+                </a:solidFill>
+                <a:latin typeface="Bell MT" panose="02020503060305020303" pitchFamily="18" charset="77"/>
+              </a:rPr>
+              <a:t>-1</a:t>
+            </a:r>
+            <a:endParaRPr lang="en-CN" sz="1800" dirty="0">
+              <a:solidFill>
+                <a:schemeClr val="bg1"/>
+              </a:solidFill>
+              <a:latin typeface="Bell MT" panose="02020503060305020303" pitchFamily="18" charset="77"/>
+            </a:endParaRPr>
+          </a:p>
+        </p:txBody>
+      </p:sp>
+      <p:pic>
+        <p:nvPicPr>
+          <p:cNvPr id="5" name="Picture 4">
+            <a:extLst>
+              <a:ext uri="{FF2B5EF4-FFF2-40B4-BE49-F238E27FC236}">
+                <a16:creationId xmlns:a16="http://schemas.microsoft.com/office/drawing/2014/main" id="{1D3F0D4C-65A4-E65B-A8EC-F1A51D9B6957}"/>
+              </a:ext>
+            </a:extLst>
+          </p:cNvPr>
+          <p:cNvPicPr>
+            <a:picLocks noChangeAspect="1"/>
+          </p:cNvPicPr>
+          <p:nvPr/>
+        </p:nvPicPr>
+        <p:blipFill>
+          <a:blip r:embed="rId11"/>
+          <a:stretch>
+            <a:fillRect/>
+          </a:stretch>
+        </p:blipFill>
+        <p:spPr>
+          <a:xfrm>
+            <a:off x="18140238" y="8434548"/>
+            <a:ext cx="1298643" cy="1298643"/>
+          </a:xfrm>
+          <a:prstGeom prst="rect">
+            <a:avLst/>
+          </a:prstGeom>
+        </p:spPr>
+      </p:pic>
+      <p:sp>
+        <p:nvSpPr>
+          <p:cNvPr id="9" name="TextBox 8">
+            <a:extLst>
+              <a:ext uri="{FF2B5EF4-FFF2-40B4-BE49-F238E27FC236}">
+                <a16:creationId xmlns:a16="http://schemas.microsoft.com/office/drawing/2014/main" id="{69D463D5-32EB-E609-F8CB-AF5BEAFB18C9}"/>
+              </a:ext>
+            </a:extLst>
+          </p:cNvPr>
+          <p:cNvSpPr txBox="1"/>
+          <p:nvPr/>
+        </p:nvSpPr>
+        <p:spPr>
+          <a:xfrm>
+            <a:off x="9370672" y="7713075"/>
+            <a:ext cx="2108970" cy="1200329"/>
+          </a:xfrm>
+          <a:prstGeom prst="rect">
+            <a:avLst/>
+          </a:prstGeom>
+          <a:noFill/>
+        </p:spPr>
+        <p:txBody>
+          <a:bodyPr wrap="square">
+            <a:spAutoFit/>
+          </a:bodyPr>
+          <a:lstStyle/>
+          <a:p>
+            <a:r>
+              <a:rPr lang="en-CN" dirty="0">
+                <a:solidFill>
+                  <a:schemeClr val="accent2"/>
+                </a:solidFill>
+                <a:latin typeface="Britannic Bold" panose="020B0903060703020204" pitchFamily="34" charset="77"/>
+              </a:rPr>
+              <a:t>Cat</a:t>
+            </a:r>
+            <a:r>
+              <a:rPr lang="en-CN" dirty="0">
+                <a:latin typeface="Britannic Bold" panose="020B0903060703020204" pitchFamily="34" charset="77"/>
+              </a:rPr>
+              <a:t> sitting on a </a:t>
+            </a:r>
+            <a:r>
+              <a:rPr lang="en-CN" dirty="0">
+                <a:solidFill>
+                  <a:schemeClr val="accent2"/>
+                </a:solidFill>
+                <a:latin typeface="Britannic Bold" panose="020B0903060703020204" pitchFamily="34" charset="77"/>
+              </a:rPr>
+              <a:t>windowsill</a:t>
+            </a:r>
+            <a:r>
+              <a:rPr lang="en-CN" dirty="0">
+                <a:latin typeface="Britannic Bold" panose="020B0903060703020204" pitchFamily="34" charset="77"/>
+              </a:rPr>
+              <a:t> looking out at </a:t>
+            </a:r>
+            <a:r>
+              <a:rPr lang="en-CN" dirty="0">
+                <a:solidFill>
+                  <a:schemeClr val="accent2"/>
+                </a:solidFill>
+                <a:latin typeface="Britannic Bold" panose="020B0903060703020204" pitchFamily="34" charset="77"/>
+              </a:rPr>
+              <a:t>rain</a:t>
+            </a:r>
+            <a:r>
+              <a:rPr lang="en-CN" dirty="0">
+                <a:latin typeface="Britannic Bold" panose="020B0903060703020204" pitchFamily="34" charset="77"/>
+              </a:rPr>
+              <a:t>, </a:t>
+            </a:r>
+            <a:r>
+              <a:rPr lang="en-CN" dirty="0">
+                <a:solidFill>
+                  <a:schemeClr val="accent2"/>
+                </a:solidFill>
+                <a:latin typeface="Britannic Bold" panose="020B0903060703020204" pitchFamily="34" charset="77"/>
+              </a:rPr>
+              <a:t>oil painting style</a:t>
+            </a:r>
+            <a:r>
+              <a:rPr lang="en-CN" dirty="0">
+                <a:latin typeface="Britannic Bold" panose="020B0903060703020204" pitchFamily="34" charset="77"/>
+              </a:rPr>
+              <a:t>.</a:t>
+            </a:r>
+          </a:p>
+        </p:txBody>
+      </p:sp>
+    </p:spTree>
+    <p:extLst>
+      <p:ext uri="{BB962C8B-B14F-4D97-AF65-F5344CB8AC3E}">
+        <p14:creationId xmlns:p14="http://schemas.microsoft.com/office/powerpoint/2010/main" val="154573489"/>
+      </p:ext>
+    </p:extLst>
+  </p:cSld>
+  <p:clrMapOvr>
+    <a:masterClrMapping/>
+  </p:clrMapOvr>
+</p:sld>
+</file>
+
+<file path=ppt/slides/slide9.xml><?xml version="1.0" encoding="utf-8"?>
+<p:sld xmlns:a="http://schemas.openxmlformats.org/drawingml/2006/main" xmlns:r="http://schemas.openxmlformats.org/officeDocument/2006/relationships" xmlns:p="http://schemas.openxmlformats.org/presentationml/2006/main">
+  <p:cSld>
+    <p:spTree>
+      <p:nvGrpSpPr>
+        <p:cNvPr id="1" name="">
+          <a:extLst>
+            <a:ext uri="{FF2B5EF4-FFF2-40B4-BE49-F238E27FC236}">
               <a16:creationId xmlns:a16="http://schemas.microsoft.com/office/drawing/2014/main" id="{6BAE87A4-92D4-DCFD-EA68-0CCE4F11789E}"/>
             </a:ext>
           </a:extLst>
@@ -31274,89 +38808,40 @@
           </p:spPr>
         </p:pic>
       </p:grpSp>
+      <p:pic>
+        <p:nvPicPr>
+          <p:cNvPr id="3" name="Picture 2">
+            <a:extLst>
+              <a:ext uri="{FF2B5EF4-FFF2-40B4-BE49-F238E27FC236}">
+                <a16:creationId xmlns:a16="http://schemas.microsoft.com/office/drawing/2014/main" id="{F294CE8C-1BFD-C6ED-C176-80A9FE951722}"/>
+              </a:ext>
+            </a:extLst>
+          </p:cNvPr>
+          <p:cNvPicPr>
+            <a:picLocks noChangeAspect="1"/>
+          </p:cNvPicPr>
+          <p:nvPr/>
+        </p:nvPicPr>
+        <p:blipFill>
+          <a:blip r:embed="rId4"/>
+          <a:stretch>
+            <a:fillRect/>
+          </a:stretch>
+        </p:blipFill>
+        <p:spPr>
+          <a:xfrm>
+            <a:off x="9958377" y="1770061"/>
+            <a:ext cx="1163928" cy="1163928"/>
+          </a:xfrm>
+          <a:prstGeom prst="rect">
+            <a:avLst/>
+          </a:prstGeom>
+        </p:spPr>
+      </p:pic>
     </p:spTree>
     <p:extLst>
       <p:ext uri="{BB962C8B-B14F-4D97-AF65-F5344CB8AC3E}">
         <p14:creationId xmlns:p14="http://schemas.microsoft.com/office/powerpoint/2010/main" val="1548375975"/>
-      </p:ext>
-    </p:extLst>
-  </p:cSld>
-  <p:clrMapOvr>
-    <a:masterClrMapping/>
-  </p:clrMapOvr>
-</p:sld>
-</file>
-
-<file path=ppt/slides/slide9.xml><?xml version="1.0" encoding="utf-8"?>
-<p:sld xmlns:a="http://schemas.openxmlformats.org/drawingml/2006/main" xmlns:r="http://schemas.openxmlformats.org/officeDocument/2006/relationships" xmlns:p="http://schemas.openxmlformats.org/presentationml/2006/main">
-  <p:cSld>
-    <p:spTree>
-      <p:nvGrpSpPr>
-        <p:cNvPr id="1" name="">
-          <a:extLst>
-            <a:ext uri="{FF2B5EF4-FFF2-40B4-BE49-F238E27FC236}">
-              <a16:creationId xmlns:a16="http://schemas.microsoft.com/office/drawing/2014/main" id="{71AB7CFB-B9A1-5B42-02DD-68EA0FCB4034}"/>
-            </a:ext>
-          </a:extLst>
-        </p:cNvPr>
-        <p:cNvGrpSpPr/>
-        <p:nvPr/>
-      </p:nvGrpSpPr>
-      <p:grpSpPr>
-        <a:xfrm>
-          <a:off x="0" y="0"/>
-          <a:ext cx="0" cy="0"/>
-          <a:chOff x="0" y="0"/>
-          <a:chExt cx="0" cy="0"/>
-        </a:xfrm>
-      </p:grpSpPr>
-      <p:sp>
-        <p:nvSpPr>
-          <p:cNvPr id="5" name="TextBox 4">
-            <a:extLst>
-              <a:ext uri="{FF2B5EF4-FFF2-40B4-BE49-F238E27FC236}">
-                <a16:creationId xmlns:a16="http://schemas.microsoft.com/office/drawing/2014/main" id="{A2216244-6ADD-A439-D3C9-B3F74792AD29}"/>
-              </a:ext>
-            </a:extLst>
-          </p:cNvPr>
-          <p:cNvSpPr txBox="1"/>
-          <p:nvPr/>
-        </p:nvSpPr>
-        <p:spPr>
-          <a:xfrm>
-            <a:off x="1147427" y="7100431"/>
-            <a:ext cx="7874573" cy="492443"/>
-          </a:xfrm>
-          <a:prstGeom prst="rect">
-            <a:avLst/>
-          </a:prstGeom>
-          <a:noFill/>
-        </p:spPr>
-        <p:txBody>
-          <a:bodyPr wrap="square">
-            <a:spAutoFit/>
-          </a:bodyPr>
-          <a:lstStyle/>
-          <a:p>
-            <a:r>
-              <a:rPr lang="en-CN" sz="2600" b="1" dirty="0">
-                <a:solidFill>
-                  <a:schemeClr val="tx2">
-                    <a:lumMod val="50000"/>
-                    <a:lumOff val="50000"/>
-                  </a:schemeClr>
-                </a:solidFill>
-                <a:latin typeface="Bell MT" panose="02020503060305020303" pitchFamily="18" charset="77"/>
-              </a:rPr>
-              <a:t>Inference</a:t>
-            </a:r>
-          </a:p>
-        </p:txBody>
-      </p:sp>
-    </p:spTree>
-    <p:extLst>
-      <p:ext uri="{BB962C8B-B14F-4D97-AF65-F5344CB8AC3E}">
-        <p14:creationId xmlns:p14="http://schemas.microsoft.com/office/powerpoint/2010/main" val="3468483384"/>
       </p:ext>
     </p:extLst>
   </p:cSld>
